--- a/Lab_4/Pristatymas.pptx
+++ b/Lab_4/Pristatymas.pptx
@@ -20,11 +20,14 @@
     <p:sldId id="277" r:id="rId14"/>
     <p:sldId id="281" r:id="rId15"/>
     <p:sldId id="279" r:id="rId16"/>
-    <p:sldId id="274" r:id="rId17"/>
-    <p:sldId id="275" r:id="rId18"/>
-    <p:sldId id="276" r:id="rId19"/>
-    <p:sldId id="285" r:id="rId20"/>
-    <p:sldId id="269" r:id="rId21"/>
+    <p:sldId id="286" r:id="rId17"/>
+    <p:sldId id="287" r:id="rId18"/>
+    <p:sldId id="288" r:id="rId19"/>
+    <p:sldId id="274" r:id="rId20"/>
+    <p:sldId id="275" r:id="rId21"/>
+    <p:sldId id="276" r:id="rId22"/>
+    <p:sldId id="285" r:id="rId23"/>
+    <p:sldId id="269" r:id="rId24"/>
   </p:sldIdLst>
   <p:sldSz cx="12192000" cy="6858000"/>
   <p:notesSz cx="6858000" cy="9144000"/>
@@ -270,7 +273,7 @@
           <a:p>
             <a:fld id="{6F4E3E68-314E-4E62-AA8A-BE3F20F81523}" type="datetimeFigureOut">
               <a:rPr lang="en-US" smtClean="0"/>
-              <a:t>5/18/2022</a:t>
+              <a:t>5/23/2022</a:t>
             </a:fld>
             <a:endParaRPr lang="en-US"/>
           </a:p>
@@ -440,7 +443,7 @@
           <a:p>
             <a:fld id="{6F4E3E68-314E-4E62-AA8A-BE3F20F81523}" type="datetimeFigureOut">
               <a:rPr lang="en-US" smtClean="0"/>
-              <a:t>5/18/2022</a:t>
+              <a:t>5/23/2022</a:t>
             </a:fld>
             <a:endParaRPr lang="en-US"/>
           </a:p>
@@ -620,7 +623,7 @@
           <a:p>
             <a:fld id="{6F4E3E68-314E-4E62-AA8A-BE3F20F81523}" type="datetimeFigureOut">
               <a:rPr lang="en-US" smtClean="0"/>
-              <a:t>5/18/2022</a:t>
+              <a:t>5/23/2022</a:t>
             </a:fld>
             <a:endParaRPr lang="en-US"/>
           </a:p>
@@ -790,7 +793,7 @@
           <a:p>
             <a:fld id="{6F4E3E68-314E-4E62-AA8A-BE3F20F81523}" type="datetimeFigureOut">
               <a:rPr lang="en-US" smtClean="0"/>
-              <a:t>5/18/2022</a:t>
+              <a:t>5/23/2022</a:t>
             </a:fld>
             <a:endParaRPr lang="en-US"/>
           </a:p>
@@ -1036,7 +1039,7 @@
           <a:p>
             <a:fld id="{6F4E3E68-314E-4E62-AA8A-BE3F20F81523}" type="datetimeFigureOut">
               <a:rPr lang="en-US" smtClean="0"/>
-              <a:t>5/18/2022</a:t>
+              <a:t>5/23/2022</a:t>
             </a:fld>
             <a:endParaRPr lang="en-US"/>
           </a:p>
@@ -1268,7 +1271,7 @@
           <a:p>
             <a:fld id="{6F4E3E68-314E-4E62-AA8A-BE3F20F81523}" type="datetimeFigureOut">
               <a:rPr lang="en-US" smtClean="0"/>
-              <a:t>5/18/2022</a:t>
+              <a:t>5/23/2022</a:t>
             </a:fld>
             <a:endParaRPr lang="en-US"/>
           </a:p>
@@ -1635,7 +1638,7 @@
           <a:p>
             <a:fld id="{6F4E3E68-314E-4E62-AA8A-BE3F20F81523}" type="datetimeFigureOut">
               <a:rPr lang="en-US" smtClean="0"/>
-              <a:t>5/18/2022</a:t>
+              <a:t>5/23/2022</a:t>
             </a:fld>
             <a:endParaRPr lang="en-US"/>
           </a:p>
@@ -1753,7 +1756,7 @@
           <a:p>
             <a:fld id="{6F4E3E68-314E-4E62-AA8A-BE3F20F81523}" type="datetimeFigureOut">
               <a:rPr lang="en-US" smtClean="0"/>
-              <a:t>5/18/2022</a:t>
+              <a:t>5/23/2022</a:t>
             </a:fld>
             <a:endParaRPr lang="en-US"/>
           </a:p>
@@ -1848,7 +1851,7 @@
           <a:p>
             <a:fld id="{6F4E3E68-314E-4E62-AA8A-BE3F20F81523}" type="datetimeFigureOut">
               <a:rPr lang="en-US" smtClean="0"/>
-              <a:t>5/18/2022</a:t>
+              <a:t>5/23/2022</a:t>
             </a:fld>
             <a:endParaRPr lang="en-US"/>
           </a:p>
@@ -2125,7 +2128,7 @@
           <a:p>
             <a:fld id="{6F4E3E68-314E-4E62-AA8A-BE3F20F81523}" type="datetimeFigureOut">
               <a:rPr lang="en-US" smtClean="0"/>
-              <a:t>5/18/2022</a:t>
+              <a:t>5/23/2022</a:t>
             </a:fld>
             <a:endParaRPr lang="en-US"/>
           </a:p>
@@ -2378,7 +2381,7 @@
           <a:p>
             <a:fld id="{6F4E3E68-314E-4E62-AA8A-BE3F20F81523}" type="datetimeFigureOut">
               <a:rPr lang="en-US" smtClean="0"/>
-              <a:t>5/18/2022</a:t>
+              <a:t>5/23/2022</a:t>
             </a:fld>
             <a:endParaRPr lang="en-US"/>
           </a:p>
@@ -2591,7 +2594,7 @@
           <a:p>
             <a:fld id="{6F4E3E68-314E-4E62-AA8A-BE3F20F81523}" type="datetimeFigureOut">
               <a:rPr lang="en-US" smtClean="0"/>
-              <a:t>5/18/2022</a:t>
+              <a:t>5/23/2022</a:t>
             </a:fld>
             <a:endParaRPr lang="en-US"/>
           </a:p>
@@ -3241,10 +3244,10 @@
       </p:sp>
       <p:pic>
         <p:nvPicPr>
-          <p:cNvPr id="7" name="Turinio vietos rezervavimo ženklas 6">
+          <p:cNvPr id="5" name="Turinio vietos rezervavimo ženklas 4">
             <a:extLst>
               <a:ext uri="{FF2B5EF4-FFF2-40B4-BE49-F238E27FC236}">
-                <a16:creationId xmlns:a16="http://schemas.microsoft.com/office/drawing/2014/main" id="{43E46623-6908-7F1B-46B9-6A66243502C5}"/>
+                <a16:creationId xmlns:a16="http://schemas.microsoft.com/office/drawing/2014/main" id="{4C0E1D29-7B79-D7E1-BCFB-DBEA068BC2F8}"/>
               </a:ext>
             </a:extLst>
           </p:cNvPr>
@@ -3346,10 +3349,10 @@
       </p:sp>
       <p:pic>
         <p:nvPicPr>
-          <p:cNvPr id="7" name="Turinio vietos rezervavimo ženklas 6">
+          <p:cNvPr id="5" name="Turinio vietos rezervavimo ženklas 4">
             <a:extLst>
               <a:ext uri="{FF2B5EF4-FFF2-40B4-BE49-F238E27FC236}">
-                <a16:creationId xmlns:a16="http://schemas.microsoft.com/office/drawing/2014/main" id="{5036E802-C764-CF56-0A3D-021F4DB756BD}"/>
+                <a16:creationId xmlns:a16="http://schemas.microsoft.com/office/drawing/2014/main" id="{6A76324C-8704-4096-C38E-91409899EC3D}"/>
               </a:ext>
             </a:extLst>
           </p:cNvPr>
@@ -3409,2024 +3412,6 @@
           <a:chExt cx="0" cy="0"/>
         </a:xfrm>
       </p:grpSpPr>
-      <p:graphicFrame>
-        <p:nvGraphicFramePr>
-          <p:cNvPr id="4" name="Turinio vietos rezervavimo ženklas 3">
-            <a:extLst>
-              <a:ext uri="{FF2B5EF4-FFF2-40B4-BE49-F238E27FC236}">
-                <a16:creationId xmlns:a16="http://schemas.microsoft.com/office/drawing/2014/main" id="{CEC90C76-0A1F-5129-5980-CB88D151C262}"/>
-              </a:ext>
-            </a:extLst>
-          </p:cNvPr>
-          <p:cNvGraphicFramePr>
-            <a:graphicFrameLocks noGrp="1"/>
-          </p:cNvGraphicFramePr>
-          <p:nvPr>
-            <p:ph idx="1"/>
-            <p:extLst>
-              <p:ext uri="{D42A27DB-BD31-4B8C-83A1-F6EECF244321}">
-                <p14:modId xmlns:p14="http://schemas.microsoft.com/office/powerpoint/2010/main" val="981700226"/>
-              </p:ext>
-            </p:extLst>
-          </p:nvPr>
-        </p:nvGraphicFramePr>
-        <p:xfrm>
-          <a:off x="2763989" y="2247133"/>
-          <a:ext cx="6664021" cy="3377526"/>
-        </p:xfrm>
-        <a:graphic>
-          <a:graphicData uri="http://schemas.openxmlformats.org/drawingml/2006/table">
-            <a:tbl>
-              <a:tblPr firstRow="1" firstCol="1" bandRow="1">
-                <a:tableStyleId>{5940675A-B579-460E-94D1-54222C63F5DA}</a:tableStyleId>
-              </a:tblPr>
-              <a:tblGrid>
-                <a:gridCol w="1733504">
-                  <a:extLst>
-                    <a:ext uri="{9D8B030D-6E8A-4147-A177-3AD203B41FA5}">
-                      <a16:colId xmlns:a16="http://schemas.microsoft.com/office/drawing/2014/main" val="819216501"/>
-                    </a:ext>
-                  </a:extLst>
-                </a:gridCol>
-                <a:gridCol w="866241">
-                  <a:extLst>
-                    <a:ext uri="{9D8B030D-6E8A-4147-A177-3AD203B41FA5}">
-                      <a16:colId xmlns:a16="http://schemas.microsoft.com/office/drawing/2014/main" val="753440880"/>
-                    </a:ext>
-                  </a:extLst>
-                </a:gridCol>
-                <a:gridCol w="1051353">
-                  <a:extLst>
-                    <a:ext uri="{9D8B030D-6E8A-4147-A177-3AD203B41FA5}">
-                      <a16:colId xmlns:a16="http://schemas.microsoft.com/office/drawing/2014/main" val="1216828532"/>
-                    </a:ext>
-                  </a:extLst>
-                </a:gridCol>
-                <a:gridCol w="838628">
-                  <a:extLst>
-                    <a:ext uri="{9D8B030D-6E8A-4147-A177-3AD203B41FA5}">
-                      <a16:colId xmlns:a16="http://schemas.microsoft.com/office/drawing/2014/main" val="3038149090"/>
-                    </a:ext>
-                  </a:extLst>
-                </a:gridCol>
-                <a:gridCol w="1124988">
-                  <a:extLst>
-                    <a:ext uri="{9D8B030D-6E8A-4147-A177-3AD203B41FA5}">
-                      <a16:colId xmlns:a16="http://schemas.microsoft.com/office/drawing/2014/main" val="2903853495"/>
-                    </a:ext>
-                  </a:extLst>
-                </a:gridCol>
-                <a:gridCol w="1049307">
-                  <a:extLst>
-                    <a:ext uri="{9D8B030D-6E8A-4147-A177-3AD203B41FA5}">
-                      <a16:colId xmlns:a16="http://schemas.microsoft.com/office/drawing/2014/main" val="1390742252"/>
-                    </a:ext>
-                  </a:extLst>
-                </a:gridCol>
-              </a:tblGrid>
-              <a:tr h="565052">
-                <a:tc>
-                  <a:txBody>
-                    <a:bodyPr/>
-                    <a:lstStyle/>
-                    <a:p>
-                      <a:pPr algn="just">
-                        <a:lnSpc>
-                          <a:spcPct val="107000"/>
-                        </a:lnSpc>
-                        <a:spcAft>
-                          <a:spcPts val="800"/>
-                        </a:spcAft>
-                      </a:pPr>
-                      <a:r>
-                        <a:rPr lang="lt-LT" sz="1600" b="1" dirty="0">
-                          <a:ln>
-                            <a:solidFill>
-                              <a:schemeClr val="bg1"/>
-                            </a:solidFill>
-                          </a:ln>
-                          <a:solidFill>
-                            <a:schemeClr val="tx1"/>
-                          </a:solidFill>
-                          <a:effectLst/>
-                        </a:rPr>
-                        <a:t>Modelis</a:t>
-                      </a:r>
-                      <a:endParaRPr lang="lt-LT" sz="1600" b="1" dirty="0">
-                        <a:ln>
-                          <a:solidFill>
-                            <a:schemeClr val="bg1"/>
-                          </a:solidFill>
-                        </a:ln>
-                        <a:solidFill>
-                          <a:schemeClr val="tx1"/>
-                        </a:solidFill>
-                        <a:effectLst/>
-                        <a:latin typeface="Calibri" panose="020F0502020204030204" pitchFamily="34" charset="0"/>
-                        <a:ea typeface="Calibri" panose="020F0502020204030204" pitchFamily="34" charset="0"/>
-                        <a:cs typeface="Times New Roman" panose="02020603050405020304" pitchFamily="18" charset="0"/>
-                      </a:endParaRPr>
-                    </a:p>
-                  </a:txBody>
-                  <a:tcPr marL="110453" marR="110453" marT="0" marB="0"/>
-                </a:tc>
-                <a:tc>
-                  <a:txBody>
-                    <a:bodyPr/>
-                    <a:lstStyle/>
-                    <a:p>
-                      <a:pPr algn="just">
-                        <a:lnSpc>
-                          <a:spcPct val="107000"/>
-                        </a:lnSpc>
-                        <a:spcAft>
-                          <a:spcPts val="800"/>
-                        </a:spcAft>
-                      </a:pPr>
-                      <a:r>
-                        <a:rPr lang="lt-LT" sz="1600" b="1" dirty="0">
-                          <a:ln>
-                            <a:solidFill>
-                              <a:schemeClr val="bg1"/>
-                            </a:solidFill>
-                          </a:ln>
-                          <a:solidFill>
-                            <a:schemeClr val="tx1"/>
-                          </a:solidFill>
-                          <a:effectLst/>
-                        </a:rPr>
-                        <a:t>Klasė</a:t>
-                      </a:r>
-                      <a:endParaRPr lang="lt-LT" sz="1600" b="1" dirty="0">
-                        <a:ln>
-                          <a:solidFill>
-                            <a:schemeClr val="bg1"/>
-                          </a:solidFill>
-                        </a:ln>
-                        <a:solidFill>
-                          <a:schemeClr val="tx1"/>
-                        </a:solidFill>
-                        <a:effectLst/>
-                        <a:latin typeface="Calibri" panose="020F0502020204030204" pitchFamily="34" charset="0"/>
-                        <a:ea typeface="Calibri" panose="020F0502020204030204" pitchFamily="34" charset="0"/>
-                        <a:cs typeface="Times New Roman" panose="02020603050405020304" pitchFamily="18" charset="0"/>
-                      </a:endParaRPr>
-                    </a:p>
-                  </a:txBody>
-                  <a:tcPr marL="110453" marR="110453" marT="0" marB="0"/>
-                </a:tc>
-                <a:tc>
-                  <a:txBody>
-                    <a:bodyPr/>
-                    <a:lstStyle/>
-                    <a:p>
-                      <a:pPr algn="just">
-                        <a:lnSpc>
-                          <a:spcPct val="107000"/>
-                        </a:lnSpc>
-                        <a:spcAft>
-                          <a:spcPts val="800"/>
-                        </a:spcAft>
-                      </a:pPr>
-                      <a:r>
-                        <a:rPr lang="lt-LT" sz="1600" b="1">
-                          <a:ln>
-                            <a:solidFill>
-                              <a:schemeClr val="bg1"/>
-                            </a:solidFill>
-                          </a:ln>
-                          <a:solidFill>
-                            <a:schemeClr val="tx1"/>
-                          </a:solidFill>
-                          <a:effectLst/>
-                        </a:rPr>
-                        <a:t>Precision</a:t>
-                      </a:r>
-                      <a:endParaRPr lang="lt-LT" sz="1600" b="1">
-                        <a:ln>
-                          <a:solidFill>
-                            <a:schemeClr val="bg1"/>
-                          </a:solidFill>
-                        </a:ln>
-                        <a:solidFill>
-                          <a:schemeClr val="tx1"/>
-                        </a:solidFill>
-                        <a:effectLst/>
-                        <a:latin typeface="Calibri" panose="020F0502020204030204" pitchFamily="34" charset="0"/>
-                        <a:ea typeface="Calibri" panose="020F0502020204030204" pitchFamily="34" charset="0"/>
-                        <a:cs typeface="Times New Roman" panose="02020603050405020304" pitchFamily="18" charset="0"/>
-                      </a:endParaRPr>
-                    </a:p>
-                  </a:txBody>
-                  <a:tcPr marL="110453" marR="110453" marT="0" marB="0"/>
-                </a:tc>
-                <a:tc>
-                  <a:txBody>
-                    <a:bodyPr/>
-                    <a:lstStyle/>
-                    <a:p>
-                      <a:pPr algn="just">
-                        <a:lnSpc>
-                          <a:spcPct val="107000"/>
-                        </a:lnSpc>
-                        <a:spcAft>
-                          <a:spcPts val="800"/>
-                        </a:spcAft>
-                      </a:pPr>
-                      <a:r>
-                        <a:rPr lang="lt-LT" sz="1600" b="1">
-                          <a:ln>
-                            <a:solidFill>
-                              <a:schemeClr val="bg1"/>
-                            </a:solidFill>
-                          </a:ln>
-                          <a:solidFill>
-                            <a:schemeClr val="tx1"/>
-                          </a:solidFill>
-                          <a:effectLst/>
-                        </a:rPr>
-                        <a:t>Recall</a:t>
-                      </a:r>
-                      <a:endParaRPr lang="lt-LT" sz="1600" b="1">
-                        <a:ln>
-                          <a:solidFill>
-                            <a:schemeClr val="bg1"/>
-                          </a:solidFill>
-                        </a:ln>
-                        <a:solidFill>
-                          <a:schemeClr val="tx1"/>
-                        </a:solidFill>
-                        <a:effectLst/>
-                        <a:latin typeface="Calibri" panose="020F0502020204030204" pitchFamily="34" charset="0"/>
-                        <a:ea typeface="Calibri" panose="020F0502020204030204" pitchFamily="34" charset="0"/>
-                        <a:cs typeface="Times New Roman" panose="02020603050405020304" pitchFamily="18" charset="0"/>
-                      </a:endParaRPr>
-                    </a:p>
-                  </a:txBody>
-                  <a:tcPr marL="110453" marR="110453" marT="0" marB="0"/>
-                </a:tc>
-                <a:tc>
-                  <a:txBody>
-                    <a:bodyPr/>
-                    <a:lstStyle/>
-                    <a:p>
-                      <a:pPr algn="just">
-                        <a:lnSpc>
-                          <a:spcPct val="107000"/>
-                        </a:lnSpc>
-                        <a:spcAft>
-                          <a:spcPts val="800"/>
-                        </a:spcAft>
-                      </a:pPr>
-                      <a:r>
-                        <a:rPr lang="lt-LT" sz="1600" b="1">
-                          <a:ln>
-                            <a:solidFill>
-                              <a:schemeClr val="bg1"/>
-                            </a:solidFill>
-                          </a:ln>
-                          <a:solidFill>
-                            <a:schemeClr val="tx1"/>
-                          </a:solidFill>
-                          <a:effectLst/>
-                        </a:rPr>
-                        <a:t>F1-Score</a:t>
-                      </a:r>
-                      <a:endParaRPr lang="lt-LT" sz="1600" b="1">
-                        <a:ln>
-                          <a:solidFill>
-                            <a:schemeClr val="bg1"/>
-                          </a:solidFill>
-                        </a:ln>
-                        <a:solidFill>
-                          <a:schemeClr val="tx1"/>
-                        </a:solidFill>
-                        <a:effectLst/>
-                        <a:latin typeface="Calibri" panose="020F0502020204030204" pitchFamily="34" charset="0"/>
-                        <a:ea typeface="Calibri" panose="020F0502020204030204" pitchFamily="34" charset="0"/>
-                        <a:cs typeface="Times New Roman" panose="02020603050405020304" pitchFamily="18" charset="0"/>
-                      </a:endParaRPr>
-                    </a:p>
-                  </a:txBody>
-                  <a:tcPr marL="110453" marR="110453" marT="0" marB="0"/>
-                </a:tc>
-                <a:tc>
-                  <a:txBody>
-                    <a:bodyPr/>
-                    <a:lstStyle/>
-                    <a:p>
-                      <a:pPr algn="just">
-                        <a:lnSpc>
-                          <a:spcPct val="107000"/>
-                        </a:lnSpc>
-                        <a:spcAft>
-                          <a:spcPts val="800"/>
-                        </a:spcAft>
-                      </a:pPr>
-                      <a:r>
-                        <a:rPr lang="lt-LT" sz="1600" b="1" dirty="0" err="1">
-                          <a:ln>
-                            <a:solidFill>
-                              <a:schemeClr val="bg1"/>
-                            </a:solidFill>
-                          </a:ln>
-                          <a:solidFill>
-                            <a:schemeClr val="tx1"/>
-                          </a:solidFill>
-                          <a:effectLst/>
-                        </a:rPr>
-                        <a:t>Accuracy</a:t>
-                      </a:r>
-                      <a:endParaRPr lang="lt-LT" sz="1600" b="1" dirty="0">
-                        <a:ln>
-                          <a:solidFill>
-                            <a:schemeClr val="bg1"/>
-                          </a:solidFill>
-                        </a:ln>
-                        <a:solidFill>
-                          <a:schemeClr val="tx1"/>
-                        </a:solidFill>
-                        <a:effectLst/>
-                        <a:latin typeface="Calibri" panose="020F0502020204030204" pitchFamily="34" charset="0"/>
-                        <a:ea typeface="Calibri" panose="020F0502020204030204" pitchFamily="34" charset="0"/>
-                        <a:cs typeface="Times New Roman" panose="02020603050405020304" pitchFamily="18" charset="0"/>
-                      </a:endParaRPr>
-                    </a:p>
-                  </a:txBody>
-                  <a:tcPr marL="110453" marR="110453" marT="0" marB="0"/>
-                </a:tc>
-                <a:extLst>
-                  <a:ext uri="{0D108BD9-81ED-4DB2-BD59-A6C34878D82A}">
-                    <a16:rowId xmlns:a16="http://schemas.microsoft.com/office/drawing/2014/main" val="1448671816"/>
-                  </a:ext>
-                </a:extLst>
-              </a:tr>
-              <a:tr h="276133">
-                <a:tc>
-                  <a:txBody>
-                    <a:bodyPr/>
-                    <a:lstStyle/>
-                    <a:p>
-                      <a:pPr algn="just">
-                        <a:lnSpc>
-                          <a:spcPct val="107000"/>
-                        </a:lnSpc>
-                        <a:spcAft>
-                          <a:spcPts val="800"/>
-                        </a:spcAft>
-                      </a:pPr>
-                      <a:r>
-                        <a:rPr lang="lt-LT" sz="1700" b="1">
-                          <a:ln>
-                            <a:solidFill>
-                              <a:schemeClr val="bg1"/>
-                            </a:solidFill>
-                          </a:ln>
-                          <a:solidFill>
-                            <a:schemeClr val="tx1"/>
-                          </a:solidFill>
-                          <a:effectLst/>
-                        </a:rPr>
-                        <a:t>Naivus Bajeso</a:t>
-                      </a:r>
-                      <a:endParaRPr lang="lt-LT" sz="1700" b="1">
-                        <a:ln>
-                          <a:solidFill>
-                            <a:schemeClr val="bg1"/>
-                          </a:solidFill>
-                        </a:ln>
-                        <a:solidFill>
-                          <a:schemeClr val="tx1"/>
-                        </a:solidFill>
-                        <a:effectLst/>
-                        <a:latin typeface="Calibri" panose="020F0502020204030204" pitchFamily="34" charset="0"/>
-                        <a:ea typeface="Calibri" panose="020F0502020204030204" pitchFamily="34" charset="0"/>
-                        <a:cs typeface="Times New Roman" panose="02020603050405020304" pitchFamily="18" charset="0"/>
-                      </a:endParaRPr>
-                    </a:p>
-                  </a:txBody>
-                  <a:tcPr marL="110453" marR="110453" marT="0" marB="0"/>
-                </a:tc>
-                <a:tc>
-                  <a:txBody>
-                    <a:bodyPr/>
-                    <a:lstStyle/>
-                    <a:p>
-                      <a:pPr algn="just">
-                        <a:lnSpc>
-                          <a:spcPct val="107000"/>
-                        </a:lnSpc>
-                        <a:spcAft>
-                          <a:spcPts val="800"/>
-                        </a:spcAft>
-                      </a:pPr>
-                      <a:r>
-                        <a:rPr lang="lt-LT" sz="1700" b="1">
-                          <a:ln>
-                            <a:solidFill>
-                              <a:schemeClr val="bg1"/>
-                            </a:solidFill>
-                          </a:ln>
-                          <a:solidFill>
-                            <a:schemeClr val="tx1"/>
-                          </a:solidFill>
-                          <a:effectLst/>
-                        </a:rPr>
-                        <a:t>10-ieji</a:t>
-                      </a:r>
-                      <a:endParaRPr lang="lt-LT" sz="1700" b="1">
-                        <a:ln>
-                          <a:solidFill>
-                            <a:schemeClr val="bg1"/>
-                          </a:solidFill>
-                        </a:ln>
-                        <a:solidFill>
-                          <a:schemeClr val="tx1"/>
-                        </a:solidFill>
-                        <a:effectLst/>
-                        <a:latin typeface="Calibri" panose="020F0502020204030204" pitchFamily="34" charset="0"/>
-                        <a:ea typeface="Calibri" panose="020F0502020204030204" pitchFamily="34" charset="0"/>
-                        <a:cs typeface="Times New Roman" panose="02020603050405020304" pitchFamily="18" charset="0"/>
-                      </a:endParaRPr>
-                    </a:p>
-                  </a:txBody>
-                  <a:tcPr marL="110453" marR="110453" marT="0" marB="0"/>
-                </a:tc>
-                <a:tc>
-                  <a:txBody>
-                    <a:bodyPr/>
-                    <a:lstStyle/>
-                    <a:p>
-                      <a:pPr algn="just">
-                        <a:lnSpc>
-                          <a:spcPct val="107000"/>
-                        </a:lnSpc>
-                        <a:spcAft>
-                          <a:spcPts val="800"/>
-                        </a:spcAft>
-                      </a:pPr>
-                      <a:r>
-                        <a:rPr lang="lt-LT" sz="1700" b="1">
-                          <a:ln>
-                            <a:solidFill>
-                              <a:schemeClr val="bg1"/>
-                            </a:solidFill>
-                          </a:ln>
-                          <a:solidFill>
-                            <a:schemeClr val="tx1"/>
-                          </a:solidFill>
-                          <a:effectLst/>
-                        </a:rPr>
-                        <a:t>0.86</a:t>
-                      </a:r>
-                      <a:endParaRPr lang="lt-LT" sz="1700" b="1">
-                        <a:ln>
-                          <a:solidFill>
-                            <a:schemeClr val="bg1"/>
-                          </a:solidFill>
-                        </a:ln>
-                        <a:solidFill>
-                          <a:schemeClr val="tx1"/>
-                        </a:solidFill>
-                        <a:effectLst/>
-                        <a:latin typeface="Calibri" panose="020F0502020204030204" pitchFamily="34" charset="0"/>
-                        <a:ea typeface="Calibri" panose="020F0502020204030204" pitchFamily="34" charset="0"/>
-                        <a:cs typeface="Times New Roman" panose="02020603050405020304" pitchFamily="18" charset="0"/>
-                      </a:endParaRPr>
-                    </a:p>
-                  </a:txBody>
-                  <a:tcPr marL="110453" marR="110453" marT="0" marB="0"/>
-                </a:tc>
-                <a:tc>
-                  <a:txBody>
-                    <a:bodyPr/>
-                    <a:lstStyle/>
-                    <a:p>
-                      <a:pPr algn="just">
-                        <a:lnSpc>
-                          <a:spcPct val="107000"/>
-                        </a:lnSpc>
-                        <a:spcAft>
-                          <a:spcPts val="800"/>
-                        </a:spcAft>
-                      </a:pPr>
-                      <a:r>
-                        <a:rPr lang="lt-LT" sz="1700" b="1">
-                          <a:ln>
-                            <a:solidFill>
-                              <a:schemeClr val="bg1"/>
-                            </a:solidFill>
-                          </a:ln>
-                          <a:solidFill>
-                            <a:schemeClr val="tx1"/>
-                          </a:solidFill>
-                          <a:effectLst/>
-                        </a:rPr>
-                        <a:t>0.92</a:t>
-                      </a:r>
-                      <a:endParaRPr lang="lt-LT" sz="1700" b="1">
-                        <a:ln>
-                          <a:solidFill>
-                            <a:schemeClr val="bg1"/>
-                          </a:solidFill>
-                        </a:ln>
-                        <a:solidFill>
-                          <a:schemeClr val="tx1"/>
-                        </a:solidFill>
-                        <a:effectLst/>
-                        <a:latin typeface="Calibri" panose="020F0502020204030204" pitchFamily="34" charset="0"/>
-                        <a:ea typeface="Calibri" panose="020F0502020204030204" pitchFamily="34" charset="0"/>
-                        <a:cs typeface="Times New Roman" panose="02020603050405020304" pitchFamily="18" charset="0"/>
-                      </a:endParaRPr>
-                    </a:p>
-                  </a:txBody>
-                  <a:tcPr marL="110453" marR="110453" marT="0" marB="0"/>
-                </a:tc>
-                <a:tc>
-                  <a:txBody>
-                    <a:bodyPr/>
-                    <a:lstStyle/>
-                    <a:p>
-                      <a:pPr algn="just">
-                        <a:lnSpc>
-                          <a:spcPct val="107000"/>
-                        </a:lnSpc>
-                        <a:spcAft>
-                          <a:spcPts val="800"/>
-                        </a:spcAft>
-                      </a:pPr>
-                      <a:r>
-                        <a:rPr lang="lt-LT" sz="1700" b="1">
-                          <a:ln>
-                            <a:solidFill>
-                              <a:schemeClr val="bg1"/>
-                            </a:solidFill>
-                          </a:ln>
-                          <a:solidFill>
-                            <a:schemeClr val="tx1"/>
-                          </a:solidFill>
-                          <a:effectLst/>
-                        </a:rPr>
-                        <a:t>0.89</a:t>
-                      </a:r>
-                      <a:endParaRPr lang="lt-LT" sz="1700" b="1">
-                        <a:ln>
-                          <a:solidFill>
-                            <a:schemeClr val="bg1"/>
-                          </a:solidFill>
-                        </a:ln>
-                        <a:solidFill>
-                          <a:schemeClr val="tx1"/>
-                        </a:solidFill>
-                        <a:effectLst/>
-                        <a:latin typeface="Calibri" panose="020F0502020204030204" pitchFamily="34" charset="0"/>
-                        <a:ea typeface="Calibri" panose="020F0502020204030204" pitchFamily="34" charset="0"/>
-                        <a:cs typeface="Times New Roman" panose="02020603050405020304" pitchFamily="18" charset="0"/>
-                      </a:endParaRPr>
-                    </a:p>
-                  </a:txBody>
-                  <a:tcPr marL="110453" marR="110453" marT="0" marB="0"/>
-                </a:tc>
-                <a:tc>
-                  <a:txBody>
-                    <a:bodyPr/>
-                    <a:lstStyle/>
-                    <a:p>
-                      <a:pPr algn="just">
-                        <a:lnSpc>
-                          <a:spcPct val="107000"/>
-                        </a:lnSpc>
-                        <a:spcAft>
-                          <a:spcPts val="800"/>
-                        </a:spcAft>
-                      </a:pPr>
-                      <a:r>
-                        <a:rPr lang="lt-LT" sz="1700" b="1">
-                          <a:ln>
-                            <a:solidFill>
-                              <a:schemeClr val="bg1"/>
-                            </a:solidFill>
-                          </a:ln>
-                          <a:solidFill>
-                            <a:schemeClr val="tx1"/>
-                          </a:solidFill>
-                          <a:effectLst/>
-                        </a:rPr>
-                        <a:t>0.87</a:t>
-                      </a:r>
-                      <a:endParaRPr lang="lt-LT" sz="1700" b="1">
-                        <a:ln>
-                          <a:solidFill>
-                            <a:schemeClr val="bg1"/>
-                          </a:solidFill>
-                        </a:ln>
-                        <a:solidFill>
-                          <a:schemeClr val="tx1"/>
-                        </a:solidFill>
-                        <a:effectLst/>
-                        <a:latin typeface="Calibri" panose="020F0502020204030204" pitchFamily="34" charset="0"/>
-                        <a:ea typeface="Calibri" panose="020F0502020204030204" pitchFamily="34" charset="0"/>
-                        <a:cs typeface="Times New Roman" panose="02020603050405020304" pitchFamily="18" charset="0"/>
-                      </a:endParaRPr>
-                    </a:p>
-                  </a:txBody>
-                  <a:tcPr marL="110453" marR="110453" marT="0" marB="0"/>
-                </a:tc>
-                <a:extLst>
-                  <a:ext uri="{0D108BD9-81ED-4DB2-BD59-A6C34878D82A}">
-                    <a16:rowId xmlns:a16="http://schemas.microsoft.com/office/drawing/2014/main" val="238183821"/>
-                  </a:ext>
-                </a:extLst>
-              </a:tr>
-              <a:tr h="276133">
-                <a:tc>
-                  <a:txBody>
-                    <a:bodyPr/>
-                    <a:lstStyle/>
-                    <a:p>
-                      <a:pPr algn="just">
-                        <a:lnSpc>
-                          <a:spcPct val="107000"/>
-                        </a:lnSpc>
-                        <a:spcAft>
-                          <a:spcPts val="800"/>
-                        </a:spcAft>
-                      </a:pPr>
-                      <a:r>
-                        <a:rPr lang="lt-LT" sz="1700" b="1">
-                          <a:ln>
-                            <a:solidFill>
-                              <a:schemeClr val="bg1"/>
-                            </a:solidFill>
-                          </a:ln>
-                          <a:solidFill>
-                            <a:schemeClr val="tx1"/>
-                          </a:solidFill>
-                          <a:effectLst/>
-                        </a:rPr>
-                        <a:t>Naivus Bajeso</a:t>
-                      </a:r>
-                      <a:endParaRPr lang="lt-LT" sz="1700" b="1">
-                        <a:ln>
-                          <a:solidFill>
-                            <a:schemeClr val="bg1"/>
-                          </a:solidFill>
-                        </a:ln>
-                        <a:solidFill>
-                          <a:schemeClr val="tx1"/>
-                        </a:solidFill>
-                        <a:effectLst/>
-                        <a:latin typeface="Calibri" panose="020F0502020204030204" pitchFamily="34" charset="0"/>
-                        <a:ea typeface="Calibri" panose="020F0502020204030204" pitchFamily="34" charset="0"/>
-                        <a:cs typeface="Times New Roman" panose="02020603050405020304" pitchFamily="18" charset="0"/>
-                      </a:endParaRPr>
-                    </a:p>
-                  </a:txBody>
-                  <a:tcPr marL="110453" marR="110453" marT="0" marB="0"/>
-                </a:tc>
-                <a:tc>
-                  <a:txBody>
-                    <a:bodyPr/>
-                    <a:lstStyle/>
-                    <a:p>
-                      <a:pPr algn="just">
-                        <a:lnSpc>
-                          <a:spcPct val="107000"/>
-                        </a:lnSpc>
-                        <a:spcAft>
-                          <a:spcPts val="800"/>
-                        </a:spcAft>
-                      </a:pPr>
-                      <a:r>
-                        <a:rPr lang="lt-LT" sz="1700" b="1">
-                          <a:ln>
-                            <a:solidFill>
-                              <a:schemeClr val="bg1"/>
-                            </a:solidFill>
-                          </a:ln>
-                          <a:solidFill>
-                            <a:schemeClr val="tx1"/>
-                          </a:solidFill>
-                          <a:effectLst/>
-                        </a:rPr>
-                        <a:t>80-ieji</a:t>
-                      </a:r>
-                      <a:endParaRPr lang="lt-LT" sz="1700" b="1">
-                        <a:ln>
-                          <a:solidFill>
-                            <a:schemeClr val="bg1"/>
-                          </a:solidFill>
-                        </a:ln>
-                        <a:solidFill>
-                          <a:schemeClr val="tx1"/>
-                        </a:solidFill>
-                        <a:effectLst/>
-                        <a:latin typeface="Calibri" panose="020F0502020204030204" pitchFamily="34" charset="0"/>
-                        <a:ea typeface="Calibri" panose="020F0502020204030204" pitchFamily="34" charset="0"/>
-                        <a:cs typeface="Times New Roman" panose="02020603050405020304" pitchFamily="18" charset="0"/>
-                      </a:endParaRPr>
-                    </a:p>
-                  </a:txBody>
-                  <a:tcPr marL="110453" marR="110453" marT="0" marB="0"/>
-                </a:tc>
-                <a:tc>
-                  <a:txBody>
-                    <a:bodyPr/>
-                    <a:lstStyle/>
-                    <a:p>
-                      <a:pPr algn="just">
-                        <a:lnSpc>
-                          <a:spcPct val="107000"/>
-                        </a:lnSpc>
-                        <a:spcAft>
-                          <a:spcPts val="800"/>
-                        </a:spcAft>
-                      </a:pPr>
-                      <a:r>
-                        <a:rPr lang="lt-LT" sz="1700" b="1">
-                          <a:ln>
-                            <a:solidFill>
-                              <a:schemeClr val="bg1"/>
-                            </a:solidFill>
-                          </a:ln>
-                          <a:solidFill>
-                            <a:schemeClr val="tx1"/>
-                          </a:solidFill>
-                          <a:effectLst/>
-                        </a:rPr>
-                        <a:t>0.89</a:t>
-                      </a:r>
-                      <a:endParaRPr lang="lt-LT" sz="1700" b="1">
-                        <a:ln>
-                          <a:solidFill>
-                            <a:schemeClr val="bg1"/>
-                          </a:solidFill>
-                        </a:ln>
-                        <a:solidFill>
-                          <a:schemeClr val="tx1"/>
-                        </a:solidFill>
-                        <a:effectLst/>
-                        <a:latin typeface="Calibri" panose="020F0502020204030204" pitchFamily="34" charset="0"/>
-                        <a:ea typeface="Calibri" panose="020F0502020204030204" pitchFamily="34" charset="0"/>
-                        <a:cs typeface="Times New Roman" panose="02020603050405020304" pitchFamily="18" charset="0"/>
-                      </a:endParaRPr>
-                    </a:p>
-                  </a:txBody>
-                  <a:tcPr marL="110453" marR="110453" marT="0" marB="0"/>
-                </a:tc>
-                <a:tc>
-                  <a:txBody>
-                    <a:bodyPr/>
-                    <a:lstStyle/>
-                    <a:p>
-                      <a:pPr algn="just">
-                        <a:lnSpc>
-                          <a:spcPct val="107000"/>
-                        </a:lnSpc>
-                        <a:spcAft>
-                          <a:spcPts val="800"/>
-                        </a:spcAft>
-                      </a:pPr>
-                      <a:r>
-                        <a:rPr lang="lt-LT" sz="1700" b="1">
-                          <a:ln>
-                            <a:solidFill>
-                              <a:schemeClr val="bg1"/>
-                            </a:solidFill>
-                          </a:ln>
-                          <a:solidFill>
-                            <a:schemeClr val="tx1"/>
-                          </a:solidFill>
-                          <a:effectLst/>
-                        </a:rPr>
-                        <a:t>0.8</a:t>
-                      </a:r>
-                      <a:endParaRPr lang="lt-LT" sz="1700" b="1">
-                        <a:ln>
-                          <a:solidFill>
-                            <a:schemeClr val="bg1"/>
-                          </a:solidFill>
-                        </a:ln>
-                        <a:solidFill>
-                          <a:schemeClr val="tx1"/>
-                        </a:solidFill>
-                        <a:effectLst/>
-                        <a:latin typeface="Calibri" panose="020F0502020204030204" pitchFamily="34" charset="0"/>
-                        <a:ea typeface="Calibri" panose="020F0502020204030204" pitchFamily="34" charset="0"/>
-                        <a:cs typeface="Times New Roman" panose="02020603050405020304" pitchFamily="18" charset="0"/>
-                      </a:endParaRPr>
-                    </a:p>
-                  </a:txBody>
-                  <a:tcPr marL="110453" marR="110453" marT="0" marB="0"/>
-                </a:tc>
-                <a:tc>
-                  <a:txBody>
-                    <a:bodyPr/>
-                    <a:lstStyle/>
-                    <a:p>
-                      <a:pPr algn="just">
-                        <a:lnSpc>
-                          <a:spcPct val="107000"/>
-                        </a:lnSpc>
-                        <a:spcAft>
-                          <a:spcPts val="800"/>
-                        </a:spcAft>
-                      </a:pPr>
-                      <a:r>
-                        <a:rPr lang="lt-LT" sz="1700" b="1">
-                          <a:ln>
-                            <a:solidFill>
-                              <a:schemeClr val="bg1"/>
-                            </a:solidFill>
-                          </a:ln>
-                          <a:solidFill>
-                            <a:schemeClr val="tx1"/>
-                          </a:solidFill>
-                          <a:effectLst/>
-                        </a:rPr>
-                        <a:t>0.84</a:t>
-                      </a:r>
-                      <a:endParaRPr lang="lt-LT" sz="1700" b="1">
-                        <a:ln>
-                          <a:solidFill>
-                            <a:schemeClr val="bg1"/>
-                          </a:solidFill>
-                        </a:ln>
-                        <a:solidFill>
-                          <a:schemeClr val="tx1"/>
-                        </a:solidFill>
-                        <a:effectLst/>
-                        <a:latin typeface="Calibri" panose="020F0502020204030204" pitchFamily="34" charset="0"/>
-                        <a:ea typeface="Calibri" panose="020F0502020204030204" pitchFamily="34" charset="0"/>
-                        <a:cs typeface="Times New Roman" panose="02020603050405020304" pitchFamily="18" charset="0"/>
-                      </a:endParaRPr>
-                    </a:p>
-                  </a:txBody>
-                  <a:tcPr marL="110453" marR="110453" marT="0" marB="0"/>
-                </a:tc>
-                <a:tc>
-                  <a:txBody>
-                    <a:bodyPr/>
-                    <a:lstStyle/>
-                    <a:p>
-                      <a:pPr algn="just">
-                        <a:lnSpc>
-                          <a:spcPct val="107000"/>
-                        </a:lnSpc>
-                        <a:spcAft>
-                          <a:spcPts val="800"/>
-                        </a:spcAft>
-                      </a:pPr>
-                      <a:r>
-                        <a:rPr lang="lt-LT" sz="1700" b="1">
-                          <a:ln>
-                            <a:solidFill>
-                              <a:schemeClr val="bg1"/>
-                            </a:solidFill>
-                          </a:ln>
-                          <a:solidFill>
-                            <a:schemeClr val="tx1"/>
-                          </a:solidFill>
-                          <a:effectLst/>
-                        </a:rPr>
-                        <a:t>0.87</a:t>
-                      </a:r>
-                      <a:endParaRPr lang="lt-LT" sz="1700" b="1">
-                        <a:ln>
-                          <a:solidFill>
-                            <a:schemeClr val="bg1"/>
-                          </a:solidFill>
-                        </a:ln>
-                        <a:solidFill>
-                          <a:schemeClr val="tx1"/>
-                        </a:solidFill>
-                        <a:effectLst/>
-                        <a:latin typeface="Calibri" panose="020F0502020204030204" pitchFamily="34" charset="0"/>
-                        <a:ea typeface="Calibri" panose="020F0502020204030204" pitchFamily="34" charset="0"/>
-                        <a:cs typeface="Times New Roman" panose="02020603050405020304" pitchFamily="18" charset="0"/>
-                      </a:endParaRPr>
-                    </a:p>
-                  </a:txBody>
-                  <a:tcPr marL="110453" marR="110453" marT="0" marB="0"/>
-                </a:tc>
-                <a:extLst>
-                  <a:ext uri="{0D108BD9-81ED-4DB2-BD59-A6C34878D82A}">
-                    <a16:rowId xmlns:a16="http://schemas.microsoft.com/office/drawing/2014/main" val="378417820"/>
-                  </a:ext>
-                </a:extLst>
-              </a:tr>
-              <a:tr h="565052">
-                <a:tc>
-                  <a:txBody>
-                    <a:bodyPr/>
-                    <a:lstStyle/>
-                    <a:p>
-                      <a:pPr algn="just">
-                        <a:lnSpc>
-                          <a:spcPct val="107000"/>
-                        </a:lnSpc>
-                        <a:spcAft>
-                          <a:spcPts val="800"/>
-                        </a:spcAft>
-                      </a:pPr>
-                      <a:r>
-                        <a:rPr lang="lt-LT" sz="1700" b="1" dirty="0">
-                          <a:ln>
-                            <a:solidFill>
-                              <a:schemeClr val="bg1"/>
-                            </a:solidFill>
-                          </a:ln>
-                          <a:solidFill>
-                            <a:schemeClr val="tx1"/>
-                          </a:solidFill>
-                          <a:effectLst/>
-                        </a:rPr>
-                        <a:t>Sprendimų medis</a:t>
-                      </a:r>
-                      <a:endParaRPr lang="lt-LT" sz="1700" b="1" dirty="0">
-                        <a:ln>
-                          <a:solidFill>
-                            <a:schemeClr val="bg1"/>
-                          </a:solidFill>
-                        </a:ln>
-                        <a:solidFill>
-                          <a:schemeClr val="tx1"/>
-                        </a:solidFill>
-                        <a:effectLst/>
-                        <a:latin typeface="Calibri" panose="020F0502020204030204" pitchFamily="34" charset="0"/>
-                        <a:ea typeface="Calibri" panose="020F0502020204030204" pitchFamily="34" charset="0"/>
-                        <a:cs typeface="Times New Roman" panose="02020603050405020304" pitchFamily="18" charset="0"/>
-                      </a:endParaRPr>
-                    </a:p>
-                  </a:txBody>
-                  <a:tcPr marL="110453" marR="110453" marT="0" marB="0"/>
-                </a:tc>
-                <a:tc>
-                  <a:txBody>
-                    <a:bodyPr/>
-                    <a:lstStyle/>
-                    <a:p>
-                      <a:pPr algn="just">
-                        <a:lnSpc>
-                          <a:spcPct val="107000"/>
-                        </a:lnSpc>
-                        <a:spcAft>
-                          <a:spcPts val="800"/>
-                        </a:spcAft>
-                      </a:pPr>
-                      <a:r>
-                        <a:rPr lang="lt-LT" sz="1700" b="1">
-                          <a:ln>
-                            <a:solidFill>
-                              <a:schemeClr val="bg1"/>
-                            </a:solidFill>
-                          </a:ln>
-                          <a:solidFill>
-                            <a:schemeClr val="tx1"/>
-                          </a:solidFill>
-                          <a:effectLst/>
-                        </a:rPr>
-                        <a:t>10-ieji</a:t>
-                      </a:r>
-                      <a:endParaRPr lang="lt-LT" sz="1700" b="1">
-                        <a:ln>
-                          <a:solidFill>
-                            <a:schemeClr val="bg1"/>
-                          </a:solidFill>
-                        </a:ln>
-                        <a:solidFill>
-                          <a:schemeClr val="tx1"/>
-                        </a:solidFill>
-                        <a:effectLst/>
-                        <a:latin typeface="Calibri" panose="020F0502020204030204" pitchFamily="34" charset="0"/>
-                        <a:ea typeface="Calibri" panose="020F0502020204030204" pitchFamily="34" charset="0"/>
-                        <a:cs typeface="Times New Roman" panose="02020603050405020304" pitchFamily="18" charset="0"/>
-                      </a:endParaRPr>
-                    </a:p>
-                  </a:txBody>
-                  <a:tcPr marL="110453" marR="110453" marT="0" marB="0"/>
-                </a:tc>
-                <a:tc>
-                  <a:txBody>
-                    <a:bodyPr/>
-                    <a:lstStyle/>
-                    <a:p>
-                      <a:pPr algn="just">
-                        <a:lnSpc>
-                          <a:spcPct val="107000"/>
-                        </a:lnSpc>
-                        <a:spcAft>
-                          <a:spcPts val="800"/>
-                        </a:spcAft>
-                      </a:pPr>
-                      <a:r>
-                        <a:rPr lang="lt-LT" sz="1700" b="1" dirty="0">
-                          <a:ln>
-                            <a:solidFill>
-                              <a:schemeClr val="bg1"/>
-                            </a:solidFill>
-                          </a:ln>
-                          <a:solidFill>
-                            <a:schemeClr val="tx1"/>
-                          </a:solidFill>
-                          <a:effectLst/>
-                        </a:rPr>
-                        <a:t>0.84</a:t>
-                      </a:r>
-                      <a:endParaRPr lang="lt-LT" sz="1700" b="1" dirty="0">
-                        <a:ln>
-                          <a:solidFill>
-                            <a:schemeClr val="bg1"/>
-                          </a:solidFill>
-                        </a:ln>
-                        <a:solidFill>
-                          <a:schemeClr val="tx1"/>
-                        </a:solidFill>
-                        <a:effectLst/>
-                        <a:latin typeface="Calibri" panose="020F0502020204030204" pitchFamily="34" charset="0"/>
-                        <a:ea typeface="Calibri" panose="020F0502020204030204" pitchFamily="34" charset="0"/>
-                        <a:cs typeface="Times New Roman" panose="02020603050405020304" pitchFamily="18" charset="0"/>
-                      </a:endParaRPr>
-                    </a:p>
-                  </a:txBody>
-                  <a:tcPr marL="110453" marR="110453" marT="0" marB="0"/>
-                </a:tc>
-                <a:tc>
-                  <a:txBody>
-                    <a:bodyPr/>
-                    <a:lstStyle/>
-                    <a:p>
-                      <a:pPr algn="just">
-                        <a:lnSpc>
-                          <a:spcPct val="107000"/>
-                        </a:lnSpc>
-                        <a:spcAft>
-                          <a:spcPts val="800"/>
-                        </a:spcAft>
-                      </a:pPr>
-                      <a:r>
-                        <a:rPr lang="lt-LT" sz="1700" b="1" dirty="0">
-                          <a:ln>
-                            <a:solidFill>
-                              <a:schemeClr val="bg1"/>
-                            </a:solidFill>
-                          </a:ln>
-                          <a:solidFill>
-                            <a:schemeClr val="tx1"/>
-                          </a:solidFill>
-                          <a:effectLst/>
-                        </a:rPr>
-                        <a:t>0.62</a:t>
-                      </a:r>
-                      <a:endParaRPr lang="lt-LT" sz="1700" b="1" dirty="0">
-                        <a:ln>
-                          <a:solidFill>
-                            <a:schemeClr val="bg1"/>
-                          </a:solidFill>
-                        </a:ln>
-                        <a:solidFill>
-                          <a:schemeClr val="tx1"/>
-                        </a:solidFill>
-                        <a:effectLst/>
-                        <a:latin typeface="Calibri" panose="020F0502020204030204" pitchFamily="34" charset="0"/>
-                        <a:ea typeface="Calibri" panose="020F0502020204030204" pitchFamily="34" charset="0"/>
-                        <a:cs typeface="Times New Roman" panose="02020603050405020304" pitchFamily="18" charset="0"/>
-                      </a:endParaRPr>
-                    </a:p>
-                  </a:txBody>
-                  <a:tcPr marL="110453" marR="110453" marT="0" marB="0"/>
-                </a:tc>
-                <a:tc>
-                  <a:txBody>
-                    <a:bodyPr/>
-                    <a:lstStyle/>
-                    <a:p>
-                      <a:pPr algn="just">
-                        <a:lnSpc>
-                          <a:spcPct val="107000"/>
-                        </a:lnSpc>
-                        <a:spcAft>
-                          <a:spcPts val="800"/>
-                        </a:spcAft>
-                      </a:pPr>
-                      <a:r>
-                        <a:rPr lang="lt-LT" sz="1700" b="1">
-                          <a:ln>
-                            <a:solidFill>
-                              <a:schemeClr val="bg1"/>
-                            </a:solidFill>
-                          </a:ln>
-                          <a:solidFill>
-                            <a:schemeClr val="tx1"/>
-                          </a:solidFill>
-                          <a:effectLst/>
-                        </a:rPr>
-                        <a:t>0.71</a:t>
-                      </a:r>
-                      <a:endParaRPr lang="lt-LT" sz="1700" b="1">
-                        <a:ln>
-                          <a:solidFill>
-                            <a:schemeClr val="bg1"/>
-                          </a:solidFill>
-                        </a:ln>
-                        <a:solidFill>
-                          <a:schemeClr val="tx1"/>
-                        </a:solidFill>
-                        <a:effectLst/>
-                        <a:latin typeface="Calibri" panose="020F0502020204030204" pitchFamily="34" charset="0"/>
-                        <a:ea typeface="Calibri" panose="020F0502020204030204" pitchFamily="34" charset="0"/>
-                        <a:cs typeface="Times New Roman" panose="02020603050405020304" pitchFamily="18" charset="0"/>
-                      </a:endParaRPr>
-                    </a:p>
-                  </a:txBody>
-                  <a:tcPr marL="110453" marR="110453" marT="0" marB="0"/>
-                </a:tc>
-                <a:tc>
-                  <a:txBody>
-                    <a:bodyPr/>
-                    <a:lstStyle/>
-                    <a:p>
-                      <a:pPr algn="just">
-                        <a:lnSpc>
-                          <a:spcPct val="107000"/>
-                        </a:lnSpc>
-                        <a:spcAft>
-                          <a:spcPts val="800"/>
-                        </a:spcAft>
-                      </a:pPr>
-                      <a:r>
-                        <a:rPr lang="lt-LT" sz="1700" b="1">
-                          <a:ln>
-                            <a:solidFill>
-                              <a:schemeClr val="bg1"/>
-                            </a:solidFill>
-                          </a:ln>
-                          <a:solidFill>
-                            <a:schemeClr val="tx1"/>
-                          </a:solidFill>
-                          <a:effectLst/>
-                        </a:rPr>
-                        <a:t>0.72</a:t>
-                      </a:r>
-                      <a:endParaRPr lang="lt-LT" sz="1700" b="1">
-                        <a:ln>
-                          <a:solidFill>
-                            <a:schemeClr val="bg1"/>
-                          </a:solidFill>
-                        </a:ln>
-                        <a:solidFill>
-                          <a:schemeClr val="tx1"/>
-                        </a:solidFill>
-                        <a:effectLst/>
-                        <a:latin typeface="Calibri" panose="020F0502020204030204" pitchFamily="34" charset="0"/>
-                        <a:ea typeface="Calibri" panose="020F0502020204030204" pitchFamily="34" charset="0"/>
-                        <a:cs typeface="Times New Roman" panose="02020603050405020304" pitchFamily="18" charset="0"/>
-                      </a:endParaRPr>
-                    </a:p>
-                  </a:txBody>
-                  <a:tcPr marL="110453" marR="110453" marT="0" marB="0"/>
-                </a:tc>
-                <a:extLst>
-                  <a:ext uri="{0D108BD9-81ED-4DB2-BD59-A6C34878D82A}">
-                    <a16:rowId xmlns:a16="http://schemas.microsoft.com/office/drawing/2014/main" val="1669620992"/>
-                  </a:ext>
-                </a:extLst>
-              </a:tr>
-              <a:tr h="565052">
-                <a:tc>
-                  <a:txBody>
-                    <a:bodyPr/>
-                    <a:lstStyle/>
-                    <a:p>
-                      <a:pPr algn="just">
-                        <a:lnSpc>
-                          <a:spcPct val="107000"/>
-                        </a:lnSpc>
-                        <a:spcAft>
-                          <a:spcPts val="800"/>
-                        </a:spcAft>
-                      </a:pPr>
-                      <a:r>
-                        <a:rPr lang="lt-LT" sz="1700" b="1">
-                          <a:ln>
-                            <a:solidFill>
-                              <a:schemeClr val="bg1"/>
-                            </a:solidFill>
-                          </a:ln>
-                          <a:solidFill>
-                            <a:schemeClr val="tx1"/>
-                          </a:solidFill>
-                          <a:effectLst/>
-                        </a:rPr>
-                        <a:t>Sprendimų medis</a:t>
-                      </a:r>
-                      <a:endParaRPr lang="lt-LT" sz="1700" b="1">
-                        <a:ln>
-                          <a:solidFill>
-                            <a:schemeClr val="bg1"/>
-                          </a:solidFill>
-                        </a:ln>
-                        <a:solidFill>
-                          <a:schemeClr val="tx1"/>
-                        </a:solidFill>
-                        <a:effectLst/>
-                        <a:latin typeface="Calibri" panose="020F0502020204030204" pitchFamily="34" charset="0"/>
-                        <a:ea typeface="Calibri" panose="020F0502020204030204" pitchFamily="34" charset="0"/>
-                        <a:cs typeface="Times New Roman" panose="02020603050405020304" pitchFamily="18" charset="0"/>
-                      </a:endParaRPr>
-                    </a:p>
-                  </a:txBody>
-                  <a:tcPr marL="110453" marR="110453" marT="0" marB="0"/>
-                </a:tc>
-                <a:tc>
-                  <a:txBody>
-                    <a:bodyPr/>
-                    <a:lstStyle/>
-                    <a:p>
-                      <a:pPr algn="just">
-                        <a:lnSpc>
-                          <a:spcPct val="107000"/>
-                        </a:lnSpc>
-                        <a:spcAft>
-                          <a:spcPts val="800"/>
-                        </a:spcAft>
-                      </a:pPr>
-                      <a:r>
-                        <a:rPr lang="lt-LT" sz="1700" b="1">
-                          <a:ln>
-                            <a:solidFill>
-                              <a:schemeClr val="bg1"/>
-                            </a:solidFill>
-                          </a:ln>
-                          <a:solidFill>
-                            <a:schemeClr val="tx1"/>
-                          </a:solidFill>
-                          <a:effectLst/>
-                        </a:rPr>
-                        <a:t>80-ieji</a:t>
-                      </a:r>
-                      <a:endParaRPr lang="lt-LT" sz="1700" b="1">
-                        <a:ln>
-                          <a:solidFill>
-                            <a:schemeClr val="bg1"/>
-                          </a:solidFill>
-                        </a:ln>
-                        <a:solidFill>
-                          <a:schemeClr val="tx1"/>
-                        </a:solidFill>
-                        <a:effectLst/>
-                        <a:latin typeface="Calibri" panose="020F0502020204030204" pitchFamily="34" charset="0"/>
-                        <a:ea typeface="Calibri" panose="020F0502020204030204" pitchFamily="34" charset="0"/>
-                        <a:cs typeface="Times New Roman" panose="02020603050405020304" pitchFamily="18" charset="0"/>
-                      </a:endParaRPr>
-                    </a:p>
-                  </a:txBody>
-                  <a:tcPr marL="110453" marR="110453" marT="0" marB="0"/>
-                </a:tc>
-                <a:tc>
-                  <a:txBody>
-                    <a:bodyPr/>
-                    <a:lstStyle/>
-                    <a:p>
-                      <a:pPr algn="just">
-                        <a:lnSpc>
-                          <a:spcPct val="107000"/>
-                        </a:lnSpc>
-                        <a:spcAft>
-                          <a:spcPts val="800"/>
-                        </a:spcAft>
-                      </a:pPr>
-                      <a:r>
-                        <a:rPr lang="lt-LT" sz="1700" b="1" dirty="0">
-                          <a:ln>
-                            <a:solidFill>
-                              <a:schemeClr val="bg1"/>
-                            </a:solidFill>
-                          </a:ln>
-                          <a:solidFill>
-                            <a:schemeClr val="tx1"/>
-                          </a:solidFill>
-                          <a:effectLst/>
-                        </a:rPr>
-                        <a:t>0.63</a:t>
-                      </a:r>
-                      <a:endParaRPr lang="lt-LT" sz="1700" b="1" dirty="0">
-                        <a:ln>
-                          <a:solidFill>
-                            <a:schemeClr val="bg1"/>
-                          </a:solidFill>
-                        </a:ln>
-                        <a:solidFill>
-                          <a:schemeClr val="tx1"/>
-                        </a:solidFill>
-                        <a:effectLst/>
-                        <a:latin typeface="Calibri" panose="020F0502020204030204" pitchFamily="34" charset="0"/>
-                        <a:ea typeface="Calibri" panose="020F0502020204030204" pitchFamily="34" charset="0"/>
-                        <a:cs typeface="Times New Roman" panose="02020603050405020304" pitchFamily="18" charset="0"/>
-                      </a:endParaRPr>
-                    </a:p>
-                  </a:txBody>
-                  <a:tcPr marL="110453" marR="110453" marT="0" marB="0"/>
-                </a:tc>
-                <a:tc>
-                  <a:txBody>
-                    <a:bodyPr/>
-                    <a:lstStyle/>
-                    <a:p>
-                      <a:pPr algn="just">
-                        <a:lnSpc>
-                          <a:spcPct val="107000"/>
-                        </a:lnSpc>
-                        <a:spcAft>
-                          <a:spcPts val="800"/>
-                        </a:spcAft>
-                      </a:pPr>
-                      <a:r>
-                        <a:rPr lang="lt-LT" sz="1700" b="1" dirty="0">
-                          <a:ln>
-                            <a:solidFill>
-                              <a:schemeClr val="bg1"/>
-                            </a:solidFill>
-                          </a:ln>
-                          <a:solidFill>
-                            <a:schemeClr val="tx1"/>
-                          </a:solidFill>
-                          <a:effectLst/>
-                        </a:rPr>
-                        <a:t>0.85</a:t>
-                      </a:r>
-                      <a:endParaRPr lang="lt-LT" sz="1700" b="1" dirty="0">
-                        <a:ln>
-                          <a:solidFill>
-                            <a:schemeClr val="bg1"/>
-                          </a:solidFill>
-                        </a:ln>
-                        <a:solidFill>
-                          <a:schemeClr val="tx1"/>
-                        </a:solidFill>
-                        <a:effectLst/>
-                        <a:latin typeface="Calibri" panose="020F0502020204030204" pitchFamily="34" charset="0"/>
-                        <a:ea typeface="Calibri" panose="020F0502020204030204" pitchFamily="34" charset="0"/>
-                        <a:cs typeface="Times New Roman" panose="02020603050405020304" pitchFamily="18" charset="0"/>
-                      </a:endParaRPr>
-                    </a:p>
-                  </a:txBody>
-                  <a:tcPr marL="110453" marR="110453" marT="0" marB="0"/>
-                </a:tc>
-                <a:tc>
-                  <a:txBody>
-                    <a:bodyPr/>
-                    <a:lstStyle/>
-                    <a:p>
-                      <a:pPr algn="just">
-                        <a:lnSpc>
-                          <a:spcPct val="107000"/>
-                        </a:lnSpc>
-                        <a:spcAft>
-                          <a:spcPts val="800"/>
-                        </a:spcAft>
-                      </a:pPr>
-                      <a:r>
-                        <a:rPr lang="lt-LT" sz="1700" b="1">
-                          <a:ln>
-                            <a:solidFill>
-                              <a:schemeClr val="bg1"/>
-                            </a:solidFill>
-                          </a:ln>
-                          <a:solidFill>
-                            <a:schemeClr val="tx1"/>
-                          </a:solidFill>
-                          <a:effectLst/>
-                        </a:rPr>
-                        <a:t>0.72</a:t>
-                      </a:r>
-                      <a:endParaRPr lang="lt-LT" sz="1700" b="1">
-                        <a:ln>
-                          <a:solidFill>
-                            <a:schemeClr val="bg1"/>
-                          </a:solidFill>
-                        </a:ln>
-                        <a:solidFill>
-                          <a:schemeClr val="tx1"/>
-                        </a:solidFill>
-                        <a:effectLst/>
-                        <a:latin typeface="Calibri" panose="020F0502020204030204" pitchFamily="34" charset="0"/>
-                        <a:ea typeface="Calibri" panose="020F0502020204030204" pitchFamily="34" charset="0"/>
-                        <a:cs typeface="Times New Roman" panose="02020603050405020304" pitchFamily="18" charset="0"/>
-                      </a:endParaRPr>
-                    </a:p>
-                  </a:txBody>
-                  <a:tcPr marL="110453" marR="110453" marT="0" marB="0"/>
-                </a:tc>
-                <a:tc>
-                  <a:txBody>
-                    <a:bodyPr/>
-                    <a:lstStyle/>
-                    <a:p>
-                      <a:pPr algn="just">
-                        <a:lnSpc>
-                          <a:spcPct val="107000"/>
-                        </a:lnSpc>
-                        <a:spcAft>
-                          <a:spcPts val="800"/>
-                        </a:spcAft>
-                      </a:pPr>
-                      <a:r>
-                        <a:rPr lang="lt-LT" sz="1700" b="1">
-                          <a:ln>
-                            <a:solidFill>
-                              <a:schemeClr val="bg1"/>
-                            </a:solidFill>
-                          </a:ln>
-                          <a:solidFill>
-                            <a:schemeClr val="tx1"/>
-                          </a:solidFill>
-                          <a:effectLst/>
-                        </a:rPr>
-                        <a:t>0.72</a:t>
-                      </a:r>
-                      <a:endParaRPr lang="lt-LT" sz="1700" b="1">
-                        <a:ln>
-                          <a:solidFill>
-                            <a:schemeClr val="bg1"/>
-                          </a:solidFill>
-                        </a:ln>
-                        <a:solidFill>
-                          <a:schemeClr val="tx1"/>
-                        </a:solidFill>
-                        <a:effectLst/>
-                        <a:latin typeface="Calibri" panose="020F0502020204030204" pitchFamily="34" charset="0"/>
-                        <a:ea typeface="Calibri" panose="020F0502020204030204" pitchFamily="34" charset="0"/>
-                        <a:cs typeface="Times New Roman" panose="02020603050405020304" pitchFamily="18" charset="0"/>
-                      </a:endParaRPr>
-                    </a:p>
-                  </a:txBody>
-                  <a:tcPr marL="110453" marR="110453" marT="0" marB="0"/>
-                </a:tc>
-                <a:extLst>
-                  <a:ext uri="{0D108BD9-81ED-4DB2-BD59-A6C34878D82A}">
-                    <a16:rowId xmlns:a16="http://schemas.microsoft.com/office/drawing/2014/main" val="4110289829"/>
-                  </a:ext>
-                </a:extLst>
-              </a:tr>
-              <a:tr h="565052">
-                <a:tc>
-                  <a:txBody>
-                    <a:bodyPr/>
-                    <a:lstStyle/>
-                    <a:p>
-                      <a:pPr algn="just">
-                        <a:lnSpc>
-                          <a:spcPct val="107000"/>
-                        </a:lnSpc>
-                        <a:spcAft>
-                          <a:spcPts val="800"/>
-                        </a:spcAft>
-                      </a:pPr>
-                      <a:r>
-                        <a:rPr lang="lt-LT" sz="1700" b="1">
-                          <a:ln>
-                            <a:solidFill>
-                              <a:schemeClr val="bg1"/>
-                            </a:solidFill>
-                          </a:ln>
-                          <a:solidFill>
-                            <a:schemeClr val="tx1"/>
-                          </a:solidFill>
-                          <a:effectLst/>
-                        </a:rPr>
-                        <a:t>Atsitiktinis miškas</a:t>
-                      </a:r>
-                      <a:endParaRPr lang="lt-LT" sz="1700" b="1">
-                        <a:ln>
-                          <a:solidFill>
-                            <a:schemeClr val="bg1"/>
-                          </a:solidFill>
-                        </a:ln>
-                        <a:solidFill>
-                          <a:schemeClr val="tx1"/>
-                        </a:solidFill>
-                        <a:effectLst/>
-                        <a:latin typeface="Calibri" panose="020F0502020204030204" pitchFamily="34" charset="0"/>
-                        <a:ea typeface="Calibri" panose="020F0502020204030204" pitchFamily="34" charset="0"/>
-                        <a:cs typeface="Times New Roman" panose="02020603050405020304" pitchFamily="18" charset="0"/>
-                      </a:endParaRPr>
-                    </a:p>
-                  </a:txBody>
-                  <a:tcPr marL="110453" marR="110453" marT="0" marB="0"/>
-                </a:tc>
-                <a:tc>
-                  <a:txBody>
-                    <a:bodyPr/>
-                    <a:lstStyle/>
-                    <a:p>
-                      <a:pPr algn="just">
-                        <a:lnSpc>
-                          <a:spcPct val="107000"/>
-                        </a:lnSpc>
-                        <a:spcAft>
-                          <a:spcPts val="800"/>
-                        </a:spcAft>
-                      </a:pPr>
-                      <a:r>
-                        <a:rPr lang="lt-LT" sz="1700" b="1" dirty="0">
-                          <a:ln>
-                            <a:solidFill>
-                              <a:schemeClr val="bg1"/>
-                            </a:solidFill>
-                          </a:ln>
-                          <a:solidFill>
-                            <a:schemeClr val="tx1"/>
-                          </a:solidFill>
-                          <a:effectLst/>
-                        </a:rPr>
-                        <a:t>10-ieji</a:t>
-                      </a:r>
-                      <a:endParaRPr lang="lt-LT" sz="1700" b="1" dirty="0">
-                        <a:ln>
-                          <a:solidFill>
-                            <a:schemeClr val="bg1"/>
-                          </a:solidFill>
-                        </a:ln>
-                        <a:solidFill>
-                          <a:schemeClr val="tx1"/>
-                        </a:solidFill>
-                        <a:effectLst/>
-                        <a:latin typeface="Calibri" panose="020F0502020204030204" pitchFamily="34" charset="0"/>
-                        <a:ea typeface="Calibri" panose="020F0502020204030204" pitchFamily="34" charset="0"/>
-                        <a:cs typeface="Times New Roman" panose="02020603050405020304" pitchFamily="18" charset="0"/>
-                      </a:endParaRPr>
-                    </a:p>
-                  </a:txBody>
-                  <a:tcPr marL="110453" marR="110453" marT="0" marB="0"/>
-                </a:tc>
-                <a:tc>
-                  <a:txBody>
-                    <a:bodyPr/>
-                    <a:lstStyle/>
-                    <a:p>
-                      <a:pPr algn="just">
-                        <a:lnSpc>
-                          <a:spcPct val="107000"/>
-                        </a:lnSpc>
-                        <a:spcAft>
-                          <a:spcPts val="800"/>
-                        </a:spcAft>
-                      </a:pPr>
-                      <a:r>
-                        <a:rPr lang="lt-LT" sz="1700" b="1">
-                          <a:ln>
-                            <a:solidFill>
-                              <a:schemeClr val="bg1"/>
-                            </a:solidFill>
-                          </a:ln>
-                          <a:solidFill>
-                            <a:schemeClr val="tx1"/>
-                          </a:solidFill>
-                          <a:effectLst/>
-                        </a:rPr>
-                        <a:t>0.86</a:t>
-                      </a:r>
-                      <a:endParaRPr lang="lt-LT" sz="1700" b="1">
-                        <a:ln>
-                          <a:solidFill>
-                            <a:schemeClr val="bg1"/>
-                          </a:solidFill>
-                        </a:ln>
-                        <a:solidFill>
-                          <a:schemeClr val="tx1"/>
-                        </a:solidFill>
-                        <a:effectLst/>
-                        <a:latin typeface="Calibri" panose="020F0502020204030204" pitchFamily="34" charset="0"/>
-                        <a:ea typeface="Calibri" panose="020F0502020204030204" pitchFamily="34" charset="0"/>
-                        <a:cs typeface="Times New Roman" panose="02020603050405020304" pitchFamily="18" charset="0"/>
-                      </a:endParaRPr>
-                    </a:p>
-                  </a:txBody>
-                  <a:tcPr marL="110453" marR="110453" marT="0" marB="0"/>
-                </a:tc>
-                <a:tc>
-                  <a:txBody>
-                    <a:bodyPr/>
-                    <a:lstStyle/>
-                    <a:p>
-                      <a:pPr algn="just">
-                        <a:lnSpc>
-                          <a:spcPct val="107000"/>
-                        </a:lnSpc>
-                        <a:spcAft>
-                          <a:spcPts val="800"/>
-                        </a:spcAft>
-                      </a:pPr>
-                      <a:r>
-                        <a:rPr lang="lt-LT" sz="1700" b="1">
-                          <a:ln>
-                            <a:solidFill>
-                              <a:schemeClr val="bg1"/>
-                            </a:solidFill>
-                          </a:ln>
-                          <a:solidFill>
-                            <a:schemeClr val="tx1"/>
-                          </a:solidFill>
-                          <a:effectLst/>
-                        </a:rPr>
-                        <a:t>0.92</a:t>
-                      </a:r>
-                      <a:endParaRPr lang="lt-LT" sz="1700" b="1">
-                        <a:ln>
-                          <a:solidFill>
-                            <a:schemeClr val="bg1"/>
-                          </a:solidFill>
-                        </a:ln>
-                        <a:solidFill>
-                          <a:schemeClr val="tx1"/>
-                        </a:solidFill>
-                        <a:effectLst/>
-                        <a:latin typeface="Calibri" panose="020F0502020204030204" pitchFamily="34" charset="0"/>
-                        <a:ea typeface="Calibri" panose="020F0502020204030204" pitchFamily="34" charset="0"/>
-                        <a:cs typeface="Times New Roman" panose="02020603050405020304" pitchFamily="18" charset="0"/>
-                      </a:endParaRPr>
-                    </a:p>
-                  </a:txBody>
-                  <a:tcPr marL="110453" marR="110453" marT="0" marB="0"/>
-                </a:tc>
-                <a:tc>
-                  <a:txBody>
-                    <a:bodyPr/>
-                    <a:lstStyle/>
-                    <a:p>
-                      <a:pPr algn="just">
-                        <a:lnSpc>
-                          <a:spcPct val="107000"/>
-                        </a:lnSpc>
-                        <a:spcAft>
-                          <a:spcPts val="800"/>
-                        </a:spcAft>
-                      </a:pPr>
-                      <a:r>
-                        <a:rPr lang="lt-LT" sz="1700" b="1" dirty="0">
-                          <a:ln>
-                            <a:solidFill>
-                              <a:schemeClr val="bg1"/>
-                            </a:solidFill>
-                          </a:ln>
-                          <a:solidFill>
-                            <a:schemeClr val="tx1"/>
-                          </a:solidFill>
-                          <a:effectLst/>
-                        </a:rPr>
-                        <a:t>0.89</a:t>
-                      </a:r>
-                      <a:endParaRPr lang="lt-LT" sz="1700" b="1" dirty="0">
-                        <a:ln>
-                          <a:solidFill>
-                            <a:schemeClr val="bg1"/>
-                          </a:solidFill>
-                        </a:ln>
-                        <a:solidFill>
-                          <a:schemeClr val="tx1"/>
-                        </a:solidFill>
-                        <a:effectLst/>
-                        <a:latin typeface="Calibri" panose="020F0502020204030204" pitchFamily="34" charset="0"/>
-                        <a:ea typeface="Calibri" panose="020F0502020204030204" pitchFamily="34" charset="0"/>
-                        <a:cs typeface="Times New Roman" panose="02020603050405020304" pitchFamily="18" charset="0"/>
-                      </a:endParaRPr>
-                    </a:p>
-                  </a:txBody>
-                  <a:tcPr marL="110453" marR="110453" marT="0" marB="0"/>
-                </a:tc>
-                <a:tc>
-                  <a:txBody>
-                    <a:bodyPr/>
-                    <a:lstStyle/>
-                    <a:p>
-                      <a:pPr algn="just">
-                        <a:lnSpc>
-                          <a:spcPct val="107000"/>
-                        </a:lnSpc>
-                        <a:spcAft>
-                          <a:spcPts val="800"/>
-                        </a:spcAft>
-                      </a:pPr>
-                      <a:r>
-                        <a:rPr lang="lt-LT" sz="1700" b="1">
-                          <a:ln>
-                            <a:solidFill>
-                              <a:schemeClr val="bg1"/>
-                            </a:solidFill>
-                          </a:ln>
-                          <a:solidFill>
-                            <a:schemeClr val="tx1"/>
-                          </a:solidFill>
-                          <a:effectLst/>
-                        </a:rPr>
-                        <a:t>0.87</a:t>
-                      </a:r>
-                      <a:endParaRPr lang="lt-LT" sz="1700" b="1">
-                        <a:ln>
-                          <a:solidFill>
-                            <a:schemeClr val="bg1"/>
-                          </a:solidFill>
-                        </a:ln>
-                        <a:solidFill>
-                          <a:schemeClr val="tx1"/>
-                        </a:solidFill>
-                        <a:effectLst/>
-                        <a:latin typeface="Calibri" panose="020F0502020204030204" pitchFamily="34" charset="0"/>
-                        <a:ea typeface="Calibri" panose="020F0502020204030204" pitchFamily="34" charset="0"/>
-                        <a:cs typeface="Times New Roman" panose="02020603050405020304" pitchFamily="18" charset="0"/>
-                      </a:endParaRPr>
-                    </a:p>
-                  </a:txBody>
-                  <a:tcPr marL="110453" marR="110453" marT="0" marB="0"/>
-                </a:tc>
-                <a:extLst>
-                  <a:ext uri="{0D108BD9-81ED-4DB2-BD59-A6C34878D82A}">
-                    <a16:rowId xmlns:a16="http://schemas.microsoft.com/office/drawing/2014/main" val="3477941211"/>
-                  </a:ext>
-                </a:extLst>
-              </a:tr>
-              <a:tr h="565052">
-                <a:tc>
-                  <a:txBody>
-                    <a:bodyPr/>
-                    <a:lstStyle/>
-                    <a:p>
-                      <a:pPr algn="just">
-                        <a:lnSpc>
-                          <a:spcPct val="107000"/>
-                        </a:lnSpc>
-                        <a:spcAft>
-                          <a:spcPts val="800"/>
-                        </a:spcAft>
-                      </a:pPr>
-                      <a:r>
-                        <a:rPr lang="lt-LT" sz="1700" b="1">
-                          <a:ln>
-                            <a:solidFill>
-                              <a:schemeClr val="bg1"/>
-                            </a:solidFill>
-                          </a:ln>
-                          <a:solidFill>
-                            <a:schemeClr val="tx1"/>
-                          </a:solidFill>
-                          <a:effectLst/>
-                        </a:rPr>
-                        <a:t>Atsitiktinis miškas</a:t>
-                      </a:r>
-                      <a:endParaRPr lang="lt-LT" sz="1700" b="1">
-                        <a:ln>
-                          <a:solidFill>
-                            <a:schemeClr val="bg1"/>
-                          </a:solidFill>
-                        </a:ln>
-                        <a:solidFill>
-                          <a:schemeClr val="tx1"/>
-                        </a:solidFill>
-                        <a:effectLst/>
-                        <a:latin typeface="Calibri" panose="020F0502020204030204" pitchFamily="34" charset="0"/>
-                        <a:ea typeface="Calibri" panose="020F0502020204030204" pitchFamily="34" charset="0"/>
-                        <a:cs typeface="Times New Roman" panose="02020603050405020304" pitchFamily="18" charset="0"/>
-                      </a:endParaRPr>
-                    </a:p>
-                  </a:txBody>
-                  <a:tcPr marL="110453" marR="110453" marT="0" marB="0"/>
-                </a:tc>
-                <a:tc>
-                  <a:txBody>
-                    <a:bodyPr/>
-                    <a:lstStyle/>
-                    <a:p>
-                      <a:pPr algn="just">
-                        <a:lnSpc>
-                          <a:spcPct val="107000"/>
-                        </a:lnSpc>
-                        <a:spcAft>
-                          <a:spcPts val="800"/>
-                        </a:spcAft>
-                      </a:pPr>
-                      <a:r>
-                        <a:rPr lang="lt-LT" sz="1700" b="1">
-                          <a:ln>
-                            <a:solidFill>
-                              <a:schemeClr val="bg1"/>
-                            </a:solidFill>
-                          </a:ln>
-                          <a:solidFill>
-                            <a:schemeClr val="tx1"/>
-                          </a:solidFill>
-                          <a:effectLst/>
-                        </a:rPr>
-                        <a:t>80-ieji</a:t>
-                      </a:r>
-                      <a:endParaRPr lang="lt-LT" sz="1700" b="1">
-                        <a:ln>
-                          <a:solidFill>
-                            <a:schemeClr val="bg1"/>
-                          </a:solidFill>
-                        </a:ln>
-                        <a:solidFill>
-                          <a:schemeClr val="tx1"/>
-                        </a:solidFill>
-                        <a:effectLst/>
-                        <a:latin typeface="Calibri" panose="020F0502020204030204" pitchFamily="34" charset="0"/>
-                        <a:ea typeface="Calibri" panose="020F0502020204030204" pitchFamily="34" charset="0"/>
-                        <a:cs typeface="Times New Roman" panose="02020603050405020304" pitchFamily="18" charset="0"/>
-                      </a:endParaRPr>
-                    </a:p>
-                  </a:txBody>
-                  <a:tcPr marL="110453" marR="110453" marT="0" marB="0"/>
-                </a:tc>
-                <a:tc>
-                  <a:txBody>
-                    <a:bodyPr/>
-                    <a:lstStyle/>
-                    <a:p>
-                      <a:pPr algn="just">
-                        <a:lnSpc>
-                          <a:spcPct val="107000"/>
-                        </a:lnSpc>
-                        <a:spcAft>
-                          <a:spcPts val="800"/>
-                        </a:spcAft>
-                      </a:pPr>
-                      <a:r>
-                        <a:rPr lang="lt-LT" sz="1700" b="1" dirty="0">
-                          <a:ln>
-                            <a:solidFill>
-                              <a:schemeClr val="bg1"/>
-                            </a:solidFill>
-                          </a:ln>
-                          <a:solidFill>
-                            <a:schemeClr val="tx1"/>
-                          </a:solidFill>
-                          <a:effectLst/>
-                        </a:rPr>
-                        <a:t>0.89</a:t>
-                      </a:r>
-                      <a:endParaRPr lang="lt-LT" sz="1700" b="1" dirty="0">
-                        <a:ln>
-                          <a:solidFill>
-                            <a:schemeClr val="bg1"/>
-                          </a:solidFill>
-                        </a:ln>
-                        <a:solidFill>
-                          <a:schemeClr val="tx1"/>
-                        </a:solidFill>
-                        <a:effectLst/>
-                        <a:latin typeface="Calibri" panose="020F0502020204030204" pitchFamily="34" charset="0"/>
-                        <a:ea typeface="Calibri" panose="020F0502020204030204" pitchFamily="34" charset="0"/>
-                        <a:cs typeface="Times New Roman" panose="02020603050405020304" pitchFamily="18" charset="0"/>
-                      </a:endParaRPr>
-                    </a:p>
-                  </a:txBody>
-                  <a:tcPr marL="110453" marR="110453" marT="0" marB="0"/>
-                </a:tc>
-                <a:tc>
-                  <a:txBody>
-                    <a:bodyPr/>
-                    <a:lstStyle/>
-                    <a:p>
-                      <a:pPr algn="just">
-                        <a:lnSpc>
-                          <a:spcPct val="107000"/>
-                        </a:lnSpc>
-                        <a:spcAft>
-                          <a:spcPts val="800"/>
-                        </a:spcAft>
-                      </a:pPr>
-                      <a:r>
-                        <a:rPr lang="lt-LT" sz="1700" b="1" dirty="0">
-                          <a:ln>
-                            <a:solidFill>
-                              <a:schemeClr val="bg1"/>
-                            </a:solidFill>
-                          </a:ln>
-                          <a:solidFill>
-                            <a:schemeClr val="tx1"/>
-                          </a:solidFill>
-                          <a:effectLst/>
-                        </a:rPr>
-                        <a:t>0.8</a:t>
-                      </a:r>
-                      <a:endParaRPr lang="lt-LT" sz="1700" b="1" dirty="0">
-                        <a:ln>
-                          <a:solidFill>
-                            <a:schemeClr val="bg1"/>
-                          </a:solidFill>
-                        </a:ln>
-                        <a:solidFill>
-                          <a:schemeClr val="tx1"/>
-                        </a:solidFill>
-                        <a:effectLst/>
-                        <a:latin typeface="Calibri" panose="020F0502020204030204" pitchFamily="34" charset="0"/>
-                        <a:ea typeface="Calibri" panose="020F0502020204030204" pitchFamily="34" charset="0"/>
-                        <a:cs typeface="Times New Roman" panose="02020603050405020304" pitchFamily="18" charset="0"/>
-                      </a:endParaRPr>
-                    </a:p>
-                  </a:txBody>
-                  <a:tcPr marL="110453" marR="110453" marT="0" marB="0"/>
-                </a:tc>
-                <a:tc>
-                  <a:txBody>
-                    <a:bodyPr/>
-                    <a:lstStyle/>
-                    <a:p>
-                      <a:pPr algn="just">
-                        <a:lnSpc>
-                          <a:spcPct val="107000"/>
-                        </a:lnSpc>
-                        <a:spcAft>
-                          <a:spcPts val="800"/>
-                        </a:spcAft>
-                      </a:pPr>
-                      <a:r>
-                        <a:rPr lang="lt-LT" sz="1700" b="1" dirty="0">
-                          <a:ln>
-                            <a:solidFill>
-                              <a:schemeClr val="bg1"/>
-                            </a:solidFill>
-                          </a:ln>
-                          <a:solidFill>
-                            <a:schemeClr val="tx1"/>
-                          </a:solidFill>
-                          <a:effectLst/>
-                        </a:rPr>
-                        <a:t>0.84</a:t>
-                      </a:r>
-                      <a:endParaRPr lang="lt-LT" sz="1700" b="1" dirty="0">
-                        <a:ln>
-                          <a:solidFill>
-                            <a:schemeClr val="bg1"/>
-                          </a:solidFill>
-                        </a:ln>
-                        <a:solidFill>
-                          <a:schemeClr val="tx1"/>
-                        </a:solidFill>
-                        <a:effectLst/>
-                        <a:latin typeface="Calibri" panose="020F0502020204030204" pitchFamily="34" charset="0"/>
-                        <a:ea typeface="Calibri" panose="020F0502020204030204" pitchFamily="34" charset="0"/>
-                        <a:cs typeface="Times New Roman" panose="02020603050405020304" pitchFamily="18" charset="0"/>
-                      </a:endParaRPr>
-                    </a:p>
-                  </a:txBody>
-                  <a:tcPr marL="110453" marR="110453" marT="0" marB="0"/>
-                </a:tc>
-                <a:tc>
-                  <a:txBody>
-                    <a:bodyPr/>
-                    <a:lstStyle/>
-                    <a:p>
-                      <a:pPr algn="just">
-                        <a:lnSpc>
-                          <a:spcPct val="107000"/>
-                        </a:lnSpc>
-                        <a:spcAft>
-                          <a:spcPts val="800"/>
-                        </a:spcAft>
-                      </a:pPr>
-                      <a:r>
-                        <a:rPr lang="lt-LT" sz="1700" b="1" dirty="0">
-                          <a:ln>
-                            <a:solidFill>
-                              <a:schemeClr val="bg1"/>
-                            </a:solidFill>
-                          </a:ln>
-                          <a:solidFill>
-                            <a:schemeClr val="tx1"/>
-                          </a:solidFill>
-                          <a:effectLst/>
-                        </a:rPr>
-                        <a:t>0.87</a:t>
-                      </a:r>
-                      <a:endParaRPr lang="lt-LT" sz="1700" b="1" dirty="0">
-                        <a:ln>
-                          <a:solidFill>
-                            <a:schemeClr val="bg1"/>
-                          </a:solidFill>
-                        </a:ln>
-                        <a:solidFill>
-                          <a:schemeClr val="tx1"/>
-                        </a:solidFill>
-                        <a:effectLst/>
-                        <a:latin typeface="Calibri" panose="020F0502020204030204" pitchFamily="34" charset="0"/>
-                        <a:ea typeface="Calibri" panose="020F0502020204030204" pitchFamily="34" charset="0"/>
-                        <a:cs typeface="Times New Roman" panose="02020603050405020304" pitchFamily="18" charset="0"/>
-                      </a:endParaRPr>
-                    </a:p>
-                  </a:txBody>
-                  <a:tcPr marL="110453" marR="110453" marT="0" marB="0"/>
-                </a:tc>
-                <a:extLst>
-                  <a:ext uri="{0D108BD9-81ED-4DB2-BD59-A6C34878D82A}">
-                    <a16:rowId xmlns:a16="http://schemas.microsoft.com/office/drawing/2014/main" val="1256737827"/>
-                  </a:ext>
-                </a:extLst>
-              </a:tr>
-            </a:tbl>
-          </a:graphicData>
-        </a:graphic>
-      </p:graphicFrame>
       <p:sp>
         <p:nvSpPr>
           <p:cNvPr id="5" name="Title 1">
@@ -5488,6 +3473,1358 @@
           </a:p>
         </p:txBody>
       </p:sp>
+      <p:graphicFrame>
+        <p:nvGraphicFramePr>
+          <p:cNvPr id="6" name="Turinio vietos rezervavimo ženklas 5">
+            <a:extLst>
+              <a:ext uri="{FF2B5EF4-FFF2-40B4-BE49-F238E27FC236}">
+                <a16:creationId xmlns:a16="http://schemas.microsoft.com/office/drawing/2014/main" id="{8FCD500B-6432-B8C8-3440-39FE659E281C}"/>
+              </a:ext>
+            </a:extLst>
+          </p:cNvPr>
+          <p:cNvGraphicFramePr>
+            <a:graphicFrameLocks noGrp="1"/>
+          </p:cNvGraphicFramePr>
+          <p:nvPr>
+            <p:ph idx="1"/>
+            <p:extLst>
+              <p:ext uri="{D42A27DB-BD31-4B8C-83A1-F6EECF244321}">
+                <p14:modId xmlns:p14="http://schemas.microsoft.com/office/powerpoint/2010/main" val="1612889487"/>
+              </p:ext>
+            </p:extLst>
+          </p:nvPr>
+        </p:nvGraphicFramePr>
+        <p:xfrm>
+          <a:off x="2133680" y="1947171"/>
+          <a:ext cx="7924640" cy="4194175"/>
+        </p:xfrm>
+        <a:graphic>
+          <a:graphicData uri="http://schemas.openxmlformats.org/drawingml/2006/table">
+            <a:tbl>
+              <a:tblPr firstRow="1" firstCol="1" bandRow="1">
+                <a:tableStyleId>{5940675A-B579-460E-94D1-54222C63F5DA}</a:tableStyleId>
+              </a:tblPr>
+              <a:tblGrid>
+                <a:gridCol w="2077052">
+                  <a:extLst>
+                    <a:ext uri="{9D8B030D-6E8A-4147-A177-3AD203B41FA5}">
+                      <a16:colId xmlns:a16="http://schemas.microsoft.com/office/drawing/2014/main" val="1788016119"/>
+                    </a:ext>
+                  </a:extLst>
+                </a:gridCol>
+                <a:gridCol w="1210695">
+                  <a:extLst>
+                    <a:ext uri="{9D8B030D-6E8A-4147-A177-3AD203B41FA5}">
+                      <a16:colId xmlns:a16="http://schemas.microsoft.com/office/drawing/2014/main" val="3944891584"/>
+                    </a:ext>
+                  </a:extLst>
+                </a:gridCol>
+                <a:gridCol w="1259711">
+                  <a:extLst>
+                    <a:ext uri="{9D8B030D-6E8A-4147-A177-3AD203B41FA5}">
+                      <a16:colId xmlns:a16="http://schemas.microsoft.com/office/drawing/2014/main" val="2774457922"/>
+                    </a:ext>
+                  </a:extLst>
+                </a:gridCol>
+                <a:gridCol w="1178835">
+                  <a:extLst>
+                    <a:ext uri="{9D8B030D-6E8A-4147-A177-3AD203B41FA5}">
+                      <a16:colId xmlns:a16="http://schemas.microsoft.com/office/drawing/2014/main" val="767753735"/>
+                    </a:ext>
+                  </a:extLst>
+                </a:gridCol>
+                <a:gridCol w="931304">
+                  <a:extLst>
+                    <a:ext uri="{9D8B030D-6E8A-4147-A177-3AD203B41FA5}">
+                      <a16:colId xmlns:a16="http://schemas.microsoft.com/office/drawing/2014/main" val="1851842297"/>
+                    </a:ext>
+                  </a:extLst>
+                </a:gridCol>
+                <a:gridCol w="1267043">
+                  <a:extLst>
+                    <a:ext uri="{9D8B030D-6E8A-4147-A177-3AD203B41FA5}">
+                      <a16:colId xmlns:a16="http://schemas.microsoft.com/office/drawing/2014/main" val="2559040549"/>
+                    </a:ext>
+                  </a:extLst>
+                </a:gridCol>
+              </a:tblGrid>
+              <a:tr h="677034">
+                <a:tc>
+                  <a:txBody>
+                    <a:bodyPr/>
+                    <a:lstStyle/>
+                    <a:p>
+                      <a:pPr algn="just">
+                        <a:lnSpc>
+                          <a:spcPct val="107000"/>
+                        </a:lnSpc>
+                        <a:spcAft>
+                          <a:spcPts val="800"/>
+                        </a:spcAft>
+                      </a:pPr>
+                      <a:r>
+                        <a:rPr lang="lt-LT" sz="2200">
+                          <a:effectLst/>
+                        </a:rPr>
+                        <a:t>Modelis</a:t>
+                      </a:r>
+                      <a:endParaRPr lang="lt-LT" sz="2200">
+                        <a:effectLst/>
+                        <a:latin typeface="Calibri" panose="020F0502020204030204" pitchFamily="34" charset="0"/>
+                        <a:ea typeface="Calibri" panose="020F0502020204030204" pitchFamily="34" charset="0"/>
+                        <a:cs typeface="Times New Roman" panose="02020603050405020304" pitchFamily="18" charset="0"/>
+                      </a:endParaRPr>
+                    </a:p>
+                  </a:txBody>
+                  <a:tcPr marL="115893" marR="115893" marT="0" marB="0"/>
+                </a:tc>
+                <a:tc>
+                  <a:txBody>
+                    <a:bodyPr/>
+                    <a:lstStyle/>
+                    <a:p>
+                      <a:pPr algn="just">
+                        <a:lnSpc>
+                          <a:spcPct val="107000"/>
+                        </a:lnSpc>
+                        <a:spcAft>
+                          <a:spcPts val="800"/>
+                        </a:spcAft>
+                      </a:pPr>
+                      <a:r>
+                        <a:rPr lang="lt-LT" sz="2200">
+                          <a:effectLst/>
+                        </a:rPr>
+                        <a:t>Klasė</a:t>
+                      </a:r>
+                      <a:endParaRPr lang="lt-LT" sz="2200">
+                        <a:effectLst/>
+                        <a:latin typeface="Calibri" panose="020F0502020204030204" pitchFamily="34" charset="0"/>
+                        <a:ea typeface="Calibri" panose="020F0502020204030204" pitchFamily="34" charset="0"/>
+                        <a:cs typeface="Times New Roman" panose="02020603050405020304" pitchFamily="18" charset="0"/>
+                      </a:endParaRPr>
+                    </a:p>
+                  </a:txBody>
+                  <a:tcPr marL="115893" marR="115893" marT="0" marB="0"/>
+                </a:tc>
+                <a:tc>
+                  <a:txBody>
+                    <a:bodyPr/>
+                    <a:lstStyle/>
+                    <a:p>
+                      <a:pPr algn="just">
+                        <a:lnSpc>
+                          <a:spcPct val="107000"/>
+                        </a:lnSpc>
+                        <a:spcAft>
+                          <a:spcPts val="800"/>
+                        </a:spcAft>
+                      </a:pPr>
+                      <a:r>
+                        <a:rPr lang="lt-LT" sz="2200">
+                          <a:effectLst/>
+                        </a:rPr>
+                        <a:t>Precision</a:t>
+                      </a:r>
+                      <a:endParaRPr lang="lt-LT" sz="2200">
+                        <a:effectLst/>
+                        <a:latin typeface="Calibri" panose="020F0502020204030204" pitchFamily="34" charset="0"/>
+                        <a:ea typeface="Calibri" panose="020F0502020204030204" pitchFamily="34" charset="0"/>
+                        <a:cs typeface="Times New Roman" panose="02020603050405020304" pitchFamily="18" charset="0"/>
+                      </a:endParaRPr>
+                    </a:p>
+                  </a:txBody>
+                  <a:tcPr marL="115893" marR="115893" marT="0" marB="0"/>
+                </a:tc>
+                <a:tc>
+                  <a:txBody>
+                    <a:bodyPr/>
+                    <a:lstStyle/>
+                    <a:p>
+                      <a:pPr algn="just">
+                        <a:lnSpc>
+                          <a:spcPct val="107000"/>
+                        </a:lnSpc>
+                        <a:spcAft>
+                          <a:spcPts val="800"/>
+                        </a:spcAft>
+                      </a:pPr>
+                      <a:r>
+                        <a:rPr lang="lt-LT" sz="2200">
+                          <a:effectLst/>
+                        </a:rPr>
+                        <a:t>Recall</a:t>
+                      </a:r>
+                      <a:endParaRPr lang="lt-LT" sz="2200">
+                        <a:effectLst/>
+                        <a:latin typeface="Calibri" panose="020F0502020204030204" pitchFamily="34" charset="0"/>
+                        <a:ea typeface="Calibri" panose="020F0502020204030204" pitchFamily="34" charset="0"/>
+                        <a:cs typeface="Times New Roman" panose="02020603050405020304" pitchFamily="18" charset="0"/>
+                      </a:endParaRPr>
+                    </a:p>
+                  </a:txBody>
+                  <a:tcPr marL="115893" marR="115893" marT="0" marB="0"/>
+                </a:tc>
+                <a:tc>
+                  <a:txBody>
+                    <a:bodyPr/>
+                    <a:lstStyle/>
+                    <a:p>
+                      <a:pPr algn="just">
+                        <a:lnSpc>
+                          <a:spcPct val="107000"/>
+                        </a:lnSpc>
+                        <a:spcAft>
+                          <a:spcPts val="800"/>
+                        </a:spcAft>
+                      </a:pPr>
+                      <a:r>
+                        <a:rPr lang="lt-LT" sz="2200">
+                          <a:effectLst/>
+                        </a:rPr>
+                        <a:t>F1-Score</a:t>
+                      </a:r>
+                      <a:endParaRPr lang="lt-LT" sz="2200">
+                        <a:effectLst/>
+                        <a:latin typeface="Calibri" panose="020F0502020204030204" pitchFamily="34" charset="0"/>
+                        <a:ea typeface="Calibri" panose="020F0502020204030204" pitchFamily="34" charset="0"/>
+                        <a:cs typeface="Times New Roman" panose="02020603050405020304" pitchFamily="18" charset="0"/>
+                      </a:endParaRPr>
+                    </a:p>
+                  </a:txBody>
+                  <a:tcPr marL="115893" marR="115893" marT="0" marB="0"/>
+                </a:tc>
+                <a:tc>
+                  <a:txBody>
+                    <a:bodyPr/>
+                    <a:lstStyle/>
+                    <a:p>
+                      <a:pPr algn="just">
+                        <a:lnSpc>
+                          <a:spcPct val="107000"/>
+                        </a:lnSpc>
+                        <a:spcAft>
+                          <a:spcPts val="800"/>
+                        </a:spcAft>
+                      </a:pPr>
+                      <a:r>
+                        <a:rPr lang="lt-LT" sz="2200">
+                          <a:effectLst/>
+                        </a:rPr>
+                        <a:t>Accuracy</a:t>
+                      </a:r>
+                      <a:endParaRPr lang="lt-LT" sz="2200">
+                        <a:effectLst/>
+                        <a:latin typeface="Calibri" panose="020F0502020204030204" pitchFamily="34" charset="0"/>
+                        <a:ea typeface="Calibri" panose="020F0502020204030204" pitchFamily="34" charset="0"/>
+                        <a:cs typeface="Times New Roman" panose="02020603050405020304" pitchFamily="18" charset="0"/>
+                      </a:endParaRPr>
+                    </a:p>
+                  </a:txBody>
+                  <a:tcPr marL="115893" marR="115893" marT="0" marB="0"/>
+                </a:tc>
+                <a:extLst>
+                  <a:ext uri="{0D108BD9-81ED-4DB2-BD59-A6C34878D82A}">
+                    <a16:rowId xmlns:a16="http://schemas.microsoft.com/office/drawing/2014/main" val="229398323"/>
+                  </a:ext>
+                </a:extLst>
+              </a:tr>
+              <a:tr h="330858">
+                <a:tc>
+                  <a:txBody>
+                    <a:bodyPr/>
+                    <a:lstStyle/>
+                    <a:p>
+                      <a:pPr algn="just">
+                        <a:lnSpc>
+                          <a:spcPct val="107000"/>
+                        </a:lnSpc>
+                        <a:spcAft>
+                          <a:spcPts val="800"/>
+                        </a:spcAft>
+                      </a:pPr>
+                      <a:r>
+                        <a:rPr lang="lt-LT" sz="2200">
+                          <a:effectLst/>
+                        </a:rPr>
+                        <a:t>Naivus Bajeso</a:t>
+                      </a:r>
+                      <a:endParaRPr lang="lt-LT" sz="2200">
+                        <a:effectLst/>
+                        <a:latin typeface="Calibri" panose="020F0502020204030204" pitchFamily="34" charset="0"/>
+                        <a:ea typeface="Calibri" panose="020F0502020204030204" pitchFamily="34" charset="0"/>
+                        <a:cs typeface="Times New Roman" panose="02020603050405020304" pitchFamily="18" charset="0"/>
+                      </a:endParaRPr>
+                    </a:p>
+                  </a:txBody>
+                  <a:tcPr marL="115893" marR="115893" marT="0" marB="0"/>
+                </a:tc>
+                <a:tc>
+                  <a:txBody>
+                    <a:bodyPr/>
+                    <a:lstStyle/>
+                    <a:p>
+                      <a:pPr algn="just">
+                        <a:lnSpc>
+                          <a:spcPct val="107000"/>
+                        </a:lnSpc>
+                        <a:spcAft>
+                          <a:spcPts val="800"/>
+                        </a:spcAft>
+                      </a:pPr>
+                      <a:r>
+                        <a:rPr lang="lt-LT" sz="2200">
+                          <a:effectLst/>
+                        </a:rPr>
+                        <a:t>10-ieji</a:t>
+                      </a:r>
+                      <a:endParaRPr lang="lt-LT" sz="2200">
+                        <a:effectLst/>
+                        <a:latin typeface="Calibri" panose="020F0502020204030204" pitchFamily="34" charset="0"/>
+                        <a:ea typeface="Calibri" panose="020F0502020204030204" pitchFamily="34" charset="0"/>
+                        <a:cs typeface="Times New Roman" panose="02020603050405020304" pitchFamily="18" charset="0"/>
+                      </a:endParaRPr>
+                    </a:p>
+                  </a:txBody>
+                  <a:tcPr marL="115893" marR="115893" marT="0" marB="0"/>
+                </a:tc>
+                <a:tc>
+                  <a:txBody>
+                    <a:bodyPr/>
+                    <a:lstStyle/>
+                    <a:p>
+                      <a:pPr algn="just">
+                        <a:lnSpc>
+                          <a:spcPct val="107000"/>
+                        </a:lnSpc>
+                        <a:spcAft>
+                          <a:spcPts val="800"/>
+                        </a:spcAft>
+                      </a:pPr>
+                      <a:r>
+                        <a:rPr lang="lt-LT" sz="2200">
+                          <a:effectLst/>
+                        </a:rPr>
+                        <a:t>0.85</a:t>
+                      </a:r>
+                      <a:endParaRPr lang="lt-LT" sz="2200">
+                        <a:effectLst/>
+                        <a:latin typeface="Calibri" panose="020F0502020204030204" pitchFamily="34" charset="0"/>
+                        <a:ea typeface="Calibri" panose="020F0502020204030204" pitchFamily="34" charset="0"/>
+                        <a:cs typeface="Times New Roman" panose="02020603050405020304" pitchFamily="18" charset="0"/>
+                      </a:endParaRPr>
+                    </a:p>
+                  </a:txBody>
+                  <a:tcPr marL="115893" marR="115893" marT="0" marB="0"/>
+                </a:tc>
+                <a:tc>
+                  <a:txBody>
+                    <a:bodyPr/>
+                    <a:lstStyle/>
+                    <a:p>
+                      <a:pPr algn="just">
+                        <a:lnSpc>
+                          <a:spcPct val="107000"/>
+                        </a:lnSpc>
+                        <a:spcAft>
+                          <a:spcPts val="800"/>
+                        </a:spcAft>
+                      </a:pPr>
+                      <a:r>
+                        <a:rPr lang="lt-LT" sz="2200">
+                          <a:effectLst/>
+                        </a:rPr>
+                        <a:t>0.90</a:t>
+                      </a:r>
+                      <a:endParaRPr lang="lt-LT" sz="2200">
+                        <a:effectLst/>
+                        <a:latin typeface="Calibri" panose="020F0502020204030204" pitchFamily="34" charset="0"/>
+                        <a:ea typeface="Calibri" panose="020F0502020204030204" pitchFamily="34" charset="0"/>
+                        <a:cs typeface="Times New Roman" panose="02020603050405020304" pitchFamily="18" charset="0"/>
+                      </a:endParaRPr>
+                    </a:p>
+                  </a:txBody>
+                  <a:tcPr marL="115893" marR="115893" marT="0" marB="0"/>
+                </a:tc>
+                <a:tc>
+                  <a:txBody>
+                    <a:bodyPr/>
+                    <a:lstStyle/>
+                    <a:p>
+                      <a:pPr algn="just">
+                        <a:lnSpc>
+                          <a:spcPct val="107000"/>
+                        </a:lnSpc>
+                        <a:spcAft>
+                          <a:spcPts val="800"/>
+                        </a:spcAft>
+                      </a:pPr>
+                      <a:r>
+                        <a:rPr lang="lt-LT" sz="2200">
+                          <a:effectLst/>
+                        </a:rPr>
+                        <a:t>0.87</a:t>
+                      </a:r>
+                      <a:endParaRPr lang="lt-LT" sz="2200">
+                        <a:effectLst/>
+                        <a:latin typeface="Calibri" panose="020F0502020204030204" pitchFamily="34" charset="0"/>
+                        <a:ea typeface="Calibri" panose="020F0502020204030204" pitchFamily="34" charset="0"/>
+                        <a:cs typeface="Times New Roman" panose="02020603050405020304" pitchFamily="18" charset="0"/>
+                      </a:endParaRPr>
+                    </a:p>
+                  </a:txBody>
+                  <a:tcPr marL="115893" marR="115893" marT="0" marB="0"/>
+                </a:tc>
+                <a:tc>
+                  <a:txBody>
+                    <a:bodyPr/>
+                    <a:lstStyle/>
+                    <a:p>
+                      <a:pPr algn="just">
+                        <a:lnSpc>
+                          <a:spcPct val="107000"/>
+                        </a:lnSpc>
+                        <a:spcAft>
+                          <a:spcPts val="800"/>
+                        </a:spcAft>
+                      </a:pPr>
+                      <a:r>
+                        <a:rPr lang="lt-LT" sz="2200">
+                          <a:effectLst/>
+                        </a:rPr>
+                        <a:t>0.87</a:t>
+                      </a:r>
+                      <a:endParaRPr lang="lt-LT" sz="2200">
+                        <a:effectLst/>
+                        <a:latin typeface="Calibri" panose="020F0502020204030204" pitchFamily="34" charset="0"/>
+                        <a:ea typeface="Calibri" panose="020F0502020204030204" pitchFamily="34" charset="0"/>
+                        <a:cs typeface="Times New Roman" panose="02020603050405020304" pitchFamily="18" charset="0"/>
+                      </a:endParaRPr>
+                    </a:p>
+                  </a:txBody>
+                  <a:tcPr marL="115893" marR="115893" marT="0" marB="0"/>
+                </a:tc>
+                <a:extLst>
+                  <a:ext uri="{0D108BD9-81ED-4DB2-BD59-A6C34878D82A}">
+                    <a16:rowId xmlns:a16="http://schemas.microsoft.com/office/drawing/2014/main" val="927324783"/>
+                  </a:ext>
+                </a:extLst>
+              </a:tr>
+              <a:tr h="330858">
+                <a:tc>
+                  <a:txBody>
+                    <a:bodyPr/>
+                    <a:lstStyle/>
+                    <a:p>
+                      <a:pPr algn="just">
+                        <a:lnSpc>
+                          <a:spcPct val="107000"/>
+                        </a:lnSpc>
+                        <a:spcAft>
+                          <a:spcPts val="800"/>
+                        </a:spcAft>
+                      </a:pPr>
+                      <a:r>
+                        <a:rPr lang="lt-LT" sz="2200" dirty="0">
+                          <a:effectLst/>
+                        </a:rPr>
+                        <a:t>Naivus </a:t>
+                      </a:r>
+                      <a:r>
+                        <a:rPr lang="lt-LT" sz="2200" dirty="0" err="1">
+                          <a:effectLst/>
+                        </a:rPr>
+                        <a:t>Bajeso</a:t>
+                      </a:r>
+                      <a:endParaRPr lang="lt-LT" sz="2200" dirty="0">
+                        <a:effectLst/>
+                        <a:latin typeface="Calibri" panose="020F0502020204030204" pitchFamily="34" charset="0"/>
+                        <a:ea typeface="Calibri" panose="020F0502020204030204" pitchFamily="34" charset="0"/>
+                        <a:cs typeface="Times New Roman" panose="02020603050405020304" pitchFamily="18" charset="0"/>
+                      </a:endParaRPr>
+                    </a:p>
+                  </a:txBody>
+                  <a:tcPr marL="115893" marR="115893" marT="0" marB="0"/>
+                </a:tc>
+                <a:tc>
+                  <a:txBody>
+                    <a:bodyPr/>
+                    <a:lstStyle/>
+                    <a:p>
+                      <a:pPr algn="just">
+                        <a:lnSpc>
+                          <a:spcPct val="107000"/>
+                        </a:lnSpc>
+                        <a:spcAft>
+                          <a:spcPts val="800"/>
+                        </a:spcAft>
+                      </a:pPr>
+                      <a:r>
+                        <a:rPr lang="lt-LT" sz="2200">
+                          <a:effectLst/>
+                        </a:rPr>
+                        <a:t>80-ieji</a:t>
+                      </a:r>
+                      <a:endParaRPr lang="lt-LT" sz="2200">
+                        <a:effectLst/>
+                        <a:latin typeface="Calibri" panose="020F0502020204030204" pitchFamily="34" charset="0"/>
+                        <a:ea typeface="Calibri" panose="020F0502020204030204" pitchFamily="34" charset="0"/>
+                        <a:cs typeface="Times New Roman" panose="02020603050405020304" pitchFamily="18" charset="0"/>
+                      </a:endParaRPr>
+                    </a:p>
+                  </a:txBody>
+                  <a:tcPr marL="115893" marR="115893" marT="0" marB="0"/>
+                </a:tc>
+                <a:tc>
+                  <a:txBody>
+                    <a:bodyPr/>
+                    <a:lstStyle/>
+                    <a:p>
+                      <a:pPr algn="just">
+                        <a:lnSpc>
+                          <a:spcPct val="107000"/>
+                        </a:lnSpc>
+                        <a:spcAft>
+                          <a:spcPts val="800"/>
+                        </a:spcAft>
+                      </a:pPr>
+                      <a:r>
+                        <a:rPr lang="lt-LT" sz="2200">
+                          <a:effectLst/>
+                        </a:rPr>
+                        <a:t>0.89</a:t>
+                      </a:r>
+                      <a:endParaRPr lang="lt-LT" sz="2200">
+                        <a:effectLst/>
+                        <a:latin typeface="Calibri" panose="020F0502020204030204" pitchFamily="34" charset="0"/>
+                        <a:ea typeface="Calibri" panose="020F0502020204030204" pitchFamily="34" charset="0"/>
+                        <a:cs typeface="Times New Roman" panose="02020603050405020304" pitchFamily="18" charset="0"/>
+                      </a:endParaRPr>
+                    </a:p>
+                  </a:txBody>
+                  <a:tcPr marL="115893" marR="115893" marT="0" marB="0"/>
+                </a:tc>
+                <a:tc>
+                  <a:txBody>
+                    <a:bodyPr/>
+                    <a:lstStyle/>
+                    <a:p>
+                      <a:pPr algn="just">
+                        <a:lnSpc>
+                          <a:spcPct val="107000"/>
+                        </a:lnSpc>
+                        <a:spcAft>
+                          <a:spcPts val="800"/>
+                        </a:spcAft>
+                      </a:pPr>
+                      <a:r>
+                        <a:rPr lang="lt-LT" sz="2200">
+                          <a:effectLst/>
+                        </a:rPr>
+                        <a:t>0.83</a:t>
+                      </a:r>
+                      <a:endParaRPr lang="lt-LT" sz="2200">
+                        <a:effectLst/>
+                        <a:latin typeface="Calibri" panose="020F0502020204030204" pitchFamily="34" charset="0"/>
+                        <a:ea typeface="Calibri" panose="020F0502020204030204" pitchFamily="34" charset="0"/>
+                        <a:cs typeface="Times New Roman" panose="02020603050405020304" pitchFamily="18" charset="0"/>
+                      </a:endParaRPr>
+                    </a:p>
+                  </a:txBody>
+                  <a:tcPr marL="115893" marR="115893" marT="0" marB="0"/>
+                </a:tc>
+                <a:tc>
+                  <a:txBody>
+                    <a:bodyPr/>
+                    <a:lstStyle/>
+                    <a:p>
+                      <a:pPr algn="just">
+                        <a:lnSpc>
+                          <a:spcPct val="107000"/>
+                        </a:lnSpc>
+                        <a:spcAft>
+                          <a:spcPts val="800"/>
+                        </a:spcAft>
+                      </a:pPr>
+                      <a:r>
+                        <a:rPr lang="lt-LT" sz="2200">
+                          <a:effectLst/>
+                        </a:rPr>
+                        <a:t>0.86</a:t>
+                      </a:r>
+                      <a:endParaRPr lang="lt-LT" sz="2200">
+                        <a:effectLst/>
+                        <a:latin typeface="Calibri" panose="020F0502020204030204" pitchFamily="34" charset="0"/>
+                        <a:ea typeface="Calibri" panose="020F0502020204030204" pitchFamily="34" charset="0"/>
+                        <a:cs typeface="Times New Roman" panose="02020603050405020304" pitchFamily="18" charset="0"/>
+                      </a:endParaRPr>
+                    </a:p>
+                  </a:txBody>
+                  <a:tcPr marL="115893" marR="115893" marT="0" marB="0"/>
+                </a:tc>
+                <a:tc>
+                  <a:txBody>
+                    <a:bodyPr/>
+                    <a:lstStyle/>
+                    <a:p>
+                      <a:pPr algn="just">
+                        <a:lnSpc>
+                          <a:spcPct val="107000"/>
+                        </a:lnSpc>
+                        <a:spcAft>
+                          <a:spcPts val="800"/>
+                        </a:spcAft>
+                      </a:pPr>
+                      <a:r>
+                        <a:rPr lang="lt-LT" sz="2200">
+                          <a:effectLst/>
+                        </a:rPr>
+                        <a:t>0.87</a:t>
+                      </a:r>
+                      <a:endParaRPr lang="lt-LT" sz="2200">
+                        <a:effectLst/>
+                        <a:latin typeface="Calibri" panose="020F0502020204030204" pitchFamily="34" charset="0"/>
+                        <a:ea typeface="Calibri" panose="020F0502020204030204" pitchFamily="34" charset="0"/>
+                        <a:cs typeface="Times New Roman" panose="02020603050405020304" pitchFamily="18" charset="0"/>
+                      </a:endParaRPr>
+                    </a:p>
+                  </a:txBody>
+                  <a:tcPr marL="115893" marR="115893" marT="0" marB="0"/>
+                </a:tc>
+                <a:extLst>
+                  <a:ext uri="{0D108BD9-81ED-4DB2-BD59-A6C34878D82A}">
+                    <a16:rowId xmlns:a16="http://schemas.microsoft.com/office/drawing/2014/main" val="1007415703"/>
+                  </a:ext>
+                </a:extLst>
+              </a:tr>
+              <a:tr h="677034">
+                <a:tc>
+                  <a:txBody>
+                    <a:bodyPr/>
+                    <a:lstStyle/>
+                    <a:p>
+                      <a:pPr algn="just">
+                        <a:lnSpc>
+                          <a:spcPct val="107000"/>
+                        </a:lnSpc>
+                        <a:spcAft>
+                          <a:spcPts val="800"/>
+                        </a:spcAft>
+                      </a:pPr>
+                      <a:r>
+                        <a:rPr lang="lt-LT" sz="2200">
+                          <a:effectLst/>
+                        </a:rPr>
+                        <a:t>Sprendimų medis</a:t>
+                      </a:r>
+                      <a:endParaRPr lang="lt-LT" sz="2200">
+                        <a:effectLst/>
+                        <a:latin typeface="Calibri" panose="020F0502020204030204" pitchFamily="34" charset="0"/>
+                        <a:ea typeface="Calibri" panose="020F0502020204030204" pitchFamily="34" charset="0"/>
+                        <a:cs typeface="Times New Roman" panose="02020603050405020304" pitchFamily="18" charset="0"/>
+                      </a:endParaRPr>
+                    </a:p>
+                  </a:txBody>
+                  <a:tcPr marL="115893" marR="115893" marT="0" marB="0"/>
+                </a:tc>
+                <a:tc>
+                  <a:txBody>
+                    <a:bodyPr/>
+                    <a:lstStyle/>
+                    <a:p>
+                      <a:pPr algn="just">
+                        <a:lnSpc>
+                          <a:spcPct val="107000"/>
+                        </a:lnSpc>
+                        <a:spcAft>
+                          <a:spcPts val="800"/>
+                        </a:spcAft>
+                      </a:pPr>
+                      <a:r>
+                        <a:rPr lang="lt-LT" sz="2200">
+                          <a:effectLst/>
+                        </a:rPr>
+                        <a:t>10-ieji</a:t>
+                      </a:r>
+                      <a:endParaRPr lang="lt-LT" sz="2200">
+                        <a:effectLst/>
+                        <a:latin typeface="Calibri" panose="020F0502020204030204" pitchFamily="34" charset="0"/>
+                        <a:ea typeface="Calibri" panose="020F0502020204030204" pitchFamily="34" charset="0"/>
+                        <a:cs typeface="Times New Roman" panose="02020603050405020304" pitchFamily="18" charset="0"/>
+                      </a:endParaRPr>
+                    </a:p>
+                  </a:txBody>
+                  <a:tcPr marL="115893" marR="115893" marT="0" marB="0"/>
+                </a:tc>
+                <a:tc>
+                  <a:txBody>
+                    <a:bodyPr/>
+                    <a:lstStyle/>
+                    <a:p>
+                      <a:pPr algn="just">
+                        <a:lnSpc>
+                          <a:spcPct val="107000"/>
+                        </a:lnSpc>
+                        <a:spcAft>
+                          <a:spcPts val="800"/>
+                        </a:spcAft>
+                      </a:pPr>
+                      <a:r>
+                        <a:rPr lang="lt-LT" sz="2200">
+                          <a:effectLst/>
+                        </a:rPr>
+                        <a:t>0.85</a:t>
+                      </a:r>
+                      <a:endParaRPr lang="lt-LT" sz="2200">
+                        <a:effectLst/>
+                        <a:latin typeface="Calibri" panose="020F0502020204030204" pitchFamily="34" charset="0"/>
+                        <a:ea typeface="Calibri" panose="020F0502020204030204" pitchFamily="34" charset="0"/>
+                        <a:cs typeface="Times New Roman" panose="02020603050405020304" pitchFamily="18" charset="0"/>
+                      </a:endParaRPr>
+                    </a:p>
+                  </a:txBody>
+                  <a:tcPr marL="115893" marR="115893" marT="0" marB="0"/>
+                </a:tc>
+                <a:tc>
+                  <a:txBody>
+                    <a:bodyPr/>
+                    <a:lstStyle/>
+                    <a:p>
+                      <a:pPr algn="just">
+                        <a:lnSpc>
+                          <a:spcPct val="107000"/>
+                        </a:lnSpc>
+                        <a:spcAft>
+                          <a:spcPts val="800"/>
+                        </a:spcAft>
+                      </a:pPr>
+                      <a:r>
+                        <a:rPr lang="lt-LT" sz="2200">
+                          <a:effectLst/>
+                        </a:rPr>
+                        <a:t>0.94</a:t>
+                      </a:r>
+                      <a:endParaRPr lang="lt-LT" sz="2200">
+                        <a:effectLst/>
+                        <a:latin typeface="Calibri" panose="020F0502020204030204" pitchFamily="34" charset="0"/>
+                        <a:ea typeface="Calibri" panose="020F0502020204030204" pitchFamily="34" charset="0"/>
+                        <a:cs typeface="Times New Roman" panose="02020603050405020304" pitchFamily="18" charset="0"/>
+                      </a:endParaRPr>
+                    </a:p>
+                  </a:txBody>
+                  <a:tcPr marL="115893" marR="115893" marT="0" marB="0"/>
+                </a:tc>
+                <a:tc>
+                  <a:txBody>
+                    <a:bodyPr/>
+                    <a:lstStyle/>
+                    <a:p>
+                      <a:pPr algn="just">
+                        <a:lnSpc>
+                          <a:spcPct val="107000"/>
+                        </a:lnSpc>
+                        <a:spcAft>
+                          <a:spcPts val="800"/>
+                        </a:spcAft>
+                      </a:pPr>
+                      <a:r>
+                        <a:rPr lang="lt-LT" sz="2200">
+                          <a:effectLst/>
+                        </a:rPr>
+                        <a:t>0.89</a:t>
+                      </a:r>
+                      <a:endParaRPr lang="lt-LT" sz="2200">
+                        <a:effectLst/>
+                        <a:latin typeface="Calibri" panose="020F0502020204030204" pitchFamily="34" charset="0"/>
+                        <a:ea typeface="Calibri" panose="020F0502020204030204" pitchFamily="34" charset="0"/>
+                        <a:cs typeface="Times New Roman" panose="02020603050405020304" pitchFamily="18" charset="0"/>
+                      </a:endParaRPr>
+                    </a:p>
+                  </a:txBody>
+                  <a:tcPr marL="115893" marR="115893" marT="0" marB="0"/>
+                </a:tc>
+                <a:tc>
+                  <a:txBody>
+                    <a:bodyPr/>
+                    <a:lstStyle/>
+                    <a:p>
+                      <a:pPr algn="just">
+                        <a:lnSpc>
+                          <a:spcPct val="107000"/>
+                        </a:lnSpc>
+                        <a:spcAft>
+                          <a:spcPts val="800"/>
+                        </a:spcAft>
+                      </a:pPr>
+                      <a:r>
+                        <a:rPr lang="lt-LT" sz="2200">
+                          <a:effectLst/>
+                        </a:rPr>
+                        <a:t>0.88</a:t>
+                      </a:r>
+                      <a:endParaRPr lang="lt-LT" sz="2200">
+                        <a:effectLst/>
+                        <a:latin typeface="Calibri" panose="020F0502020204030204" pitchFamily="34" charset="0"/>
+                        <a:ea typeface="Calibri" panose="020F0502020204030204" pitchFamily="34" charset="0"/>
+                        <a:cs typeface="Times New Roman" panose="02020603050405020304" pitchFamily="18" charset="0"/>
+                      </a:endParaRPr>
+                    </a:p>
+                  </a:txBody>
+                  <a:tcPr marL="115893" marR="115893" marT="0" marB="0"/>
+                </a:tc>
+                <a:extLst>
+                  <a:ext uri="{0D108BD9-81ED-4DB2-BD59-A6C34878D82A}">
+                    <a16:rowId xmlns:a16="http://schemas.microsoft.com/office/drawing/2014/main" val="3874256422"/>
+                  </a:ext>
+                </a:extLst>
+              </a:tr>
+              <a:tr h="677034">
+                <a:tc>
+                  <a:txBody>
+                    <a:bodyPr/>
+                    <a:lstStyle/>
+                    <a:p>
+                      <a:pPr algn="just">
+                        <a:lnSpc>
+                          <a:spcPct val="107000"/>
+                        </a:lnSpc>
+                        <a:spcAft>
+                          <a:spcPts val="800"/>
+                        </a:spcAft>
+                      </a:pPr>
+                      <a:r>
+                        <a:rPr lang="lt-LT" sz="2200" dirty="0">
+                          <a:effectLst/>
+                        </a:rPr>
+                        <a:t>Sprendimų medis</a:t>
+                      </a:r>
+                      <a:endParaRPr lang="lt-LT" sz="2200" dirty="0">
+                        <a:effectLst/>
+                        <a:latin typeface="Calibri" panose="020F0502020204030204" pitchFamily="34" charset="0"/>
+                        <a:ea typeface="Calibri" panose="020F0502020204030204" pitchFamily="34" charset="0"/>
+                        <a:cs typeface="Times New Roman" panose="02020603050405020304" pitchFamily="18" charset="0"/>
+                      </a:endParaRPr>
+                    </a:p>
+                  </a:txBody>
+                  <a:tcPr marL="115893" marR="115893" marT="0" marB="0"/>
+                </a:tc>
+                <a:tc>
+                  <a:txBody>
+                    <a:bodyPr/>
+                    <a:lstStyle/>
+                    <a:p>
+                      <a:pPr algn="just">
+                        <a:lnSpc>
+                          <a:spcPct val="107000"/>
+                        </a:lnSpc>
+                        <a:spcAft>
+                          <a:spcPts val="800"/>
+                        </a:spcAft>
+                      </a:pPr>
+                      <a:r>
+                        <a:rPr lang="lt-LT" sz="2200" dirty="0">
+                          <a:effectLst/>
+                        </a:rPr>
+                        <a:t>80-ieji</a:t>
+                      </a:r>
+                      <a:endParaRPr lang="lt-LT" sz="2200" dirty="0">
+                        <a:effectLst/>
+                        <a:latin typeface="Calibri" panose="020F0502020204030204" pitchFamily="34" charset="0"/>
+                        <a:ea typeface="Calibri" panose="020F0502020204030204" pitchFamily="34" charset="0"/>
+                        <a:cs typeface="Times New Roman" panose="02020603050405020304" pitchFamily="18" charset="0"/>
+                      </a:endParaRPr>
+                    </a:p>
+                  </a:txBody>
+                  <a:tcPr marL="115893" marR="115893" marT="0" marB="0"/>
+                </a:tc>
+                <a:tc>
+                  <a:txBody>
+                    <a:bodyPr/>
+                    <a:lstStyle/>
+                    <a:p>
+                      <a:pPr algn="just">
+                        <a:lnSpc>
+                          <a:spcPct val="107000"/>
+                        </a:lnSpc>
+                        <a:spcAft>
+                          <a:spcPts val="800"/>
+                        </a:spcAft>
+                      </a:pPr>
+                      <a:r>
+                        <a:rPr lang="lt-LT" sz="2200">
+                          <a:effectLst/>
+                        </a:rPr>
+                        <a:t>0.93</a:t>
+                      </a:r>
+                      <a:endParaRPr lang="lt-LT" sz="2200">
+                        <a:effectLst/>
+                        <a:latin typeface="Calibri" panose="020F0502020204030204" pitchFamily="34" charset="0"/>
+                        <a:ea typeface="Calibri" panose="020F0502020204030204" pitchFamily="34" charset="0"/>
+                        <a:cs typeface="Times New Roman" panose="02020603050405020304" pitchFamily="18" charset="0"/>
+                      </a:endParaRPr>
+                    </a:p>
+                  </a:txBody>
+                  <a:tcPr marL="115893" marR="115893" marT="0" marB="0"/>
+                </a:tc>
+                <a:tc>
+                  <a:txBody>
+                    <a:bodyPr/>
+                    <a:lstStyle/>
+                    <a:p>
+                      <a:pPr algn="just">
+                        <a:lnSpc>
+                          <a:spcPct val="107000"/>
+                        </a:lnSpc>
+                        <a:spcAft>
+                          <a:spcPts val="800"/>
+                        </a:spcAft>
+                      </a:pPr>
+                      <a:r>
+                        <a:rPr lang="lt-LT" sz="2200">
+                          <a:effectLst/>
+                        </a:rPr>
+                        <a:t>0.83</a:t>
+                      </a:r>
+                      <a:endParaRPr lang="lt-LT" sz="2200">
+                        <a:effectLst/>
+                        <a:latin typeface="Calibri" panose="020F0502020204030204" pitchFamily="34" charset="0"/>
+                        <a:ea typeface="Calibri" panose="020F0502020204030204" pitchFamily="34" charset="0"/>
+                        <a:cs typeface="Times New Roman" panose="02020603050405020304" pitchFamily="18" charset="0"/>
+                      </a:endParaRPr>
+                    </a:p>
+                  </a:txBody>
+                  <a:tcPr marL="115893" marR="115893" marT="0" marB="0"/>
+                </a:tc>
+                <a:tc>
+                  <a:txBody>
+                    <a:bodyPr/>
+                    <a:lstStyle/>
+                    <a:p>
+                      <a:pPr algn="just">
+                        <a:lnSpc>
+                          <a:spcPct val="107000"/>
+                        </a:lnSpc>
+                        <a:spcAft>
+                          <a:spcPts val="800"/>
+                        </a:spcAft>
+                      </a:pPr>
+                      <a:r>
+                        <a:rPr lang="lt-LT" sz="2200">
+                          <a:effectLst/>
+                        </a:rPr>
+                        <a:t>0.88</a:t>
+                      </a:r>
+                      <a:endParaRPr lang="lt-LT" sz="2200">
+                        <a:effectLst/>
+                        <a:latin typeface="Calibri" panose="020F0502020204030204" pitchFamily="34" charset="0"/>
+                        <a:ea typeface="Calibri" panose="020F0502020204030204" pitchFamily="34" charset="0"/>
+                        <a:cs typeface="Times New Roman" panose="02020603050405020304" pitchFamily="18" charset="0"/>
+                      </a:endParaRPr>
+                    </a:p>
+                  </a:txBody>
+                  <a:tcPr marL="115893" marR="115893" marT="0" marB="0"/>
+                </a:tc>
+                <a:tc>
+                  <a:txBody>
+                    <a:bodyPr/>
+                    <a:lstStyle/>
+                    <a:p>
+                      <a:pPr algn="just">
+                        <a:lnSpc>
+                          <a:spcPct val="107000"/>
+                        </a:lnSpc>
+                        <a:spcAft>
+                          <a:spcPts val="800"/>
+                        </a:spcAft>
+                      </a:pPr>
+                      <a:r>
+                        <a:rPr lang="lt-LT" sz="2200">
+                          <a:effectLst/>
+                        </a:rPr>
+                        <a:t>0.88</a:t>
+                      </a:r>
+                      <a:endParaRPr lang="lt-LT" sz="2200">
+                        <a:effectLst/>
+                        <a:latin typeface="Calibri" panose="020F0502020204030204" pitchFamily="34" charset="0"/>
+                        <a:ea typeface="Calibri" panose="020F0502020204030204" pitchFamily="34" charset="0"/>
+                        <a:cs typeface="Times New Roman" panose="02020603050405020304" pitchFamily="18" charset="0"/>
+                      </a:endParaRPr>
+                    </a:p>
+                  </a:txBody>
+                  <a:tcPr marL="115893" marR="115893" marT="0" marB="0"/>
+                </a:tc>
+                <a:extLst>
+                  <a:ext uri="{0D108BD9-81ED-4DB2-BD59-A6C34878D82A}">
+                    <a16:rowId xmlns:a16="http://schemas.microsoft.com/office/drawing/2014/main" val="679055591"/>
+                  </a:ext>
+                </a:extLst>
+              </a:tr>
+              <a:tr h="677034">
+                <a:tc>
+                  <a:txBody>
+                    <a:bodyPr/>
+                    <a:lstStyle/>
+                    <a:p>
+                      <a:pPr algn="just">
+                        <a:lnSpc>
+                          <a:spcPct val="107000"/>
+                        </a:lnSpc>
+                        <a:spcAft>
+                          <a:spcPts val="800"/>
+                        </a:spcAft>
+                      </a:pPr>
+                      <a:r>
+                        <a:rPr lang="lt-LT" sz="2200">
+                          <a:effectLst/>
+                        </a:rPr>
+                        <a:t>Atsitiktinis miškas</a:t>
+                      </a:r>
+                      <a:endParaRPr lang="lt-LT" sz="2200">
+                        <a:effectLst/>
+                        <a:latin typeface="Calibri" panose="020F0502020204030204" pitchFamily="34" charset="0"/>
+                        <a:ea typeface="Calibri" panose="020F0502020204030204" pitchFamily="34" charset="0"/>
+                        <a:cs typeface="Times New Roman" panose="02020603050405020304" pitchFamily="18" charset="0"/>
+                      </a:endParaRPr>
+                    </a:p>
+                  </a:txBody>
+                  <a:tcPr marL="115893" marR="115893" marT="0" marB="0"/>
+                </a:tc>
+                <a:tc>
+                  <a:txBody>
+                    <a:bodyPr/>
+                    <a:lstStyle/>
+                    <a:p>
+                      <a:pPr algn="just">
+                        <a:lnSpc>
+                          <a:spcPct val="107000"/>
+                        </a:lnSpc>
+                        <a:spcAft>
+                          <a:spcPts val="800"/>
+                        </a:spcAft>
+                      </a:pPr>
+                      <a:r>
+                        <a:rPr lang="lt-LT" sz="2200" dirty="0">
+                          <a:effectLst/>
+                        </a:rPr>
+                        <a:t>10-ieji</a:t>
+                      </a:r>
+                      <a:endParaRPr lang="lt-LT" sz="2200" dirty="0">
+                        <a:effectLst/>
+                        <a:latin typeface="Calibri" panose="020F0502020204030204" pitchFamily="34" charset="0"/>
+                        <a:ea typeface="Calibri" panose="020F0502020204030204" pitchFamily="34" charset="0"/>
+                        <a:cs typeface="Times New Roman" panose="02020603050405020304" pitchFamily="18" charset="0"/>
+                      </a:endParaRPr>
+                    </a:p>
+                  </a:txBody>
+                  <a:tcPr marL="115893" marR="115893" marT="0" marB="0"/>
+                </a:tc>
+                <a:tc>
+                  <a:txBody>
+                    <a:bodyPr/>
+                    <a:lstStyle/>
+                    <a:p>
+                      <a:pPr algn="just">
+                        <a:lnSpc>
+                          <a:spcPct val="107000"/>
+                        </a:lnSpc>
+                        <a:spcAft>
+                          <a:spcPts val="800"/>
+                        </a:spcAft>
+                      </a:pPr>
+                      <a:r>
+                        <a:rPr lang="lt-LT" sz="2200">
+                          <a:effectLst/>
+                        </a:rPr>
+                        <a:t>0.86</a:t>
+                      </a:r>
+                      <a:endParaRPr lang="lt-LT" sz="2200">
+                        <a:effectLst/>
+                        <a:latin typeface="Calibri" panose="020F0502020204030204" pitchFamily="34" charset="0"/>
+                        <a:ea typeface="Calibri" panose="020F0502020204030204" pitchFamily="34" charset="0"/>
+                        <a:cs typeface="Times New Roman" panose="02020603050405020304" pitchFamily="18" charset="0"/>
+                      </a:endParaRPr>
+                    </a:p>
+                  </a:txBody>
+                  <a:tcPr marL="115893" marR="115893" marT="0" marB="0"/>
+                </a:tc>
+                <a:tc>
+                  <a:txBody>
+                    <a:bodyPr/>
+                    <a:lstStyle/>
+                    <a:p>
+                      <a:pPr algn="just">
+                        <a:lnSpc>
+                          <a:spcPct val="107000"/>
+                        </a:lnSpc>
+                        <a:spcAft>
+                          <a:spcPts val="800"/>
+                        </a:spcAft>
+                      </a:pPr>
+                      <a:r>
+                        <a:rPr lang="lt-LT" sz="2200">
+                          <a:effectLst/>
+                        </a:rPr>
+                        <a:t>0.91</a:t>
+                      </a:r>
+                      <a:endParaRPr lang="lt-LT" sz="2200">
+                        <a:effectLst/>
+                        <a:latin typeface="Calibri" panose="020F0502020204030204" pitchFamily="34" charset="0"/>
+                        <a:ea typeface="Calibri" panose="020F0502020204030204" pitchFamily="34" charset="0"/>
+                        <a:cs typeface="Times New Roman" panose="02020603050405020304" pitchFamily="18" charset="0"/>
+                      </a:endParaRPr>
+                    </a:p>
+                  </a:txBody>
+                  <a:tcPr marL="115893" marR="115893" marT="0" marB="0"/>
+                </a:tc>
+                <a:tc>
+                  <a:txBody>
+                    <a:bodyPr/>
+                    <a:lstStyle/>
+                    <a:p>
+                      <a:pPr algn="just">
+                        <a:lnSpc>
+                          <a:spcPct val="107000"/>
+                        </a:lnSpc>
+                        <a:spcAft>
+                          <a:spcPts val="800"/>
+                        </a:spcAft>
+                      </a:pPr>
+                      <a:r>
+                        <a:rPr lang="lt-LT" sz="2200">
+                          <a:effectLst/>
+                        </a:rPr>
+                        <a:t>0.89</a:t>
+                      </a:r>
+                      <a:endParaRPr lang="lt-LT" sz="2200">
+                        <a:effectLst/>
+                        <a:latin typeface="Calibri" panose="020F0502020204030204" pitchFamily="34" charset="0"/>
+                        <a:ea typeface="Calibri" panose="020F0502020204030204" pitchFamily="34" charset="0"/>
+                        <a:cs typeface="Times New Roman" panose="02020603050405020304" pitchFamily="18" charset="0"/>
+                      </a:endParaRPr>
+                    </a:p>
+                  </a:txBody>
+                  <a:tcPr marL="115893" marR="115893" marT="0" marB="0"/>
+                </a:tc>
+                <a:tc>
+                  <a:txBody>
+                    <a:bodyPr/>
+                    <a:lstStyle/>
+                    <a:p>
+                      <a:pPr algn="just">
+                        <a:lnSpc>
+                          <a:spcPct val="107000"/>
+                        </a:lnSpc>
+                        <a:spcAft>
+                          <a:spcPts val="800"/>
+                        </a:spcAft>
+                      </a:pPr>
+                      <a:r>
+                        <a:rPr lang="lt-LT" sz="2200">
+                          <a:effectLst/>
+                        </a:rPr>
+                        <a:t>0.88</a:t>
+                      </a:r>
+                      <a:endParaRPr lang="lt-LT" sz="2200">
+                        <a:effectLst/>
+                        <a:latin typeface="Calibri" panose="020F0502020204030204" pitchFamily="34" charset="0"/>
+                        <a:ea typeface="Calibri" panose="020F0502020204030204" pitchFamily="34" charset="0"/>
+                        <a:cs typeface="Times New Roman" panose="02020603050405020304" pitchFamily="18" charset="0"/>
+                      </a:endParaRPr>
+                    </a:p>
+                  </a:txBody>
+                  <a:tcPr marL="115893" marR="115893" marT="0" marB="0"/>
+                </a:tc>
+                <a:extLst>
+                  <a:ext uri="{0D108BD9-81ED-4DB2-BD59-A6C34878D82A}">
+                    <a16:rowId xmlns:a16="http://schemas.microsoft.com/office/drawing/2014/main" val="445854575"/>
+                  </a:ext>
+                </a:extLst>
+              </a:tr>
+              <a:tr h="677034">
+                <a:tc>
+                  <a:txBody>
+                    <a:bodyPr/>
+                    <a:lstStyle/>
+                    <a:p>
+                      <a:pPr algn="just">
+                        <a:lnSpc>
+                          <a:spcPct val="107000"/>
+                        </a:lnSpc>
+                        <a:spcAft>
+                          <a:spcPts val="800"/>
+                        </a:spcAft>
+                      </a:pPr>
+                      <a:r>
+                        <a:rPr lang="lt-LT" sz="2200">
+                          <a:effectLst/>
+                        </a:rPr>
+                        <a:t>Atsitiktinis miškas</a:t>
+                      </a:r>
+                      <a:endParaRPr lang="lt-LT" sz="2200">
+                        <a:effectLst/>
+                        <a:latin typeface="Calibri" panose="020F0502020204030204" pitchFamily="34" charset="0"/>
+                        <a:ea typeface="Calibri" panose="020F0502020204030204" pitchFamily="34" charset="0"/>
+                        <a:cs typeface="Times New Roman" panose="02020603050405020304" pitchFamily="18" charset="0"/>
+                      </a:endParaRPr>
+                    </a:p>
+                  </a:txBody>
+                  <a:tcPr marL="115893" marR="115893" marT="0" marB="0"/>
+                </a:tc>
+                <a:tc>
+                  <a:txBody>
+                    <a:bodyPr/>
+                    <a:lstStyle/>
+                    <a:p>
+                      <a:pPr algn="just">
+                        <a:lnSpc>
+                          <a:spcPct val="107000"/>
+                        </a:lnSpc>
+                        <a:spcAft>
+                          <a:spcPts val="800"/>
+                        </a:spcAft>
+                      </a:pPr>
+                      <a:r>
+                        <a:rPr lang="lt-LT" sz="2200">
+                          <a:effectLst/>
+                        </a:rPr>
+                        <a:t>80-ieji</a:t>
+                      </a:r>
+                      <a:endParaRPr lang="lt-LT" sz="2200">
+                        <a:effectLst/>
+                        <a:latin typeface="Calibri" panose="020F0502020204030204" pitchFamily="34" charset="0"/>
+                        <a:ea typeface="Calibri" panose="020F0502020204030204" pitchFamily="34" charset="0"/>
+                        <a:cs typeface="Times New Roman" panose="02020603050405020304" pitchFamily="18" charset="0"/>
+                      </a:endParaRPr>
+                    </a:p>
+                  </a:txBody>
+                  <a:tcPr marL="115893" marR="115893" marT="0" marB="0"/>
+                </a:tc>
+                <a:tc>
+                  <a:txBody>
+                    <a:bodyPr/>
+                    <a:lstStyle/>
+                    <a:p>
+                      <a:pPr algn="just">
+                        <a:lnSpc>
+                          <a:spcPct val="107000"/>
+                        </a:lnSpc>
+                        <a:spcAft>
+                          <a:spcPts val="800"/>
+                        </a:spcAft>
+                      </a:pPr>
+                      <a:r>
+                        <a:rPr lang="lt-LT" sz="2200">
+                          <a:effectLst/>
+                        </a:rPr>
+                        <a:t>0.90</a:t>
+                      </a:r>
+                      <a:endParaRPr lang="lt-LT" sz="2200">
+                        <a:effectLst/>
+                        <a:latin typeface="Calibri" panose="020F0502020204030204" pitchFamily="34" charset="0"/>
+                        <a:ea typeface="Calibri" panose="020F0502020204030204" pitchFamily="34" charset="0"/>
+                        <a:cs typeface="Times New Roman" panose="02020603050405020304" pitchFamily="18" charset="0"/>
+                      </a:endParaRPr>
+                    </a:p>
+                  </a:txBody>
+                  <a:tcPr marL="115893" marR="115893" marT="0" marB="0"/>
+                </a:tc>
+                <a:tc>
+                  <a:txBody>
+                    <a:bodyPr/>
+                    <a:lstStyle/>
+                    <a:p>
+                      <a:pPr algn="just">
+                        <a:lnSpc>
+                          <a:spcPct val="107000"/>
+                        </a:lnSpc>
+                        <a:spcAft>
+                          <a:spcPts val="800"/>
+                        </a:spcAft>
+                      </a:pPr>
+                      <a:r>
+                        <a:rPr lang="lt-LT" sz="2200">
+                          <a:effectLst/>
+                        </a:rPr>
+                        <a:t>0.84</a:t>
+                      </a:r>
+                      <a:endParaRPr lang="lt-LT" sz="2200">
+                        <a:effectLst/>
+                        <a:latin typeface="Calibri" panose="020F0502020204030204" pitchFamily="34" charset="0"/>
+                        <a:ea typeface="Calibri" panose="020F0502020204030204" pitchFamily="34" charset="0"/>
+                        <a:cs typeface="Times New Roman" panose="02020603050405020304" pitchFamily="18" charset="0"/>
+                      </a:endParaRPr>
+                    </a:p>
+                  </a:txBody>
+                  <a:tcPr marL="115893" marR="115893" marT="0" marB="0"/>
+                </a:tc>
+                <a:tc>
+                  <a:txBody>
+                    <a:bodyPr/>
+                    <a:lstStyle/>
+                    <a:p>
+                      <a:pPr algn="just">
+                        <a:lnSpc>
+                          <a:spcPct val="107000"/>
+                        </a:lnSpc>
+                        <a:spcAft>
+                          <a:spcPts val="800"/>
+                        </a:spcAft>
+                      </a:pPr>
+                      <a:r>
+                        <a:rPr lang="lt-LT" sz="2200">
+                          <a:effectLst/>
+                        </a:rPr>
+                        <a:t>0.87</a:t>
+                      </a:r>
+                      <a:endParaRPr lang="lt-LT" sz="2200">
+                        <a:effectLst/>
+                        <a:latin typeface="Calibri" panose="020F0502020204030204" pitchFamily="34" charset="0"/>
+                        <a:ea typeface="Calibri" panose="020F0502020204030204" pitchFamily="34" charset="0"/>
+                        <a:cs typeface="Times New Roman" panose="02020603050405020304" pitchFamily="18" charset="0"/>
+                      </a:endParaRPr>
+                    </a:p>
+                  </a:txBody>
+                  <a:tcPr marL="115893" marR="115893" marT="0" marB="0"/>
+                </a:tc>
+                <a:tc>
+                  <a:txBody>
+                    <a:bodyPr/>
+                    <a:lstStyle/>
+                    <a:p>
+                      <a:pPr algn="just">
+                        <a:lnSpc>
+                          <a:spcPct val="107000"/>
+                        </a:lnSpc>
+                        <a:spcAft>
+                          <a:spcPts val="800"/>
+                        </a:spcAft>
+                      </a:pPr>
+                      <a:r>
+                        <a:rPr lang="lt-LT" sz="2200" dirty="0">
+                          <a:effectLst/>
+                        </a:rPr>
+                        <a:t>0.88</a:t>
+                      </a:r>
+                      <a:endParaRPr lang="lt-LT" sz="2200" dirty="0">
+                        <a:effectLst/>
+                        <a:latin typeface="Calibri" panose="020F0502020204030204" pitchFamily="34" charset="0"/>
+                        <a:ea typeface="Calibri" panose="020F0502020204030204" pitchFamily="34" charset="0"/>
+                        <a:cs typeface="Times New Roman" panose="02020603050405020304" pitchFamily="18" charset="0"/>
+                      </a:endParaRPr>
+                    </a:p>
+                  </a:txBody>
+                  <a:tcPr marL="115893" marR="115893" marT="0" marB="0"/>
+                </a:tc>
+                <a:extLst>
+                  <a:ext uri="{0D108BD9-81ED-4DB2-BD59-A6C34878D82A}">
+                    <a16:rowId xmlns:a16="http://schemas.microsoft.com/office/drawing/2014/main" val="703617038"/>
+                  </a:ext>
+                </a:extLst>
+              </a:tr>
+            </a:tbl>
+          </a:graphicData>
+        </a:graphic>
+      </p:graphicFrame>
     </p:spTree>
     <p:extLst>
       <p:ext uri="{BB962C8B-B14F-4D97-AF65-F5344CB8AC3E}">
@@ -5560,10 +4897,10 @@
       </p:sp>
       <p:pic>
         <p:nvPicPr>
-          <p:cNvPr id="7" name="Turinio vietos rezervavimo ženklas 6">
+          <p:cNvPr id="5" name="Turinio vietos rezervavimo ženklas 4">
             <a:extLst>
               <a:ext uri="{FF2B5EF4-FFF2-40B4-BE49-F238E27FC236}">
-                <a16:creationId xmlns:a16="http://schemas.microsoft.com/office/drawing/2014/main" id="{6BA2C9A9-9ACE-0C81-10BB-5F420B484EA4}"/>
+                <a16:creationId xmlns:a16="http://schemas.microsoft.com/office/drawing/2014/main" id="{BB4BBBD8-F6E8-605D-7227-B5BE79945E06}"/>
               </a:ext>
             </a:extLst>
           </p:cNvPr>
@@ -5623,1352 +4960,6 @@
           <a:chExt cx="0" cy="0"/>
         </a:xfrm>
       </p:grpSpPr>
-      <p:graphicFrame>
-        <p:nvGraphicFramePr>
-          <p:cNvPr id="4" name="Turinio vietos rezervavimo ženklas 3">
-            <a:extLst>
-              <a:ext uri="{FF2B5EF4-FFF2-40B4-BE49-F238E27FC236}">
-                <a16:creationId xmlns:a16="http://schemas.microsoft.com/office/drawing/2014/main" id="{A2476E7E-30CC-1CB7-053F-3999FF9D78BF}"/>
-              </a:ext>
-            </a:extLst>
-          </p:cNvPr>
-          <p:cNvGraphicFramePr>
-            <a:graphicFrameLocks noGrp="1"/>
-          </p:cNvGraphicFramePr>
-          <p:nvPr>
-            <p:ph idx="1"/>
-            <p:extLst>
-              <p:ext uri="{D42A27DB-BD31-4B8C-83A1-F6EECF244321}">
-                <p14:modId xmlns:p14="http://schemas.microsoft.com/office/powerpoint/2010/main" val="3391698096"/>
-              </p:ext>
-            </p:extLst>
-          </p:nvPr>
-        </p:nvGraphicFramePr>
-        <p:xfrm>
-          <a:off x="2279374" y="2240077"/>
-          <a:ext cx="7633252" cy="3610298"/>
-        </p:xfrm>
-        <a:graphic>
-          <a:graphicData uri="http://schemas.openxmlformats.org/drawingml/2006/table">
-            <a:tbl>
-              <a:tblPr firstRow="1" firstCol="1" bandRow="1">
-                <a:tableStyleId>{5940675A-B579-460E-94D1-54222C63F5DA}</a:tableStyleId>
-              </a:tblPr>
-              <a:tblGrid>
-                <a:gridCol w="1765009">
-                  <a:extLst>
-                    <a:ext uri="{9D8B030D-6E8A-4147-A177-3AD203B41FA5}">
-                      <a16:colId xmlns:a16="http://schemas.microsoft.com/office/drawing/2014/main" val="3260019913"/>
-                    </a:ext>
-                  </a:extLst>
-                </a:gridCol>
-                <a:gridCol w="1186011">
-                  <a:extLst>
-                    <a:ext uri="{9D8B030D-6E8A-4147-A177-3AD203B41FA5}">
-                      <a16:colId xmlns:a16="http://schemas.microsoft.com/office/drawing/2014/main" val="3725284498"/>
-                    </a:ext>
-                  </a:extLst>
-                </a:gridCol>
-                <a:gridCol w="1120641">
-                  <a:extLst>
-                    <a:ext uri="{9D8B030D-6E8A-4147-A177-3AD203B41FA5}">
-                      <a16:colId xmlns:a16="http://schemas.microsoft.com/office/drawing/2014/main" val="1490411372"/>
-                    </a:ext>
-                  </a:extLst>
-                </a:gridCol>
-                <a:gridCol w="989899">
-                  <a:extLst>
-                    <a:ext uri="{9D8B030D-6E8A-4147-A177-3AD203B41FA5}">
-                      <a16:colId xmlns:a16="http://schemas.microsoft.com/office/drawing/2014/main" val="129161251"/>
-                    </a:ext>
-                  </a:extLst>
-                </a:gridCol>
-                <a:gridCol w="1083286">
-                  <a:extLst>
-                    <a:ext uri="{9D8B030D-6E8A-4147-A177-3AD203B41FA5}">
-                      <a16:colId xmlns:a16="http://schemas.microsoft.com/office/drawing/2014/main" val="1007823949"/>
-                    </a:ext>
-                  </a:extLst>
-                </a:gridCol>
-                <a:gridCol w="1488406">
-                  <a:extLst>
-                    <a:ext uri="{9D8B030D-6E8A-4147-A177-3AD203B41FA5}">
-                      <a16:colId xmlns:a16="http://schemas.microsoft.com/office/drawing/2014/main" val="646512372"/>
-                    </a:ext>
-                  </a:extLst>
-                </a:gridCol>
-              </a:tblGrid>
-              <a:tr h="603994">
-                <a:tc>
-                  <a:txBody>
-                    <a:bodyPr/>
-                    <a:lstStyle/>
-                    <a:p>
-                      <a:pPr algn="just">
-                        <a:lnSpc>
-                          <a:spcPct val="107000"/>
-                        </a:lnSpc>
-                        <a:spcAft>
-                          <a:spcPts val="800"/>
-                        </a:spcAft>
-                      </a:pPr>
-                      <a:r>
-                        <a:rPr lang="lt-LT" sz="1600" dirty="0">
-                          <a:effectLst/>
-                        </a:rPr>
-                        <a:t>Modelis</a:t>
-                      </a:r>
-                      <a:endParaRPr lang="lt-LT" sz="1600" dirty="0">
-                        <a:effectLst/>
-                        <a:latin typeface="Calibri" panose="020F0502020204030204" pitchFamily="34" charset="0"/>
-                        <a:ea typeface="Calibri" panose="020F0502020204030204" pitchFamily="34" charset="0"/>
-                        <a:cs typeface="Times New Roman" panose="02020603050405020304" pitchFamily="18" charset="0"/>
-                      </a:endParaRPr>
-                    </a:p>
-                  </a:txBody>
-                  <a:tcPr marL="118066" marR="118066" marT="0" marB="0"/>
-                </a:tc>
-                <a:tc>
-                  <a:txBody>
-                    <a:bodyPr/>
-                    <a:lstStyle/>
-                    <a:p>
-                      <a:pPr algn="just">
-                        <a:lnSpc>
-                          <a:spcPct val="107000"/>
-                        </a:lnSpc>
-                        <a:spcAft>
-                          <a:spcPts val="800"/>
-                        </a:spcAft>
-                      </a:pPr>
-                      <a:r>
-                        <a:rPr lang="lt-LT" sz="1600">
-                          <a:effectLst/>
-                        </a:rPr>
-                        <a:t>Klasė</a:t>
-                      </a:r>
-                      <a:endParaRPr lang="lt-LT" sz="1600">
-                        <a:effectLst/>
-                        <a:latin typeface="Calibri" panose="020F0502020204030204" pitchFamily="34" charset="0"/>
-                        <a:ea typeface="Calibri" panose="020F0502020204030204" pitchFamily="34" charset="0"/>
-                        <a:cs typeface="Times New Roman" panose="02020603050405020304" pitchFamily="18" charset="0"/>
-                      </a:endParaRPr>
-                    </a:p>
-                  </a:txBody>
-                  <a:tcPr marL="118066" marR="118066" marT="0" marB="0"/>
-                </a:tc>
-                <a:tc>
-                  <a:txBody>
-                    <a:bodyPr/>
-                    <a:lstStyle/>
-                    <a:p>
-                      <a:pPr algn="just">
-                        <a:lnSpc>
-                          <a:spcPct val="107000"/>
-                        </a:lnSpc>
-                        <a:spcAft>
-                          <a:spcPts val="800"/>
-                        </a:spcAft>
-                      </a:pPr>
-                      <a:r>
-                        <a:rPr lang="lt-LT" sz="1600">
-                          <a:effectLst/>
-                        </a:rPr>
-                        <a:t>Precision</a:t>
-                      </a:r>
-                      <a:endParaRPr lang="lt-LT" sz="1600">
-                        <a:effectLst/>
-                        <a:latin typeface="Calibri" panose="020F0502020204030204" pitchFamily="34" charset="0"/>
-                        <a:ea typeface="Calibri" panose="020F0502020204030204" pitchFamily="34" charset="0"/>
-                        <a:cs typeface="Times New Roman" panose="02020603050405020304" pitchFamily="18" charset="0"/>
-                      </a:endParaRPr>
-                    </a:p>
-                  </a:txBody>
-                  <a:tcPr marL="118066" marR="118066" marT="0" marB="0"/>
-                </a:tc>
-                <a:tc>
-                  <a:txBody>
-                    <a:bodyPr/>
-                    <a:lstStyle/>
-                    <a:p>
-                      <a:pPr algn="just">
-                        <a:lnSpc>
-                          <a:spcPct val="107000"/>
-                        </a:lnSpc>
-                        <a:spcAft>
-                          <a:spcPts val="800"/>
-                        </a:spcAft>
-                      </a:pPr>
-                      <a:r>
-                        <a:rPr lang="lt-LT" sz="1600">
-                          <a:effectLst/>
-                        </a:rPr>
-                        <a:t>Recall</a:t>
-                      </a:r>
-                      <a:endParaRPr lang="lt-LT" sz="1600">
-                        <a:effectLst/>
-                        <a:latin typeface="Calibri" panose="020F0502020204030204" pitchFamily="34" charset="0"/>
-                        <a:ea typeface="Calibri" panose="020F0502020204030204" pitchFamily="34" charset="0"/>
-                        <a:cs typeface="Times New Roman" panose="02020603050405020304" pitchFamily="18" charset="0"/>
-                      </a:endParaRPr>
-                    </a:p>
-                  </a:txBody>
-                  <a:tcPr marL="118066" marR="118066" marT="0" marB="0"/>
-                </a:tc>
-                <a:tc>
-                  <a:txBody>
-                    <a:bodyPr/>
-                    <a:lstStyle/>
-                    <a:p>
-                      <a:pPr algn="just">
-                        <a:lnSpc>
-                          <a:spcPct val="107000"/>
-                        </a:lnSpc>
-                        <a:spcAft>
-                          <a:spcPts val="800"/>
-                        </a:spcAft>
-                      </a:pPr>
-                      <a:r>
-                        <a:rPr lang="lt-LT" sz="1600">
-                          <a:effectLst/>
-                        </a:rPr>
-                        <a:t>F1-Score</a:t>
-                      </a:r>
-                      <a:endParaRPr lang="lt-LT" sz="1600">
-                        <a:effectLst/>
-                        <a:latin typeface="Calibri" panose="020F0502020204030204" pitchFamily="34" charset="0"/>
-                        <a:ea typeface="Calibri" panose="020F0502020204030204" pitchFamily="34" charset="0"/>
-                        <a:cs typeface="Times New Roman" panose="02020603050405020304" pitchFamily="18" charset="0"/>
-                      </a:endParaRPr>
-                    </a:p>
-                  </a:txBody>
-                  <a:tcPr marL="118066" marR="118066" marT="0" marB="0"/>
-                </a:tc>
-                <a:tc>
-                  <a:txBody>
-                    <a:bodyPr/>
-                    <a:lstStyle/>
-                    <a:p>
-                      <a:pPr algn="just">
-                        <a:lnSpc>
-                          <a:spcPct val="107000"/>
-                        </a:lnSpc>
-                        <a:spcAft>
-                          <a:spcPts val="800"/>
-                        </a:spcAft>
-                      </a:pPr>
-                      <a:r>
-                        <a:rPr lang="lt-LT" sz="1600" dirty="0" err="1">
-                          <a:effectLst/>
-                        </a:rPr>
-                        <a:t>Accuracy</a:t>
-                      </a:r>
-                      <a:endParaRPr lang="lt-LT" sz="1600" dirty="0">
-                        <a:effectLst/>
-                        <a:latin typeface="Calibri" panose="020F0502020204030204" pitchFamily="34" charset="0"/>
-                        <a:ea typeface="Calibri" panose="020F0502020204030204" pitchFamily="34" charset="0"/>
-                        <a:cs typeface="Times New Roman" panose="02020603050405020304" pitchFamily="18" charset="0"/>
-                      </a:endParaRPr>
-                    </a:p>
-                  </a:txBody>
-                  <a:tcPr marL="118066" marR="118066" marT="0" marB="0"/>
-                </a:tc>
-                <a:extLst>
-                  <a:ext uri="{0D108BD9-81ED-4DB2-BD59-A6C34878D82A}">
-                    <a16:rowId xmlns:a16="http://schemas.microsoft.com/office/drawing/2014/main" val="2050656890"/>
-                  </a:ext>
-                </a:extLst>
-              </a:tr>
-              <a:tr h="295164">
-                <a:tc>
-                  <a:txBody>
-                    <a:bodyPr/>
-                    <a:lstStyle/>
-                    <a:p>
-                      <a:pPr algn="just">
-                        <a:lnSpc>
-                          <a:spcPct val="107000"/>
-                        </a:lnSpc>
-                        <a:spcAft>
-                          <a:spcPts val="800"/>
-                        </a:spcAft>
-                      </a:pPr>
-                      <a:r>
-                        <a:rPr lang="lt-LT" sz="1700">
-                          <a:effectLst/>
-                        </a:rPr>
-                        <a:t>Naivus Bajeso</a:t>
-                      </a:r>
-                      <a:endParaRPr lang="lt-LT" sz="1700">
-                        <a:effectLst/>
-                        <a:latin typeface="Calibri" panose="020F0502020204030204" pitchFamily="34" charset="0"/>
-                        <a:ea typeface="Calibri" panose="020F0502020204030204" pitchFamily="34" charset="0"/>
-                        <a:cs typeface="Times New Roman" panose="02020603050405020304" pitchFamily="18" charset="0"/>
-                      </a:endParaRPr>
-                    </a:p>
-                  </a:txBody>
-                  <a:tcPr marL="118066" marR="118066" marT="0" marB="0"/>
-                </a:tc>
-                <a:tc>
-                  <a:txBody>
-                    <a:bodyPr/>
-                    <a:lstStyle/>
-                    <a:p>
-                      <a:pPr algn="just">
-                        <a:lnSpc>
-                          <a:spcPct val="107000"/>
-                        </a:lnSpc>
-                        <a:spcAft>
-                          <a:spcPts val="800"/>
-                        </a:spcAft>
-                      </a:pPr>
-                      <a:r>
-                        <a:rPr lang="lt-LT" sz="1700">
-                          <a:effectLst/>
-                        </a:rPr>
-                        <a:t>10-ieji</a:t>
-                      </a:r>
-                      <a:endParaRPr lang="lt-LT" sz="1700">
-                        <a:effectLst/>
-                        <a:latin typeface="Calibri" panose="020F0502020204030204" pitchFamily="34" charset="0"/>
-                        <a:ea typeface="Calibri" panose="020F0502020204030204" pitchFamily="34" charset="0"/>
-                        <a:cs typeface="Times New Roman" panose="02020603050405020304" pitchFamily="18" charset="0"/>
-                      </a:endParaRPr>
-                    </a:p>
-                  </a:txBody>
-                  <a:tcPr marL="118066" marR="118066" marT="0" marB="0"/>
-                </a:tc>
-                <a:tc>
-                  <a:txBody>
-                    <a:bodyPr/>
-                    <a:lstStyle/>
-                    <a:p>
-                      <a:pPr algn="just">
-                        <a:lnSpc>
-                          <a:spcPct val="107000"/>
-                        </a:lnSpc>
-                        <a:spcAft>
-                          <a:spcPts val="800"/>
-                        </a:spcAft>
-                      </a:pPr>
-                      <a:r>
-                        <a:rPr lang="lt-LT" sz="1700">
-                          <a:effectLst/>
-                        </a:rPr>
-                        <a:t>0.86</a:t>
-                      </a:r>
-                      <a:endParaRPr lang="lt-LT" sz="1700">
-                        <a:effectLst/>
-                        <a:latin typeface="Calibri" panose="020F0502020204030204" pitchFamily="34" charset="0"/>
-                        <a:ea typeface="Calibri" panose="020F0502020204030204" pitchFamily="34" charset="0"/>
-                        <a:cs typeface="Times New Roman" panose="02020603050405020304" pitchFamily="18" charset="0"/>
-                      </a:endParaRPr>
-                    </a:p>
-                  </a:txBody>
-                  <a:tcPr marL="118066" marR="118066" marT="0" marB="0"/>
-                </a:tc>
-                <a:tc>
-                  <a:txBody>
-                    <a:bodyPr/>
-                    <a:lstStyle/>
-                    <a:p>
-                      <a:pPr algn="just">
-                        <a:lnSpc>
-                          <a:spcPct val="107000"/>
-                        </a:lnSpc>
-                        <a:spcAft>
-                          <a:spcPts val="800"/>
-                        </a:spcAft>
-                      </a:pPr>
-                      <a:r>
-                        <a:rPr lang="lt-LT" sz="1700">
-                          <a:effectLst/>
-                        </a:rPr>
-                        <a:t>0.96</a:t>
-                      </a:r>
-                      <a:endParaRPr lang="lt-LT" sz="1700">
-                        <a:effectLst/>
-                        <a:latin typeface="Calibri" panose="020F0502020204030204" pitchFamily="34" charset="0"/>
-                        <a:ea typeface="Calibri" panose="020F0502020204030204" pitchFamily="34" charset="0"/>
-                        <a:cs typeface="Times New Roman" panose="02020603050405020304" pitchFamily="18" charset="0"/>
-                      </a:endParaRPr>
-                    </a:p>
-                  </a:txBody>
-                  <a:tcPr marL="118066" marR="118066" marT="0" marB="0"/>
-                </a:tc>
-                <a:tc>
-                  <a:txBody>
-                    <a:bodyPr/>
-                    <a:lstStyle/>
-                    <a:p>
-                      <a:pPr algn="just">
-                        <a:lnSpc>
-                          <a:spcPct val="107000"/>
-                        </a:lnSpc>
-                        <a:spcAft>
-                          <a:spcPts val="800"/>
-                        </a:spcAft>
-                      </a:pPr>
-                      <a:r>
-                        <a:rPr lang="lt-LT" sz="1700">
-                          <a:effectLst/>
-                        </a:rPr>
-                        <a:t>0.91</a:t>
-                      </a:r>
-                      <a:endParaRPr lang="lt-LT" sz="1700">
-                        <a:effectLst/>
-                        <a:latin typeface="Calibri" panose="020F0502020204030204" pitchFamily="34" charset="0"/>
-                        <a:ea typeface="Calibri" panose="020F0502020204030204" pitchFamily="34" charset="0"/>
-                        <a:cs typeface="Times New Roman" panose="02020603050405020304" pitchFamily="18" charset="0"/>
-                      </a:endParaRPr>
-                    </a:p>
-                  </a:txBody>
-                  <a:tcPr marL="118066" marR="118066" marT="0" marB="0"/>
-                </a:tc>
-                <a:tc>
-                  <a:txBody>
-                    <a:bodyPr/>
-                    <a:lstStyle/>
-                    <a:p>
-                      <a:pPr algn="just">
-                        <a:lnSpc>
-                          <a:spcPct val="107000"/>
-                        </a:lnSpc>
-                        <a:spcAft>
-                          <a:spcPts val="800"/>
-                        </a:spcAft>
-                      </a:pPr>
-                      <a:r>
-                        <a:rPr lang="lt-LT" sz="1700">
-                          <a:effectLst/>
-                        </a:rPr>
-                        <a:t>0.89</a:t>
-                      </a:r>
-                      <a:endParaRPr lang="lt-LT" sz="1700">
-                        <a:effectLst/>
-                        <a:latin typeface="Calibri" panose="020F0502020204030204" pitchFamily="34" charset="0"/>
-                        <a:ea typeface="Calibri" panose="020F0502020204030204" pitchFamily="34" charset="0"/>
-                        <a:cs typeface="Times New Roman" panose="02020603050405020304" pitchFamily="18" charset="0"/>
-                      </a:endParaRPr>
-                    </a:p>
-                  </a:txBody>
-                  <a:tcPr marL="118066" marR="118066" marT="0" marB="0"/>
-                </a:tc>
-                <a:extLst>
-                  <a:ext uri="{0D108BD9-81ED-4DB2-BD59-A6C34878D82A}">
-                    <a16:rowId xmlns:a16="http://schemas.microsoft.com/office/drawing/2014/main" val="2265551762"/>
-                  </a:ext>
-                </a:extLst>
-              </a:tr>
-              <a:tr h="295164">
-                <a:tc>
-                  <a:txBody>
-                    <a:bodyPr/>
-                    <a:lstStyle/>
-                    <a:p>
-                      <a:pPr algn="just">
-                        <a:lnSpc>
-                          <a:spcPct val="107000"/>
-                        </a:lnSpc>
-                        <a:spcAft>
-                          <a:spcPts val="800"/>
-                        </a:spcAft>
-                      </a:pPr>
-                      <a:r>
-                        <a:rPr lang="lt-LT" sz="1700">
-                          <a:effectLst/>
-                        </a:rPr>
-                        <a:t>Naivus Bajeso</a:t>
-                      </a:r>
-                      <a:endParaRPr lang="lt-LT" sz="1700">
-                        <a:effectLst/>
-                        <a:latin typeface="Calibri" panose="020F0502020204030204" pitchFamily="34" charset="0"/>
-                        <a:ea typeface="Calibri" panose="020F0502020204030204" pitchFamily="34" charset="0"/>
-                        <a:cs typeface="Times New Roman" panose="02020603050405020304" pitchFamily="18" charset="0"/>
-                      </a:endParaRPr>
-                    </a:p>
-                  </a:txBody>
-                  <a:tcPr marL="118066" marR="118066" marT="0" marB="0"/>
-                </a:tc>
-                <a:tc>
-                  <a:txBody>
-                    <a:bodyPr/>
-                    <a:lstStyle/>
-                    <a:p>
-                      <a:pPr algn="just">
-                        <a:lnSpc>
-                          <a:spcPct val="107000"/>
-                        </a:lnSpc>
-                        <a:spcAft>
-                          <a:spcPts val="800"/>
-                        </a:spcAft>
-                      </a:pPr>
-                      <a:r>
-                        <a:rPr lang="lt-LT" sz="1700">
-                          <a:effectLst/>
-                        </a:rPr>
-                        <a:t>80-ieji</a:t>
-                      </a:r>
-                      <a:endParaRPr lang="lt-LT" sz="1700">
-                        <a:effectLst/>
-                        <a:latin typeface="Calibri" panose="020F0502020204030204" pitchFamily="34" charset="0"/>
-                        <a:ea typeface="Calibri" panose="020F0502020204030204" pitchFamily="34" charset="0"/>
-                        <a:cs typeface="Times New Roman" panose="02020603050405020304" pitchFamily="18" charset="0"/>
-                      </a:endParaRPr>
-                    </a:p>
-                  </a:txBody>
-                  <a:tcPr marL="118066" marR="118066" marT="0" marB="0"/>
-                </a:tc>
-                <a:tc>
-                  <a:txBody>
-                    <a:bodyPr/>
-                    <a:lstStyle/>
-                    <a:p>
-                      <a:pPr algn="just">
-                        <a:lnSpc>
-                          <a:spcPct val="107000"/>
-                        </a:lnSpc>
-                        <a:spcAft>
-                          <a:spcPts val="800"/>
-                        </a:spcAft>
-                      </a:pPr>
-                      <a:r>
-                        <a:rPr lang="lt-LT" sz="1700">
-                          <a:effectLst/>
-                        </a:rPr>
-                        <a:t>0.94</a:t>
-                      </a:r>
-                      <a:endParaRPr lang="lt-LT" sz="1700">
-                        <a:effectLst/>
-                        <a:latin typeface="Calibri" panose="020F0502020204030204" pitchFamily="34" charset="0"/>
-                        <a:ea typeface="Calibri" panose="020F0502020204030204" pitchFamily="34" charset="0"/>
-                        <a:cs typeface="Times New Roman" panose="02020603050405020304" pitchFamily="18" charset="0"/>
-                      </a:endParaRPr>
-                    </a:p>
-                  </a:txBody>
-                  <a:tcPr marL="118066" marR="118066" marT="0" marB="0"/>
-                </a:tc>
-                <a:tc>
-                  <a:txBody>
-                    <a:bodyPr/>
-                    <a:lstStyle/>
-                    <a:p>
-                      <a:pPr algn="just">
-                        <a:lnSpc>
-                          <a:spcPct val="107000"/>
-                        </a:lnSpc>
-                        <a:spcAft>
-                          <a:spcPts val="800"/>
-                        </a:spcAft>
-                      </a:pPr>
-                      <a:r>
-                        <a:rPr lang="lt-LT" sz="1700">
-                          <a:effectLst/>
-                        </a:rPr>
-                        <a:t>0.8</a:t>
-                      </a:r>
-                      <a:endParaRPr lang="lt-LT" sz="1700">
-                        <a:effectLst/>
-                        <a:latin typeface="Calibri" panose="020F0502020204030204" pitchFamily="34" charset="0"/>
-                        <a:ea typeface="Calibri" panose="020F0502020204030204" pitchFamily="34" charset="0"/>
-                        <a:cs typeface="Times New Roman" panose="02020603050405020304" pitchFamily="18" charset="0"/>
-                      </a:endParaRPr>
-                    </a:p>
-                  </a:txBody>
-                  <a:tcPr marL="118066" marR="118066" marT="0" marB="0"/>
-                </a:tc>
-                <a:tc>
-                  <a:txBody>
-                    <a:bodyPr/>
-                    <a:lstStyle/>
-                    <a:p>
-                      <a:pPr algn="just">
-                        <a:lnSpc>
-                          <a:spcPct val="107000"/>
-                        </a:lnSpc>
-                        <a:spcAft>
-                          <a:spcPts val="800"/>
-                        </a:spcAft>
-                      </a:pPr>
-                      <a:r>
-                        <a:rPr lang="lt-LT" sz="1700" dirty="0">
-                          <a:effectLst/>
-                        </a:rPr>
-                        <a:t>0.86</a:t>
-                      </a:r>
-                      <a:endParaRPr lang="lt-LT" sz="1700" dirty="0">
-                        <a:effectLst/>
-                        <a:latin typeface="Calibri" panose="020F0502020204030204" pitchFamily="34" charset="0"/>
-                        <a:ea typeface="Calibri" panose="020F0502020204030204" pitchFamily="34" charset="0"/>
-                        <a:cs typeface="Times New Roman" panose="02020603050405020304" pitchFamily="18" charset="0"/>
-                      </a:endParaRPr>
-                    </a:p>
-                  </a:txBody>
-                  <a:tcPr marL="118066" marR="118066" marT="0" marB="0"/>
-                </a:tc>
-                <a:tc>
-                  <a:txBody>
-                    <a:bodyPr/>
-                    <a:lstStyle/>
-                    <a:p>
-                      <a:pPr algn="just">
-                        <a:lnSpc>
-                          <a:spcPct val="107000"/>
-                        </a:lnSpc>
-                        <a:spcAft>
-                          <a:spcPts val="800"/>
-                        </a:spcAft>
-                      </a:pPr>
-                      <a:r>
-                        <a:rPr lang="lt-LT" sz="1700">
-                          <a:effectLst/>
-                        </a:rPr>
-                        <a:t>0.89</a:t>
-                      </a:r>
-                      <a:endParaRPr lang="lt-LT" sz="1700">
-                        <a:effectLst/>
-                        <a:latin typeface="Calibri" panose="020F0502020204030204" pitchFamily="34" charset="0"/>
-                        <a:ea typeface="Calibri" panose="020F0502020204030204" pitchFamily="34" charset="0"/>
-                        <a:cs typeface="Times New Roman" panose="02020603050405020304" pitchFamily="18" charset="0"/>
-                      </a:endParaRPr>
-                    </a:p>
-                  </a:txBody>
-                  <a:tcPr marL="118066" marR="118066" marT="0" marB="0"/>
-                </a:tc>
-                <a:extLst>
-                  <a:ext uri="{0D108BD9-81ED-4DB2-BD59-A6C34878D82A}">
-                    <a16:rowId xmlns:a16="http://schemas.microsoft.com/office/drawing/2014/main" val="2585700684"/>
-                  </a:ext>
-                </a:extLst>
-              </a:tr>
-              <a:tr h="603994">
-                <a:tc>
-                  <a:txBody>
-                    <a:bodyPr/>
-                    <a:lstStyle/>
-                    <a:p>
-                      <a:pPr algn="just">
-                        <a:lnSpc>
-                          <a:spcPct val="107000"/>
-                        </a:lnSpc>
-                        <a:spcAft>
-                          <a:spcPts val="800"/>
-                        </a:spcAft>
-                      </a:pPr>
-                      <a:r>
-                        <a:rPr lang="lt-LT" sz="1700">
-                          <a:effectLst/>
-                        </a:rPr>
-                        <a:t>Sprendimų medis</a:t>
-                      </a:r>
-                      <a:endParaRPr lang="lt-LT" sz="1700">
-                        <a:effectLst/>
-                        <a:latin typeface="Calibri" panose="020F0502020204030204" pitchFamily="34" charset="0"/>
-                        <a:ea typeface="Calibri" panose="020F0502020204030204" pitchFamily="34" charset="0"/>
-                        <a:cs typeface="Times New Roman" panose="02020603050405020304" pitchFamily="18" charset="0"/>
-                      </a:endParaRPr>
-                    </a:p>
-                  </a:txBody>
-                  <a:tcPr marL="118066" marR="118066" marT="0" marB="0"/>
-                </a:tc>
-                <a:tc>
-                  <a:txBody>
-                    <a:bodyPr/>
-                    <a:lstStyle/>
-                    <a:p>
-                      <a:pPr algn="just">
-                        <a:lnSpc>
-                          <a:spcPct val="107000"/>
-                        </a:lnSpc>
-                        <a:spcAft>
-                          <a:spcPts val="800"/>
-                        </a:spcAft>
-                      </a:pPr>
-                      <a:r>
-                        <a:rPr lang="lt-LT" sz="1700">
-                          <a:effectLst/>
-                        </a:rPr>
-                        <a:t>10-ieji</a:t>
-                      </a:r>
-                      <a:endParaRPr lang="lt-LT" sz="1700">
-                        <a:effectLst/>
-                        <a:latin typeface="Calibri" panose="020F0502020204030204" pitchFamily="34" charset="0"/>
-                        <a:ea typeface="Calibri" panose="020F0502020204030204" pitchFamily="34" charset="0"/>
-                        <a:cs typeface="Times New Roman" panose="02020603050405020304" pitchFamily="18" charset="0"/>
-                      </a:endParaRPr>
-                    </a:p>
-                  </a:txBody>
-                  <a:tcPr marL="118066" marR="118066" marT="0" marB="0"/>
-                </a:tc>
-                <a:tc>
-                  <a:txBody>
-                    <a:bodyPr/>
-                    <a:lstStyle/>
-                    <a:p>
-                      <a:pPr algn="just">
-                        <a:lnSpc>
-                          <a:spcPct val="107000"/>
-                        </a:lnSpc>
-                        <a:spcAft>
-                          <a:spcPts val="800"/>
-                        </a:spcAft>
-                      </a:pPr>
-                      <a:r>
-                        <a:rPr lang="lt-LT" sz="1700" dirty="0">
-                          <a:effectLst/>
-                        </a:rPr>
-                        <a:t>0.8</a:t>
-                      </a:r>
-                      <a:endParaRPr lang="lt-LT" sz="1700" dirty="0">
-                        <a:effectLst/>
-                        <a:latin typeface="Calibri" panose="020F0502020204030204" pitchFamily="34" charset="0"/>
-                        <a:ea typeface="Calibri" panose="020F0502020204030204" pitchFamily="34" charset="0"/>
-                        <a:cs typeface="Times New Roman" panose="02020603050405020304" pitchFamily="18" charset="0"/>
-                      </a:endParaRPr>
-                    </a:p>
-                  </a:txBody>
-                  <a:tcPr marL="118066" marR="118066" marT="0" marB="0"/>
-                </a:tc>
-                <a:tc>
-                  <a:txBody>
-                    <a:bodyPr/>
-                    <a:lstStyle/>
-                    <a:p>
-                      <a:pPr algn="just">
-                        <a:lnSpc>
-                          <a:spcPct val="107000"/>
-                        </a:lnSpc>
-                        <a:spcAft>
-                          <a:spcPts val="800"/>
-                        </a:spcAft>
-                      </a:pPr>
-                      <a:r>
-                        <a:rPr lang="lt-LT" sz="1700" dirty="0">
-                          <a:effectLst/>
-                        </a:rPr>
-                        <a:t>0.92</a:t>
-                      </a:r>
-                      <a:endParaRPr lang="lt-LT" sz="1700" dirty="0">
-                        <a:effectLst/>
-                        <a:latin typeface="Calibri" panose="020F0502020204030204" pitchFamily="34" charset="0"/>
-                        <a:ea typeface="Calibri" panose="020F0502020204030204" pitchFamily="34" charset="0"/>
-                        <a:cs typeface="Times New Roman" panose="02020603050405020304" pitchFamily="18" charset="0"/>
-                      </a:endParaRPr>
-                    </a:p>
-                  </a:txBody>
-                  <a:tcPr marL="118066" marR="118066" marT="0" marB="0"/>
-                </a:tc>
-                <a:tc>
-                  <a:txBody>
-                    <a:bodyPr/>
-                    <a:lstStyle/>
-                    <a:p>
-                      <a:pPr algn="just">
-                        <a:lnSpc>
-                          <a:spcPct val="107000"/>
-                        </a:lnSpc>
-                        <a:spcAft>
-                          <a:spcPts val="800"/>
-                        </a:spcAft>
-                      </a:pPr>
-                      <a:r>
-                        <a:rPr lang="lt-LT" sz="1700">
-                          <a:effectLst/>
-                        </a:rPr>
-                        <a:t>0.86</a:t>
-                      </a:r>
-                      <a:endParaRPr lang="lt-LT" sz="1700">
-                        <a:effectLst/>
-                        <a:latin typeface="Calibri" panose="020F0502020204030204" pitchFamily="34" charset="0"/>
-                        <a:ea typeface="Calibri" panose="020F0502020204030204" pitchFamily="34" charset="0"/>
-                        <a:cs typeface="Times New Roman" panose="02020603050405020304" pitchFamily="18" charset="0"/>
-                      </a:endParaRPr>
-                    </a:p>
-                  </a:txBody>
-                  <a:tcPr marL="118066" marR="118066" marT="0" marB="0"/>
-                </a:tc>
-                <a:tc>
-                  <a:txBody>
-                    <a:bodyPr/>
-                    <a:lstStyle/>
-                    <a:p>
-                      <a:pPr algn="just">
-                        <a:lnSpc>
-                          <a:spcPct val="107000"/>
-                        </a:lnSpc>
-                        <a:spcAft>
-                          <a:spcPts val="800"/>
-                        </a:spcAft>
-                      </a:pPr>
-                      <a:r>
-                        <a:rPr lang="lt-LT" sz="1700">
-                          <a:effectLst/>
-                        </a:rPr>
-                        <a:t>0.83</a:t>
-                      </a:r>
-                      <a:endParaRPr lang="lt-LT" sz="1700">
-                        <a:effectLst/>
-                        <a:latin typeface="Calibri" panose="020F0502020204030204" pitchFamily="34" charset="0"/>
-                        <a:ea typeface="Calibri" panose="020F0502020204030204" pitchFamily="34" charset="0"/>
-                        <a:cs typeface="Times New Roman" panose="02020603050405020304" pitchFamily="18" charset="0"/>
-                      </a:endParaRPr>
-                    </a:p>
-                  </a:txBody>
-                  <a:tcPr marL="118066" marR="118066" marT="0" marB="0"/>
-                </a:tc>
-                <a:extLst>
-                  <a:ext uri="{0D108BD9-81ED-4DB2-BD59-A6C34878D82A}">
-                    <a16:rowId xmlns:a16="http://schemas.microsoft.com/office/drawing/2014/main" val="3594514366"/>
-                  </a:ext>
-                </a:extLst>
-              </a:tr>
-              <a:tr h="603994">
-                <a:tc>
-                  <a:txBody>
-                    <a:bodyPr/>
-                    <a:lstStyle/>
-                    <a:p>
-                      <a:pPr algn="just">
-                        <a:lnSpc>
-                          <a:spcPct val="107000"/>
-                        </a:lnSpc>
-                        <a:spcAft>
-                          <a:spcPts val="800"/>
-                        </a:spcAft>
-                      </a:pPr>
-                      <a:r>
-                        <a:rPr lang="lt-LT" sz="1700" dirty="0">
-                          <a:effectLst/>
-                        </a:rPr>
-                        <a:t>Sprendimų medis</a:t>
-                      </a:r>
-                      <a:endParaRPr lang="lt-LT" sz="1700" dirty="0">
-                        <a:effectLst/>
-                        <a:latin typeface="Calibri" panose="020F0502020204030204" pitchFamily="34" charset="0"/>
-                        <a:ea typeface="Calibri" panose="020F0502020204030204" pitchFamily="34" charset="0"/>
-                        <a:cs typeface="Times New Roman" panose="02020603050405020304" pitchFamily="18" charset="0"/>
-                      </a:endParaRPr>
-                    </a:p>
-                  </a:txBody>
-                  <a:tcPr marL="118066" marR="118066" marT="0" marB="0"/>
-                </a:tc>
-                <a:tc>
-                  <a:txBody>
-                    <a:bodyPr/>
-                    <a:lstStyle/>
-                    <a:p>
-                      <a:pPr algn="just">
-                        <a:lnSpc>
-                          <a:spcPct val="107000"/>
-                        </a:lnSpc>
-                        <a:spcAft>
-                          <a:spcPts val="800"/>
-                        </a:spcAft>
-                      </a:pPr>
-                      <a:r>
-                        <a:rPr lang="lt-LT" sz="1700">
-                          <a:effectLst/>
-                        </a:rPr>
-                        <a:t>80-ieji</a:t>
-                      </a:r>
-                      <a:endParaRPr lang="lt-LT" sz="1700">
-                        <a:effectLst/>
-                        <a:latin typeface="Calibri" panose="020F0502020204030204" pitchFamily="34" charset="0"/>
-                        <a:ea typeface="Calibri" panose="020F0502020204030204" pitchFamily="34" charset="0"/>
-                        <a:cs typeface="Times New Roman" panose="02020603050405020304" pitchFamily="18" charset="0"/>
-                      </a:endParaRPr>
-                    </a:p>
-                  </a:txBody>
-                  <a:tcPr marL="118066" marR="118066" marT="0" marB="0"/>
-                </a:tc>
-                <a:tc>
-                  <a:txBody>
-                    <a:bodyPr/>
-                    <a:lstStyle/>
-                    <a:p>
-                      <a:pPr algn="just">
-                        <a:lnSpc>
-                          <a:spcPct val="107000"/>
-                        </a:lnSpc>
-                        <a:spcAft>
-                          <a:spcPts val="800"/>
-                        </a:spcAft>
-                      </a:pPr>
-                      <a:r>
-                        <a:rPr lang="lt-LT" sz="1700">
-                          <a:effectLst/>
-                        </a:rPr>
-                        <a:t>0.88</a:t>
-                      </a:r>
-                      <a:endParaRPr lang="lt-LT" sz="1700">
-                        <a:effectLst/>
-                        <a:latin typeface="Calibri" panose="020F0502020204030204" pitchFamily="34" charset="0"/>
-                        <a:ea typeface="Calibri" panose="020F0502020204030204" pitchFamily="34" charset="0"/>
-                        <a:cs typeface="Times New Roman" panose="02020603050405020304" pitchFamily="18" charset="0"/>
-                      </a:endParaRPr>
-                    </a:p>
-                  </a:txBody>
-                  <a:tcPr marL="118066" marR="118066" marT="0" marB="0"/>
-                </a:tc>
-                <a:tc>
-                  <a:txBody>
-                    <a:bodyPr/>
-                    <a:lstStyle/>
-                    <a:p>
-                      <a:pPr algn="just">
-                        <a:lnSpc>
-                          <a:spcPct val="107000"/>
-                        </a:lnSpc>
-                        <a:spcAft>
-                          <a:spcPts val="800"/>
-                        </a:spcAft>
-                      </a:pPr>
-                      <a:r>
-                        <a:rPr lang="lt-LT" sz="1700">
-                          <a:effectLst/>
-                        </a:rPr>
-                        <a:t>0.7</a:t>
-                      </a:r>
-                      <a:endParaRPr lang="lt-LT" sz="1700">
-                        <a:effectLst/>
-                        <a:latin typeface="Calibri" panose="020F0502020204030204" pitchFamily="34" charset="0"/>
-                        <a:ea typeface="Calibri" panose="020F0502020204030204" pitchFamily="34" charset="0"/>
-                        <a:cs typeface="Times New Roman" panose="02020603050405020304" pitchFamily="18" charset="0"/>
-                      </a:endParaRPr>
-                    </a:p>
-                  </a:txBody>
-                  <a:tcPr marL="118066" marR="118066" marT="0" marB="0"/>
-                </a:tc>
-                <a:tc>
-                  <a:txBody>
-                    <a:bodyPr/>
-                    <a:lstStyle/>
-                    <a:p>
-                      <a:pPr algn="just">
-                        <a:lnSpc>
-                          <a:spcPct val="107000"/>
-                        </a:lnSpc>
-                        <a:spcAft>
-                          <a:spcPts val="800"/>
-                        </a:spcAft>
-                      </a:pPr>
-                      <a:r>
-                        <a:rPr lang="lt-LT" sz="1700">
-                          <a:effectLst/>
-                        </a:rPr>
-                        <a:t>0.78</a:t>
-                      </a:r>
-                      <a:endParaRPr lang="lt-LT" sz="1700">
-                        <a:effectLst/>
-                        <a:latin typeface="Calibri" panose="020F0502020204030204" pitchFamily="34" charset="0"/>
-                        <a:ea typeface="Calibri" panose="020F0502020204030204" pitchFamily="34" charset="0"/>
-                        <a:cs typeface="Times New Roman" panose="02020603050405020304" pitchFamily="18" charset="0"/>
-                      </a:endParaRPr>
-                    </a:p>
-                  </a:txBody>
-                  <a:tcPr marL="118066" marR="118066" marT="0" marB="0"/>
-                </a:tc>
-                <a:tc>
-                  <a:txBody>
-                    <a:bodyPr/>
-                    <a:lstStyle/>
-                    <a:p>
-                      <a:pPr algn="just">
-                        <a:lnSpc>
-                          <a:spcPct val="107000"/>
-                        </a:lnSpc>
-                        <a:spcAft>
-                          <a:spcPts val="800"/>
-                        </a:spcAft>
-                      </a:pPr>
-                      <a:r>
-                        <a:rPr lang="lt-LT" sz="1700">
-                          <a:effectLst/>
-                        </a:rPr>
-                        <a:t>0.83</a:t>
-                      </a:r>
-                      <a:endParaRPr lang="lt-LT" sz="1700">
-                        <a:effectLst/>
-                        <a:latin typeface="Calibri" panose="020F0502020204030204" pitchFamily="34" charset="0"/>
-                        <a:ea typeface="Calibri" panose="020F0502020204030204" pitchFamily="34" charset="0"/>
-                        <a:cs typeface="Times New Roman" panose="02020603050405020304" pitchFamily="18" charset="0"/>
-                      </a:endParaRPr>
-                    </a:p>
-                  </a:txBody>
-                  <a:tcPr marL="118066" marR="118066" marT="0" marB="0"/>
-                </a:tc>
-                <a:extLst>
-                  <a:ext uri="{0D108BD9-81ED-4DB2-BD59-A6C34878D82A}">
-                    <a16:rowId xmlns:a16="http://schemas.microsoft.com/office/drawing/2014/main" val="2435905497"/>
-                  </a:ext>
-                </a:extLst>
-              </a:tr>
-              <a:tr h="603994">
-                <a:tc>
-                  <a:txBody>
-                    <a:bodyPr/>
-                    <a:lstStyle/>
-                    <a:p>
-                      <a:pPr algn="just">
-                        <a:lnSpc>
-                          <a:spcPct val="107000"/>
-                        </a:lnSpc>
-                        <a:spcAft>
-                          <a:spcPts val="800"/>
-                        </a:spcAft>
-                      </a:pPr>
-                      <a:r>
-                        <a:rPr lang="lt-LT" sz="1700">
-                          <a:effectLst/>
-                        </a:rPr>
-                        <a:t>Atsitiktinis miškas</a:t>
-                      </a:r>
-                      <a:endParaRPr lang="lt-LT" sz="1700">
-                        <a:effectLst/>
-                        <a:latin typeface="Calibri" panose="020F0502020204030204" pitchFamily="34" charset="0"/>
-                        <a:ea typeface="Calibri" panose="020F0502020204030204" pitchFamily="34" charset="0"/>
-                        <a:cs typeface="Times New Roman" panose="02020603050405020304" pitchFamily="18" charset="0"/>
-                      </a:endParaRPr>
-                    </a:p>
-                  </a:txBody>
-                  <a:tcPr marL="118066" marR="118066" marT="0" marB="0"/>
-                </a:tc>
-                <a:tc>
-                  <a:txBody>
-                    <a:bodyPr/>
-                    <a:lstStyle/>
-                    <a:p>
-                      <a:pPr algn="just">
-                        <a:lnSpc>
-                          <a:spcPct val="107000"/>
-                        </a:lnSpc>
-                        <a:spcAft>
-                          <a:spcPts val="800"/>
-                        </a:spcAft>
-                      </a:pPr>
-                      <a:r>
-                        <a:rPr lang="lt-LT" sz="1700">
-                          <a:effectLst/>
-                        </a:rPr>
-                        <a:t>10-ieji</a:t>
-                      </a:r>
-                      <a:endParaRPr lang="lt-LT" sz="1700">
-                        <a:effectLst/>
-                        <a:latin typeface="Calibri" panose="020F0502020204030204" pitchFamily="34" charset="0"/>
-                        <a:ea typeface="Calibri" panose="020F0502020204030204" pitchFamily="34" charset="0"/>
-                        <a:cs typeface="Times New Roman" panose="02020603050405020304" pitchFamily="18" charset="0"/>
-                      </a:endParaRPr>
-                    </a:p>
-                  </a:txBody>
-                  <a:tcPr marL="118066" marR="118066" marT="0" marB="0"/>
-                </a:tc>
-                <a:tc>
-                  <a:txBody>
-                    <a:bodyPr/>
-                    <a:lstStyle/>
-                    <a:p>
-                      <a:pPr algn="just">
-                        <a:lnSpc>
-                          <a:spcPct val="107000"/>
-                        </a:lnSpc>
-                        <a:spcAft>
-                          <a:spcPts val="800"/>
-                        </a:spcAft>
-                      </a:pPr>
-                      <a:r>
-                        <a:rPr lang="lt-LT" sz="1700">
-                          <a:effectLst/>
-                        </a:rPr>
-                        <a:t>0.85</a:t>
-                      </a:r>
-                      <a:endParaRPr lang="lt-LT" sz="1700">
-                        <a:effectLst/>
-                        <a:latin typeface="Calibri" panose="020F0502020204030204" pitchFamily="34" charset="0"/>
-                        <a:ea typeface="Calibri" panose="020F0502020204030204" pitchFamily="34" charset="0"/>
-                        <a:cs typeface="Times New Roman" panose="02020603050405020304" pitchFamily="18" charset="0"/>
-                      </a:endParaRPr>
-                    </a:p>
-                  </a:txBody>
-                  <a:tcPr marL="118066" marR="118066" marT="0" marB="0"/>
-                </a:tc>
-                <a:tc>
-                  <a:txBody>
-                    <a:bodyPr/>
-                    <a:lstStyle/>
-                    <a:p>
-                      <a:pPr algn="just">
-                        <a:lnSpc>
-                          <a:spcPct val="107000"/>
-                        </a:lnSpc>
-                        <a:spcAft>
-                          <a:spcPts val="800"/>
-                        </a:spcAft>
-                      </a:pPr>
-                      <a:r>
-                        <a:rPr lang="lt-LT" sz="1700">
-                          <a:effectLst/>
-                        </a:rPr>
-                        <a:t>0.88</a:t>
-                      </a:r>
-                      <a:endParaRPr lang="lt-LT" sz="1700">
-                        <a:effectLst/>
-                        <a:latin typeface="Calibri" panose="020F0502020204030204" pitchFamily="34" charset="0"/>
-                        <a:ea typeface="Calibri" panose="020F0502020204030204" pitchFamily="34" charset="0"/>
-                        <a:cs typeface="Times New Roman" panose="02020603050405020304" pitchFamily="18" charset="0"/>
-                      </a:endParaRPr>
-                    </a:p>
-                  </a:txBody>
-                  <a:tcPr marL="118066" marR="118066" marT="0" marB="0"/>
-                </a:tc>
-                <a:tc>
-                  <a:txBody>
-                    <a:bodyPr/>
-                    <a:lstStyle/>
-                    <a:p>
-                      <a:pPr algn="just">
-                        <a:lnSpc>
-                          <a:spcPct val="107000"/>
-                        </a:lnSpc>
-                        <a:spcAft>
-                          <a:spcPts val="800"/>
-                        </a:spcAft>
-                      </a:pPr>
-                      <a:r>
-                        <a:rPr lang="lt-LT" sz="1700">
-                          <a:effectLst/>
-                        </a:rPr>
-                        <a:t>0.87</a:t>
-                      </a:r>
-                      <a:endParaRPr lang="lt-LT" sz="1700">
-                        <a:effectLst/>
-                        <a:latin typeface="Calibri" panose="020F0502020204030204" pitchFamily="34" charset="0"/>
-                        <a:ea typeface="Calibri" panose="020F0502020204030204" pitchFamily="34" charset="0"/>
-                        <a:cs typeface="Times New Roman" panose="02020603050405020304" pitchFamily="18" charset="0"/>
-                      </a:endParaRPr>
-                    </a:p>
-                  </a:txBody>
-                  <a:tcPr marL="118066" marR="118066" marT="0" marB="0"/>
-                </a:tc>
-                <a:tc>
-                  <a:txBody>
-                    <a:bodyPr/>
-                    <a:lstStyle/>
-                    <a:p>
-                      <a:pPr algn="just">
-                        <a:lnSpc>
-                          <a:spcPct val="107000"/>
-                        </a:lnSpc>
-                        <a:spcAft>
-                          <a:spcPts val="800"/>
-                        </a:spcAft>
-                      </a:pPr>
-                      <a:r>
-                        <a:rPr lang="lt-LT" sz="1700">
-                          <a:effectLst/>
-                        </a:rPr>
-                        <a:t>0.85</a:t>
-                      </a:r>
-                      <a:endParaRPr lang="lt-LT" sz="1700">
-                        <a:effectLst/>
-                        <a:latin typeface="Calibri" panose="020F0502020204030204" pitchFamily="34" charset="0"/>
-                        <a:ea typeface="Calibri" panose="020F0502020204030204" pitchFamily="34" charset="0"/>
-                        <a:cs typeface="Times New Roman" panose="02020603050405020304" pitchFamily="18" charset="0"/>
-                      </a:endParaRPr>
-                    </a:p>
-                  </a:txBody>
-                  <a:tcPr marL="118066" marR="118066" marT="0" marB="0"/>
-                </a:tc>
-                <a:extLst>
-                  <a:ext uri="{0D108BD9-81ED-4DB2-BD59-A6C34878D82A}">
-                    <a16:rowId xmlns:a16="http://schemas.microsoft.com/office/drawing/2014/main" val="909648708"/>
-                  </a:ext>
-                </a:extLst>
-              </a:tr>
-              <a:tr h="603994">
-                <a:tc>
-                  <a:txBody>
-                    <a:bodyPr/>
-                    <a:lstStyle/>
-                    <a:p>
-                      <a:pPr algn="just">
-                        <a:lnSpc>
-                          <a:spcPct val="107000"/>
-                        </a:lnSpc>
-                        <a:spcAft>
-                          <a:spcPts val="800"/>
-                        </a:spcAft>
-                      </a:pPr>
-                      <a:r>
-                        <a:rPr lang="lt-LT" sz="1700">
-                          <a:effectLst/>
-                        </a:rPr>
-                        <a:t>Atsitiktinis miškas</a:t>
-                      </a:r>
-                      <a:endParaRPr lang="lt-LT" sz="1700">
-                        <a:effectLst/>
-                        <a:latin typeface="Calibri" panose="020F0502020204030204" pitchFamily="34" charset="0"/>
-                        <a:ea typeface="Calibri" panose="020F0502020204030204" pitchFamily="34" charset="0"/>
-                        <a:cs typeface="Times New Roman" panose="02020603050405020304" pitchFamily="18" charset="0"/>
-                      </a:endParaRPr>
-                    </a:p>
-                  </a:txBody>
-                  <a:tcPr marL="118066" marR="118066" marT="0" marB="0"/>
-                </a:tc>
-                <a:tc>
-                  <a:txBody>
-                    <a:bodyPr/>
-                    <a:lstStyle/>
-                    <a:p>
-                      <a:pPr algn="just">
-                        <a:lnSpc>
-                          <a:spcPct val="107000"/>
-                        </a:lnSpc>
-                        <a:spcAft>
-                          <a:spcPts val="800"/>
-                        </a:spcAft>
-                      </a:pPr>
-                      <a:r>
-                        <a:rPr lang="lt-LT" sz="1700">
-                          <a:effectLst/>
-                        </a:rPr>
-                        <a:t>80-ieji</a:t>
-                      </a:r>
-                      <a:endParaRPr lang="lt-LT" sz="1700">
-                        <a:effectLst/>
-                        <a:latin typeface="Calibri" panose="020F0502020204030204" pitchFamily="34" charset="0"/>
-                        <a:ea typeface="Calibri" panose="020F0502020204030204" pitchFamily="34" charset="0"/>
-                        <a:cs typeface="Times New Roman" panose="02020603050405020304" pitchFamily="18" charset="0"/>
-                      </a:endParaRPr>
-                    </a:p>
-                  </a:txBody>
-                  <a:tcPr marL="118066" marR="118066" marT="0" marB="0"/>
-                </a:tc>
-                <a:tc>
-                  <a:txBody>
-                    <a:bodyPr/>
-                    <a:lstStyle/>
-                    <a:p>
-                      <a:pPr algn="just">
-                        <a:lnSpc>
-                          <a:spcPct val="107000"/>
-                        </a:lnSpc>
-                        <a:spcAft>
-                          <a:spcPts val="800"/>
-                        </a:spcAft>
-                      </a:pPr>
-                      <a:r>
-                        <a:rPr lang="lt-LT" sz="1700">
-                          <a:effectLst/>
-                        </a:rPr>
-                        <a:t>0.84</a:t>
-                      </a:r>
-                      <a:endParaRPr lang="lt-LT" sz="1700">
-                        <a:effectLst/>
-                        <a:latin typeface="Calibri" panose="020F0502020204030204" pitchFamily="34" charset="0"/>
-                        <a:ea typeface="Calibri" panose="020F0502020204030204" pitchFamily="34" charset="0"/>
-                        <a:cs typeface="Times New Roman" panose="02020603050405020304" pitchFamily="18" charset="0"/>
-                      </a:endParaRPr>
-                    </a:p>
-                  </a:txBody>
-                  <a:tcPr marL="118066" marR="118066" marT="0" marB="0"/>
-                </a:tc>
-                <a:tc>
-                  <a:txBody>
-                    <a:bodyPr/>
-                    <a:lstStyle/>
-                    <a:p>
-                      <a:pPr algn="just">
-                        <a:lnSpc>
-                          <a:spcPct val="107000"/>
-                        </a:lnSpc>
-                        <a:spcAft>
-                          <a:spcPts val="800"/>
-                        </a:spcAft>
-                      </a:pPr>
-                      <a:r>
-                        <a:rPr lang="lt-LT" sz="1700">
-                          <a:effectLst/>
-                        </a:rPr>
-                        <a:t>0.8</a:t>
-                      </a:r>
-                      <a:endParaRPr lang="lt-LT" sz="1700">
-                        <a:effectLst/>
-                        <a:latin typeface="Calibri" panose="020F0502020204030204" pitchFamily="34" charset="0"/>
-                        <a:ea typeface="Calibri" panose="020F0502020204030204" pitchFamily="34" charset="0"/>
-                        <a:cs typeface="Times New Roman" panose="02020603050405020304" pitchFamily="18" charset="0"/>
-                      </a:endParaRPr>
-                    </a:p>
-                  </a:txBody>
-                  <a:tcPr marL="118066" marR="118066" marT="0" marB="0"/>
-                </a:tc>
-                <a:tc>
-                  <a:txBody>
-                    <a:bodyPr/>
-                    <a:lstStyle/>
-                    <a:p>
-                      <a:pPr algn="just">
-                        <a:lnSpc>
-                          <a:spcPct val="107000"/>
-                        </a:lnSpc>
-                        <a:spcAft>
-                          <a:spcPts val="800"/>
-                        </a:spcAft>
-                      </a:pPr>
-                      <a:r>
-                        <a:rPr lang="lt-LT" sz="1700">
-                          <a:effectLst/>
-                        </a:rPr>
-                        <a:t>0.82</a:t>
-                      </a:r>
-                      <a:endParaRPr lang="lt-LT" sz="1700">
-                        <a:effectLst/>
-                        <a:latin typeface="Calibri" panose="020F0502020204030204" pitchFamily="34" charset="0"/>
-                        <a:ea typeface="Calibri" panose="020F0502020204030204" pitchFamily="34" charset="0"/>
-                        <a:cs typeface="Times New Roman" panose="02020603050405020304" pitchFamily="18" charset="0"/>
-                      </a:endParaRPr>
-                    </a:p>
-                  </a:txBody>
-                  <a:tcPr marL="118066" marR="118066" marT="0" marB="0"/>
-                </a:tc>
-                <a:tc>
-                  <a:txBody>
-                    <a:bodyPr/>
-                    <a:lstStyle/>
-                    <a:p>
-                      <a:pPr algn="just">
-                        <a:lnSpc>
-                          <a:spcPct val="107000"/>
-                        </a:lnSpc>
-                        <a:spcAft>
-                          <a:spcPts val="800"/>
-                        </a:spcAft>
-                      </a:pPr>
-                      <a:r>
-                        <a:rPr lang="lt-LT" sz="1700" dirty="0">
-                          <a:effectLst/>
-                        </a:rPr>
-                        <a:t>0.85</a:t>
-                      </a:r>
-                      <a:endParaRPr lang="lt-LT" sz="1700" dirty="0">
-                        <a:effectLst/>
-                        <a:latin typeface="Calibri" panose="020F0502020204030204" pitchFamily="34" charset="0"/>
-                        <a:ea typeface="Calibri" panose="020F0502020204030204" pitchFamily="34" charset="0"/>
-                        <a:cs typeface="Times New Roman" panose="02020603050405020304" pitchFamily="18" charset="0"/>
-                      </a:endParaRPr>
-                    </a:p>
-                  </a:txBody>
-                  <a:tcPr marL="118066" marR="118066" marT="0" marB="0"/>
-                </a:tc>
-                <a:extLst>
-                  <a:ext uri="{0D108BD9-81ED-4DB2-BD59-A6C34878D82A}">
-                    <a16:rowId xmlns:a16="http://schemas.microsoft.com/office/drawing/2014/main" val="774995966"/>
-                  </a:ext>
-                </a:extLst>
-              </a:tr>
-            </a:tbl>
-          </a:graphicData>
-        </a:graphic>
-      </p:graphicFrame>
       <p:sp>
         <p:nvSpPr>
           <p:cNvPr id="5" name="Title 1">
@@ -7023,6 +5014,1352 @@
           </a:p>
         </p:txBody>
       </p:sp>
+      <p:graphicFrame>
+        <p:nvGraphicFramePr>
+          <p:cNvPr id="6" name="Turinio vietos rezervavimo ženklas 5">
+            <a:extLst>
+              <a:ext uri="{FF2B5EF4-FFF2-40B4-BE49-F238E27FC236}">
+                <a16:creationId xmlns:a16="http://schemas.microsoft.com/office/drawing/2014/main" id="{38599562-F954-8172-74B5-941228E5382D}"/>
+              </a:ext>
+            </a:extLst>
+          </p:cNvPr>
+          <p:cNvGraphicFramePr>
+            <a:graphicFrameLocks noGrp="1"/>
+          </p:cNvGraphicFramePr>
+          <p:nvPr>
+            <p:ph idx="1"/>
+            <p:extLst>
+              <p:ext uri="{D42A27DB-BD31-4B8C-83A1-F6EECF244321}">
+                <p14:modId xmlns:p14="http://schemas.microsoft.com/office/powerpoint/2010/main" val="3200415606"/>
+              </p:ext>
+            </p:extLst>
+          </p:nvPr>
+        </p:nvGraphicFramePr>
+        <p:xfrm>
+          <a:off x="1726512" y="1899447"/>
+          <a:ext cx="8738975" cy="4044914"/>
+        </p:xfrm>
+        <a:graphic>
+          <a:graphicData uri="http://schemas.openxmlformats.org/drawingml/2006/table">
+            <a:tbl>
+              <a:tblPr firstRow="1" firstCol="1" bandRow="1">
+                <a:tableStyleId>{5940675A-B579-460E-94D1-54222C63F5DA}</a:tableStyleId>
+              </a:tblPr>
+              <a:tblGrid>
+                <a:gridCol w="2236766">
+                  <a:extLst>
+                    <a:ext uri="{9D8B030D-6E8A-4147-A177-3AD203B41FA5}">
+                      <a16:colId xmlns:a16="http://schemas.microsoft.com/office/drawing/2014/main" val="2701984941"/>
+                    </a:ext>
+                  </a:extLst>
+                </a:gridCol>
+                <a:gridCol w="1303790">
+                  <a:extLst>
+                    <a:ext uri="{9D8B030D-6E8A-4147-A177-3AD203B41FA5}">
+                      <a16:colId xmlns:a16="http://schemas.microsoft.com/office/drawing/2014/main" val="4142640865"/>
+                    </a:ext>
+                  </a:extLst>
+                </a:gridCol>
+                <a:gridCol w="1356576">
+                  <a:extLst>
+                    <a:ext uri="{9D8B030D-6E8A-4147-A177-3AD203B41FA5}">
+                      <a16:colId xmlns:a16="http://schemas.microsoft.com/office/drawing/2014/main" val="2510172085"/>
+                    </a:ext>
+                  </a:extLst>
+                </a:gridCol>
+                <a:gridCol w="1269480">
+                  <a:extLst>
+                    <a:ext uri="{9D8B030D-6E8A-4147-A177-3AD203B41FA5}">
+                      <a16:colId xmlns:a16="http://schemas.microsoft.com/office/drawing/2014/main" val="4195679881"/>
+                    </a:ext>
+                  </a:extLst>
+                </a:gridCol>
+                <a:gridCol w="1002916">
+                  <a:extLst>
+                    <a:ext uri="{9D8B030D-6E8A-4147-A177-3AD203B41FA5}">
+                      <a16:colId xmlns:a16="http://schemas.microsoft.com/office/drawing/2014/main" val="2610088355"/>
+                    </a:ext>
+                  </a:extLst>
+                </a:gridCol>
+                <a:gridCol w="1569447">
+                  <a:extLst>
+                    <a:ext uri="{9D8B030D-6E8A-4147-A177-3AD203B41FA5}">
+                      <a16:colId xmlns:a16="http://schemas.microsoft.com/office/drawing/2014/main" val="2985278158"/>
+                    </a:ext>
+                  </a:extLst>
+                </a:gridCol>
+              </a:tblGrid>
+              <a:tr h="676704">
+                <a:tc>
+                  <a:txBody>
+                    <a:bodyPr/>
+                    <a:lstStyle/>
+                    <a:p>
+                      <a:pPr algn="just">
+                        <a:lnSpc>
+                          <a:spcPct val="107000"/>
+                        </a:lnSpc>
+                        <a:spcAft>
+                          <a:spcPts val="800"/>
+                        </a:spcAft>
+                      </a:pPr>
+                      <a:r>
+                        <a:rPr lang="lt-LT" sz="2100">
+                          <a:effectLst/>
+                        </a:rPr>
+                        <a:t>Modelis</a:t>
+                      </a:r>
+                      <a:endParaRPr lang="lt-LT" sz="2100">
+                        <a:effectLst/>
+                        <a:latin typeface="Calibri" panose="020F0502020204030204" pitchFamily="34" charset="0"/>
+                        <a:ea typeface="Calibri" panose="020F0502020204030204" pitchFamily="34" charset="0"/>
+                        <a:cs typeface="Times New Roman" panose="02020603050405020304" pitchFamily="18" charset="0"/>
+                      </a:endParaRPr>
+                    </a:p>
+                  </a:txBody>
+                  <a:tcPr marL="132279" marR="132279" marT="0" marB="0"/>
+                </a:tc>
+                <a:tc>
+                  <a:txBody>
+                    <a:bodyPr/>
+                    <a:lstStyle/>
+                    <a:p>
+                      <a:pPr algn="just">
+                        <a:lnSpc>
+                          <a:spcPct val="107000"/>
+                        </a:lnSpc>
+                        <a:spcAft>
+                          <a:spcPts val="800"/>
+                        </a:spcAft>
+                      </a:pPr>
+                      <a:r>
+                        <a:rPr lang="lt-LT" sz="2100">
+                          <a:effectLst/>
+                        </a:rPr>
+                        <a:t>Klasė</a:t>
+                      </a:r>
+                      <a:endParaRPr lang="lt-LT" sz="2100">
+                        <a:effectLst/>
+                        <a:latin typeface="Calibri" panose="020F0502020204030204" pitchFamily="34" charset="0"/>
+                        <a:ea typeface="Calibri" panose="020F0502020204030204" pitchFamily="34" charset="0"/>
+                        <a:cs typeface="Times New Roman" panose="02020603050405020304" pitchFamily="18" charset="0"/>
+                      </a:endParaRPr>
+                    </a:p>
+                  </a:txBody>
+                  <a:tcPr marL="132279" marR="132279" marT="0" marB="0"/>
+                </a:tc>
+                <a:tc>
+                  <a:txBody>
+                    <a:bodyPr/>
+                    <a:lstStyle/>
+                    <a:p>
+                      <a:pPr algn="just">
+                        <a:lnSpc>
+                          <a:spcPct val="107000"/>
+                        </a:lnSpc>
+                        <a:spcAft>
+                          <a:spcPts val="800"/>
+                        </a:spcAft>
+                      </a:pPr>
+                      <a:r>
+                        <a:rPr lang="lt-LT" sz="2100">
+                          <a:effectLst/>
+                        </a:rPr>
+                        <a:t>Precision</a:t>
+                      </a:r>
+                      <a:endParaRPr lang="lt-LT" sz="2100">
+                        <a:effectLst/>
+                        <a:latin typeface="Calibri" panose="020F0502020204030204" pitchFamily="34" charset="0"/>
+                        <a:ea typeface="Calibri" panose="020F0502020204030204" pitchFamily="34" charset="0"/>
+                        <a:cs typeface="Times New Roman" panose="02020603050405020304" pitchFamily="18" charset="0"/>
+                      </a:endParaRPr>
+                    </a:p>
+                  </a:txBody>
+                  <a:tcPr marL="132279" marR="132279" marT="0" marB="0"/>
+                </a:tc>
+                <a:tc>
+                  <a:txBody>
+                    <a:bodyPr/>
+                    <a:lstStyle/>
+                    <a:p>
+                      <a:pPr algn="just">
+                        <a:lnSpc>
+                          <a:spcPct val="107000"/>
+                        </a:lnSpc>
+                        <a:spcAft>
+                          <a:spcPts val="800"/>
+                        </a:spcAft>
+                      </a:pPr>
+                      <a:r>
+                        <a:rPr lang="lt-LT" sz="2100">
+                          <a:effectLst/>
+                        </a:rPr>
+                        <a:t>Recall</a:t>
+                      </a:r>
+                      <a:endParaRPr lang="lt-LT" sz="2100">
+                        <a:effectLst/>
+                        <a:latin typeface="Calibri" panose="020F0502020204030204" pitchFamily="34" charset="0"/>
+                        <a:ea typeface="Calibri" panose="020F0502020204030204" pitchFamily="34" charset="0"/>
+                        <a:cs typeface="Times New Roman" panose="02020603050405020304" pitchFamily="18" charset="0"/>
+                      </a:endParaRPr>
+                    </a:p>
+                  </a:txBody>
+                  <a:tcPr marL="132279" marR="132279" marT="0" marB="0"/>
+                </a:tc>
+                <a:tc>
+                  <a:txBody>
+                    <a:bodyPr/>
+                    <a:lstStyle/>
+                    <a:p>
+                      <a:pPr algn="just">
+                        <a:lnSpc>
+                          <a:spcPct val="107000"/>
+                        </a:lnSpc>
+                        <a:spcAft>
+                          <a:spcPts val="800"/>
+                        </a:spcAft>
+                      </a:pPr>
+                      <a:r>
+                        <a:rPr lang="lt-LT" sz="2100">
+                          <a:effectLst/>
+                        </a:rPr>
+                        <a:t>F1-Score</a:t>
+                      </a:r>
+                      <a:endParaRPr lang="lt-LT" sz="2100">
+                        <a:effectLst/>
+                        <a:latin typeface="Calibri" panose="020F0502020204030204" pitchFamily="34" charset="0"/>
+                        <a:ea typeface="Calibri" panose="020F0502020204030204" pitchFamily="34" charset="0"/>
+                        <a:cs typeface="Times New Roman" panose="02020603050405020304" pitchFamily="18" charset="0"/>
+                      </a:endParaRPr>
+                    </a:p>
+                  </a:txBody>
+                  <a:tcPr marL="132279" marR="132279" marT="0" marB="0"/>
+                </a:tc>
+                <a:tc>
+                  <a:txBody>
+                    <a:bodyPr/>
+                    <a:lstStyle/>
+                    <a:p>
+                      <a:pPr algn="just">
+                        <a:lnSpc>
+                          <a:spcPct val="107000"/>
+                        </a:lnSpc>
+                        <a:spcAft>
+                          <a:spcPts val="800"/>
+                        </a:spcAft>
+                      </a:pPr>
+                      <a:r>
+                        <a:rPr lang="lt-LT" sz="2100">
+                          <a:effectLst/>
+                        </a:rPr>
+                        <a:t>Accuracy</a:t>
+                      </a:r>
+                      <a:endParaRPr lang="lt-LT" sz="2100">
+                        <a:effectLst/>
+                        <a:latin typeface="Calibri" panose="020F0502020204030204" pitchFamily="34" charset="0"/>
+                        <a:ea typeface="Calibri" panose="020F0502020204030204" pitchFamily="34" charset="0"/>
+                        <a:cs typeface="Times New Roman" panose="02020603050405020304" pitchFamily="18" charset="0"/>
+                      </a:endParaRPr>
+                    </a:p>
+                  </a:txBody>
+                  <a:tcPr marL="132279" marR="132279" marT="0" marB="0"/>
+                </a:tc>
+                <a:extLst>
+                  <a:ext uri="{0D108BD9-81ED-4DB2-BD59-A6C34878D82A}">
+                    <a16:rowId xmlns:a16="http://schemas.microsoft.com/office/drawing/2014/main" val="1149363935"/>
+                  </a:ext>
+                </a:extLst>
+              </a:tr>
+              <a:tr h="330697">
+                <a:tc>
+                  <a:txBody>
+                    <a:bodyPr/>
+                    <a:lstStyle/>
+                    <a:p>
+                      <a:pPr algn="just">
+                        <a:lnSpc>
+                          <a:spcPct val="107000"/>
+                        </a:lnSpc>
+                        <a:spcAft>
+                          <a:spcPts val="800"/>
+                        </a:spcAft>
+                      </a:pPr>
+                      <a:r>
+                        <a:rPr lang="lt-LT" sz="2100">
+                          <a:effectLst/>
+                        </a:rPr>
+                        <a:t>Naivus Bajeso</a:t>
+                      </a:r>
+                      <a:endParaRPr lang="lt-LT" sz="2100">
+                        <a:effectLst/>
+                        <a:latin typeface="Calibri" panose="020F0502020204030204" pitchFamily="34" charset="0"/>
+                        <a:ea typeface="Calibri" panose="020F0502020204030204" pitchFamily="34" charset="0"/>
+                        <a:cs typeface="Times New Roman" panose="02020603050405020304" pitchFamily="18" charset="0"/>
+                      </a:endParaRPr>
+                    </a:p>
+                  </a:txBody>
+                  <a:tcPr marL="132279" marR="132279" marT="0" marB="0"/>
+                </a:tc>
+                <a:tc>
+                  <a:txBody>
+                    <a:bodyPr/>
+                    <a:lstStyle/>
+                    <a:p>
+                      <a:pPr algn="just">
+                        <a:lnSpc>
+                          <a:spcPct val="107000"/>
+                        </a:lnSpc>
+                        <a:spcAft>
+                          <a:spcPts val="800"/>
+                        </a:spcAft>
+                      </a:pPr>
+                      <a:r>
+                        <a:rPr lang="lt-LT" sz="2100">
+                          <a:effectLst/>
+                        </a:rPr>
+                        <a:t>10-ieji</a:t>
+                      </a:r>
+                      <a:endParaRPr lang="lt-LT" sz="2100">
+                        <a:effectLst/>
+                        <a:latin typeface="Calibri" panose="020F0502020204030204" pitchFamily="34" charset="0"/>
+                        <a:ea typeface="Calibri" panose="020F0502020204030204" pitchFamily="34" charset="0"/>
+                        <a:cs typeface="Times New Roman" panose="02020603050405020304" pitchFamily="18" charset="0"/>
+                      </a:endParaRPr>
+                    </a:p>
+                  </a:txBody>
+                  <a:tcPr marL="132279" marR="132279" marT="0" marB="0"/>
+                </a:tc>
+                <a:tc>
+                  <a:txBody>
+                    <a:bodyPr/>
+                    <a:lstStyle/>
+                    <a:p>
+                      <a:pPr algn="just">
+                        <a:lnSpc>
+                          <a:spcPct val="107000"/>
+                        </a:lnSpc>
+                        <a:spcAft>
+                          <a:spcPts val="800"/>
+                        </a:spcAft>
+                      </a:pPr>
+                      <a:r>
+                        <a:rPr lang="lt-LT" sz="2100">
+                          <a:effectLst/>
+                        </a:rPr>
+                        <a:t>0.86</a:t>
+                      </a:r>
+                      <a:endParaRPr lang="lt-LT" sz="2100">
+                        <a:effectLst/>
+                        <a:latin typeface="Calibri" panose="020F0502020204030204" pitchFamily="34" charset="0"/>
+                        <a:ea typeface="Calibri" panose="020F0502020204030204" pitchFamily="34" charset="0"/>
+                        <a:cs typeface="Times New Roman" panose="02020603050405020304" pitchFamily="18" charset="0"/>
+                      </a:endParaRPr>
+                    </a:p>
+                  </a:txBody>
+                  <a:tcPr marL="132279" marR="132279" marT="0" marB="0"/>
+                </a:tc>
+                <a:tc>
+                  <a:txBody>
+                    <a:bodyPr/>
+                    <a:lstStyle/>
+                    <a:p>
+                      <a:pPr algn="just">
+                        <a:lnSpc>
+                          <a:spcPct val="107000"/>
+                        </a:lnSpc>
+                        <a:spcAft>
+                          <a:spcPts val="800"/>
+                        </a:spcAft>
+                      </a:pPr>
+                      <a:r>
+                        <a:rPr lang="lt-LT" sz="2100">
+                          <a:effectLst/>
+                        </a:rPr>
+                        <a:t>0.96</a:t>
+                      </a:r>
+                      <a:endParaRPr lang="lt-LT" sz="2100">
+                        <a:effectLst/>
+                        <a:latin typeface="Calibri" panose="020F0502020204030204" pitchFamily="34" charset="0"/>
+                        <a:ea typeface="Calibri" panose="020F0502020204030204" pitchFamily="34" charset="0"/>
+                        <a:cs typeface="Times New Roman" panose="02020603050405020304" pitchFamily="18" charset="0"/>
+                      </a:endParaRPr>
+                    </a:p>
+                  </a:txBody>
+                  <a:tcPr marL="132279" marR="132279" marT="0" marB="0"/>
+                </a:tc>
+                <a:tc>
+                  <a:txBody>
+                    <a:bodyPr/>
+                    <a:lstStyle/>
+                    <a:p>
+                      <a:pPr algn="just">
+                        <a:lnSpc>
+                          <a:spcPct val="107000"/>
+                        </a:lnSpc>
+                        <a:spcAft>
+                          <a:spcPts val="800"/>
+                        </a:spcAft>
+                      </a:pPr>
+                      <a:r>
+                        <a:rPr lang="lt-LT" sz="2100">
+                          <a:effectLst/>
+                        </a:rPr>
+                        <a:t>0.90</a:t>
+                      </a:r>
+                      <a:endParaRPr lang="lt-LT" sz="2100">
+                        <a:effectLst/>
+                        <a:latin typeface="Calibri" panose="020F0502020204030204" pitchFamily="34" charset="0"/>
+                        <a:ea typeface="Calibri" panose="020F0502020204030204" pitchFamily="34" charset="0"/>
+                        <a:cs typeface="Times New Roman" panose="02020603050405020304" pitchFamily="18" charset="0"/>
+                      </a:endParaRPr>
+                    </a:p>
+                  </a:txBody>
+                  <a:tcPr marL="132279" marR="132279" marT="0" marB="0"/>
+                </a:tc>
+                <a:tc>
+                  <a:txBody>
+                    <a:bodyPr/>
+                    <a:lstStyle/>
+                    <a:p>
+                      <a:pPr algn="just">
+                        <a:lnSpc>
+                          <a:spcPct val="107000"/>
+                        </a:lnSpc>
+                        <a:spcAft>
+                          <a:spcPts val="800"/>
+                        </a:spcAft>
+                      </a:pPr>
+                      <a:r>
+                        <a:rPr lang="lt-LT" sz="2100">
+                          <a:effectLst/>
+                        </a:rPr>
+                        <a:t>0.89</a:t>
+                      </a:r>
+                      <a:endParaRPr lang="lt-LT" sz="2100">
+                        <a:effectLst/>
+                        <a:latin typeface="Calibri" panose="020F0502020204030204" pitchFamily="34" charset="0"/>
+                        <a:ea typeface="Calibri" panose="020F0502020204030204" pitchFamily="34" charset="0"/>
+                        <a:cs typeface="Times New Roman" panose="02020603050405020304" pitchFamily="18" charset="0"/>
+                      </a:endParaRPr>
+                    </a:p>
+                  </a:txBody>
+                  <a:tcPr marL="132279" marR="132279" marT="0" marB="0"/>
+                </a:tc>
+                <a:extLst>
+                  <a:ext uri="{0D108BD9-81ED-4DB2-BD59-A6C34878D82A}">
+                    <a16:rowId xmlns:a16="http://schemas.microsoft.com/office/drawing/2014/main" val="1635857648"/>
+                  </a:ext>
+                </a:extLst>
+              </a:tr>
+              <a:tr h="330697">
+                <a:tc>
+                  <a:txBody>
+                    <a:bodyPr/>
+                    <a:lstStyle/>
+                    <a:p>
+                      <a:pPr algn="just">
+                        <a:lnSpc>
+                          <a:spcPct val="107000"/>
+                        </a:lnSpc>
+                        <a:spcAft>
+                          <a:spcPts val="800"/>
+                        </a:spcAft>
+                      </a:pPr>
+                      <a:r>
+                        <a:rPr lang="lt-LT" sz="2100">
+                          <a:effectLst/>
+                        </a:rPr>
+                        <a:t>Naivus Bajeso</a:t>
+                      </a:r>
+                      <a:endParaRPr lang="lt-LT" sz="2100">
+                        <a:effectLst/>
+                        <a:latin typeface="Calibri" panose="020F0502020204030204" pitchFamily="34" charset="0"/>
+                        <a:ea typeface="Calibri" panose="020F0502020204030204" pitchFamily="34" charset="0"/>
+                        <a:cs typeface="Times New Roman" panose="02020603050405020304" pitchFamily="18" charset="0"/>
+                      </a:endParaRPr>
+                    </a:p>
+                  </a:txBody>
+                  <a:tcPr marL="132279" marR="132279" marT="0" marB="0"/>
+                </a:tc>
+                <a:tc>
+                  <a:txBody>
+                    <a:bodyPr/>
+                    <a:lstStyle/>
+                    <a:p>
+                      <a:pPr algn="just">
+                        <a:lnSpc>
+                          <a:spcPct val="107000"/>
+                        </a:lnSpc>
+                        <a:spcAft>
+                          <a:spcPts val="800"/>
+                        </a:spcAft>
+                      </a:pPr>
+                      <a:r>
+                        <a:rPr lang="lt-LT" sz="2100">
+                          <a:effectLst/>
+                        </a:rPr>
+                        <a:t>80-ieji</a:t>
+                      </a:r>
+                      <a:endParaRPr lang="lt-LT" sz="2100">
+                        <a:effectLst/>
+                        <a:latin typeface="Calibri" panose="020F0502020204030204" pitchFamily="34" charset="0"/>
+                        <a:ea typeface="Calibri" panose="020F0502020204030204" pitchFamily="34" charset="0"/>
+                        <a:cs typeface="Times New Roman" panose="02020603050405020304" pitchFamily="18" charset="0"/>
+                      </a:endParaRPr>
+                    </a:p>
+                  </a:txBody>
+                  <a:tcPr marL="132279" marR="132279" marT="0" marB="0"/>
+                </a:tc>
+                <a:tc>
+                  <a:txBody>
+                    <a:bodyPr/>
+                    <a:lstStyle/>
+                    <a:p>
+                      <a:pPr algn="just">
+                        <a:lnSpc>
+                          <a:spcPct val="107000"/>
+                        </a:lnSpc>
+                        <a:spcAft>
+                          <a:spcPts val="800"/>
+                        </a:spcAft>
+                      </a:pPr>
+                      <a:r>
+                        <a:rPr lang="lt-LT" sz="2100">
+                          <a:effectLst/>
+                        </a:rPr>
+                        <a:t>0.94</a:t>
+                      </a:r>
+                      <a:endParaRPr lang="lt-LT" sz="2100">
+                        <a:effectLst/>
+                        <a:latin typeface="Calibri" panose="020F0502020204030204" pitchFamily="34" charset="0"/>
+                        <a:ea typeface="Calibri" panose="020F0502020204030204" pitchFamily="34" charset="0"/>
+                        <a:cs typeface="Times New Roman" panose="02020603050405020304" pitchFamily="18" charset="0"/>
+                      </a:endParaRPr>
+                    </a:p>
+                  </a:txBody>
+                  <a:tcPr marL="132279" marR="132279" marT="0" marB="0"/>
+                </a:tc>
+                <a:tc>
+                  <a:txBody>
+                    <a:bodyPr/>
+                    <a:lstStyle/>
+                    <a:p>
+                      <a:pPr algn="just">
+                        <a:lnSpc>
+                          <a:spcPct val="107000"/>
+                        </a:lnSpc>
+                        <a:spcAft>
+                          <a:spcPts val="800"/>
+                        </a:spcAft>
+                      </a:pPr>
+                      <a:r>
+                        <a:rPr lang="lt-LT" sz="2100">
+                          <a:effectLst/>
+                        </a:rPr>
+                        <a:t>0.80</a:t>
+                      </a:r>
+                      <a:endParaRPr lang="lt-LT" sz="2100">
+                        <a:effectLst/>
+                        <a:latin typeface="Calibri" panose="020F0502020204030204" pitchFamily="34" charset="0"/>
+                        <a:ea typeface="Calibri" panose="020F0502020204030204" pitchFamily="34" charset="0"/>
+                        <a:cs typeface="Times New Roman" panose="02020603050405020304" pitchFamily="18" charset="0"/>
+                      </a:endParaRPr>
+                    </a:p>
+                  </a:txBody>
+                  <a:tcPr marL="132279" marR="132279" marT="0" marB="0"/>
+                </a:tc>
+                <a:tc>
+                  <a:txBody>
+                    <a:bodyPr/>
+                    <a:lstStyle/>
+                    <a:p>
+                      <a:pPr algn="just">
+                        <a:lnSpc>
+                          <a:spcPct val="107000"/>
+                        </a:lnSpc>
+                        <a:spcAft>
+                          <a:spcPts val="800"/>
+                        </a:spcAft>
+                      </a:pPr>
+                      <a:r>
+                        <a:rPr lang="lt-LT" sz="2100">
+                          <a:effectLst/>
+                        </a:rPr>
+                        <a:t>0.86</a:t>
+                      </a:r>
+                      <a:endParaRPr lang="lt-LT" sz="2100">
+                        <a:effectLst/>
+                        <a:latin typeface="Calibri" panose="020F0502020204030204" pitchFamily="34" charset="0"/>
+                        <a:ea typeface="Calibri" panose="020F0502020204030204" pitchFamily="34" charset="0"/>
+                        <a:cs typeface="Times New Roman" panose="02020603050405020304" pitchFamily="18" charset="0"/>
+                      </a:endParaRPr>
+                    </a:p>
+                  </a:txBody>
+                  <a:tcPr marL="132279" marR="132279" marT="0" marB="0"/>
+                </a:tc>
+                <a:tc>
+                  <a:txBody>
+                    <a:bodyPr/>
+                    <a:lstStyle/>
+                    <a:p>
+                      <a:pPr algn="just">
+                        <a:lnSpc>
+                          <a:spcPct val="107000"/>
+                        </a:lnSpc>
+                        <a:spcAft>
+                          <a:spcPts val="800"/>
+                        </a:spcAft>
+                      </a:pPr>
+                      <a:r>
+                        <a:rPr lang="lt-LT" sz="2100">
+                          <a:effectLst/>
+                        </a:rPr>
+                        <a:t>0.89</a:t>
+                      </a:r>
+                      <a:endParaRPr lang="lt-LT" sz="2100">
+                        <a:effectLst/>
+                        <a:latin typeface="Calibri" panose="020F0502020204030204" pitchFamily="34" charset="0"/>
+                        <a:ea typeface="Calibri" panose="020F0502020204030204" pitchFamily="34" charset="0"/>
+                        <a:cs typeface="Times New Roman" panose="02020603050405020304" pitchFamily="18" charset="0"/>
+                      </a:endParaRPr>
+                    </a:p>
+                  </a:txBody>
+                  <a:tcPr marL="132279" marR="132279" marT="0" marB="0"/>
+                </a:tc>
+                <a:extLst>
+                  <a:ext uri="{0D108BD9-81ED-4DB2-BD59-A6C34878D82A}">
+                    <a16:rowId xmlns:a16="http://schemas.microsoft.com/office/drawing/2014/main" val="2435708588"/>
+                  </a:ext>
+                </a:extLst>
+              </a:tr>
+              <a:tr h="676704">
+                <a:tc>
+                  <a:txBody>
+                    <a:bodyPr/>
+                    <a:lstStyle/>
+                    <a:p>
+                      <a:pPr algn="just">
+                        <a:lnSpc>
+                          <a:spcPct val="107000"/>
+                        </a:lnSpc>
+                        <a:spcAft>
+                          <a:spcPts val="800"/>
+                        </a:spcAft>
+                      </a:pPr>
+                      <a:r>
+                        <a:rPr lang="lt-LT" sz="2100" dirty="0">
+                          <a:effectLst/>
+                        </a:rPr>
+                        <a:t>Sprendimų medis</a:t>
+                      </a:r>
+                      <a:endParaRPr lang="lt-LT" sz="2100" dirty="0">
+                        <a:effectLst/>
+                        <a:latin typeface="Calibri" panose="020F0502020204030204" pitchFamily="34" charset="0"/>
+                        <a:ea typeface="Calibri" panose="020F0502020204030204" pitchFamily="34" charset="0"/>
+                        <a:cs typeface="Times New Roman" panose="02020603050405020304" pitchFamily="18" charset="0"/>
+                      </a:endParaRPr>
+                    </a:p>
+                  </a:txBody>
+                  <a:tcPr marL="132279" marR="132279" marT="0" marB="0"/>
+                </a:tc>
+                <a:tc>
+                  <a:txBody>
+                    <a:bodyPr/>
+                    <a:lstStyle/>
+                    <a:p>
+                      <a:pPr algn="just">
+                        <a:lnSpc>
+                          <a:spcPct val="107000"/>
+                        </a:lnSpc>
+                        <a:spcAft>
+                          <a:spcPts val="800"/>
+                        </a:spcAft>
+                      </a:pPr>
+                      <a:r>
+                        <a:rPr lang="lt-LT" sz="2100">
+                          <a:effectLst/>
+                        </a:rPr>
+                        <a:t>10-ieji</a:t>
+                      </a:r>
+                      <a:endParaRPr lang="lt-LT" sz="2100">
+                        <a:effectLst/>
+                        <a:latin typeface="Calibri" panose="020F0502020204030204" pitchFamily="34" charset="0"/>
+                        <a:ea typeface="Calibri" panose="020F0502020204030204" pitchFamily="34" charset="0"/>
+                        <a:cs typeface="Times New Roman" panose="02020603050405020304" pitchFamily="18" charset="0"/>
+                      </a:endParaRPr>
+                    </a:p>
+                  </a:txBody>
+                  <a:tcPr marL="132279" marR="132279" marT="0" marB="0"/>
+                </a:tc>
+                <a:tc>
+                  <a:txBody>
+                    <a:bodyPr/>
+                    <a:lstStyle/>
+                    <a:p>
+                      <a:pPr algn="just">
+                        <a:lnSpc>
+                          <a:spcPct val="107000"/>
+                        </a:lnSpc>
+                        <a:spcAft>
+                          <a:spcPts val="800"/>
+                        </a:spcAft>
+                      </a:pPr>
+                      <a:r>
+                        <a:rPr lang="lt-LT" sz="2100">
+                          <a:effectLst/>
+                        </a:rPr>
+                        <a:t>0.88</a:t>
+                      </a:r>
+                      <a:endParaRPr lang="lt-LT" sz="2100">
+                        <a:effectLst/>
+                        <a:latin typeface="Calibri" panose="020F0502020204030204" pitchFamily="34" charset="0"/>
+                        <a:ea typeface="Calibri" panose="020F0502020204030204" pitchFamily="34" charset="0"/>
+                        <a:cs typeface="Times New Roman" panose="02020603050405020304" pitchFamily="18" charset="0"/>
+                      </a:endParaRPr>
+                    </a:p>
+                  </a:txBody>
+                  <a:tcPr marL="132279" marR="132279" marT="0" marB="0"/>
+                </a:tc>
+                <a:tc>
+                  <a:txBody>
+                    <a:bodyPr/>
+                    <a:lstStyle/>
+                    <a:p>
+                      <a:pPr algn="just">
+                        <a:lnSpc>
+                          <a:spcPct val="107000"/>
+                        </a:lnSpc>
+                        <a:spcAft>
+                          <a:spcPts val="800"/>
+                        </a:spcAft>
+                      </a:pPr>
+                      <a:r>
+                        <a:rPr lang="lt-LT" sz="2100">
+                          <a:effectLst/>
+                        </a:rPr>
+                        <a:t>0.85</a:t>
+                      </a:r>
+                      <a:endParaRPr lang="lt-LT" sz="2100">
+                        <a:effectLst/>
+                        <a:latin typeface="Calibri" panose="020F0502020204030204" pitchFamily="34" charset="0"/>
+                        <a:ea typeface="Calibri" panose="020F0502020204030204" pitchFamily="34" charset="0"/>
+                        <a:cs typeface="Times New Roman" panose="02020603050405020304" pitchFamily="18" charset="0"/>
+                      </a:endParaRPr>
+                    </a:p>
+                  </a:txBody>
+                  <a:tcPr marL="132279" marR="132279" marT="0" marB="0"/>
+                </a:tc>
+                <a:tc>
+                  <a:txBody>
+                    <a:bodyPr/>
+                    <a:lstStyle/>
+                    <a:p>
+                      <a:pPr algn="just">
+                        <a:lnSpc>
+                          <a:spcPct val="107000"/>
+                        </a:lnSpc>
+                        <a:spcAft>
+                          <a:spcPts val="800"/>
+                        </a:spcAft>
+                      </a:pPr>
+                      <a:r>
+                        <a:rPr lang="lt-LT" sz="2100">
+                          <a:effectLst/>
+                        </a:rPr>
+                        <a:t>0.83</a:t>
+                      </a:r>
+                      <a:endParaRPr lang="lt-LT" sz="2100">
+                        <a:effectLst/>
+                        <a:latin typeface="Calibri" panose="020F0502020204030204" pitchFamily="34" charset="0"/>
+                        <a:ea typeface="Calibri" panose="020F0502020204030204" pitchFamily="34" charset="0"/>
+                        <a:cs typeface="Times New Roman" panose="02020603050405020304" pitchFamily="18" charset="0"/>
+                      </a:endParaRPr>
+                    </a:p>
+                  </a:txBody>
+                  <a:tcPr marL="132279" marR="132279" marT="0" marB="0"/>
+                </a:tc>
+                <a:tc>
+                  <a:txBody>
+                    <a:bodyPr/>
+                    <a:lstStyle/>
+                    <a:p>
+                      <a:pPr algn="just">
+                        <a:lnSpc>
+                          <a:spcPct val="107000"/>
+                        </a:lnSpc>
+                        <a:spcAft>
+                          <a:spcPts val="800"/>
+                        </a:spcAft>
+                      </a:pPr>
+                      <a:r>
+                        <a:rPr lang="lt-LT" sz="2100">
+                          <a:effectLst/>
+                        </a:rPr>
+                        <a:t>0.85</a:t>
+                      </a:r>
+                      <a:endParaRPr lang="lt-LT" sz="2100">
+                        <a:effectLst/>
+                        <a:latin typeface="Calibri" panose="020F0502020204030204" pitchFamily="34" charset="0"/>
+                        <a:ea typeface="Calibri" panose="020F0502020204030204" pitchFamily="34" charset="0"/>
+                        <a:cs typeface="Times New Roman" panose="02020603050405020304" pitchFamily="18" charset="0"/>
+                      </a:endParaRPr>
+                    </a:p>
+                  </a:txBody>
+                  <a:tcPr marL="132279" marR="132279" marT="0" marB="0"/>
+                </a:tc>
+                <a:extLst>
+                  <a:ext uri="{0D108BD9-81ED-4DB2-BD59-A6C34878D82A}">
+                    <a16:rowId xmlns:a16="http://schemas.microsoft.com/office/drawing/2014/main" val="1212944215"/>
+                  </a:ext>
+                </a:extLst>
+              </a:tr>
+              <a:tr h="676704">
+                <a:tc>
+                  <a:txBody>
+                    <a:bodyPr/>
+                    <a:lstStyle/>
+                    <a:p>
+                      <a:pPr algn="just">
+                        <a:lnSpc>
+                          <a:spcPct val="107000"/>
+                        </a:lnSpc>
+                        <a:spcAft>
+                          <a:spcPts val="800"/>
+                        </a:spcAft>
+                      </a:pPr>
+                      <a:r>
+                        <a:rPr lang="lt-LT" sz="2100">
+                          <a:effectLst/>
+                        </a:rPr>
+                        <a:t>Sprendimų medis</a:t>
+                      </a:r>
+                      <a:endParaRPr lang="lt-LT" sz="2100">
+                        <a:effectLst/>
+                        <a:latin typeface="Calibri" panose="020F0502020204030204" pitchFamily="34" charset="0"/>
+                        <a:ea typeface="Calibri" panose="020F0502020204030204" pitchFamily="34" charset="0"/>
+                        <a:cs typeface="Times New Roman" panose="02020603050405020304" pitchFamily="18" charset="0"/>
+                      </a:endParaRPr>
+                    </a:p>
+                  </a:txBody>
+                  <a:tcPr marL="132279" marR="132279" marT="0" marB="0"/>
+                </a:tc>
+                <a:tc>
+                  <a:txBody>
+                    <a:bodyPr/>
+                    <a:lstStyle/>
+                    <a:p>
+                      <a:pPr algn="just">
+                        <a:lnSpc>
+                          <a:spcPct val="107000"/>
+                        </a:lnSpc>
+                        <a:spcAft>
+                          <a:spcPts val="800"/>
+                        </a:spcAft>
+                      </a:pPr>
+                      <a:r>
+                        <a:rPr lang="lt-LT" sz="2100">
+                          <a:effectLst/>
+                        </a:rPr>
+                        <a:t>80-ieji</a:t>
+                      </a:r>
+                      <a:endParaRPr lang="lt-LT" sz="2100">
+                        <a:effectLst/>
+                        <a:latin typeface="Calibri" panose="020F0502020204030204" pitchFamily="34" charset="0"/>
+                        <a:ea typeface="Calibri" panose="020F0502020204030204" pitchFamily="34" charset="0"/>
+                        <a:cs typeface="Times New Roman" panose="02020603050405020304" pitchFamily="18" charset="0"/>
+                      </a:endParaRPr>
+                    </a:p>
+                  </a:txBody>
+                  <a:tcPr marL="132279" marR="132279" marT="0" marB="0"/>
+                </a:tc>
+                <a:tc>
+                  <a:txBody>
+                    <a:bodyPr/>
+                    <a:lstStyle/>
+                    <a:p>
+                      <a:pPr algn="just">
+                        <a:lnSpc>
+                          <a:spcPct val="107000"/>
+                        </a:lnSpc>
+                        <a:spcAft>
+                          <a:spcPts val="800"/>
+                        </a:spcAft>
+                      </a:pPr>
+                      <a:r>
+                        <a:rPr lang="lt-LT" sz="2100">
+                          <a:effectLst/>
+                        </a:rPr>
+                        <a:t>0.81</a:t>
+                      </a:r>
+                      <a:endParaRPr lang="lt-LT" sz="2100">
+                        <a:effectLst/>
+                        <a:latin typeface="Calibri" panose="020F0502020204030204" pitchFamily="34" charset="0"/>
+                        <a:ea typeface="Calibri" panose="020F0502020204030204" pitchFamily="34" charset="0"/>
+                        <a:cs typeface="Times New Roman" panose="02020603050405020304" pitchFamily="18" charset="0"/>
+                      </a:endParaRPr>
+                    </a:p>
+                  </a:txBody>
+                  <a:tcPr marL="132279" marR="132279" marT="0" marB="0"/>
+                </a:tc>
+                <a:tc>
+                  <a:txBody>
+                    <a:bodyPr/>
+                    <a:lstStyle/>
+                    <a:p>
+                      <a:pPr algn="just">
+                        <a:lnSpc>
+                          <a:spcPct val="107000"/>
+                        </a:lnSpc>
+                        <a:spcAft>
+                          <a:spcPts val="800"/>
+                        </a:spcAft>
+                      </a:pPr>
+                      <a:r>
+                        <a:rPr lang="lt-LT" sz="2100">
+                          <a:effectLst/>
+                        </a:rPr>
+                        <a:t>0.85</a:t>
+                      </a:r>
+                      <a:endParaRPr lang="lt-LT" sz="2100">
+                        <a:effectLst/>
+                        <a:latin typeface="Calibri" panose="020F0502020204030204" pitchFamily="34" charset="0"/>
+                        <a:ea typeface="Calibri" panose="020F0502020204030204" pitchFamily="34" charset="0"/>
+                        <a:cs typeface="Times New Roman" panose="02020603050405020304" pitchFamily="18" charset="0"/>
+                      </a:endParaRPr>
+                    </a:p>
+                  </a:txBody>
+                  <a:tcPr marL="132279" marR="132279" marT="0" marB="0"/>
+                </a:tc>
+                <a:tc>
+                  <a:txBody>
+                    <a:bodyPr/>
+                    <a:lstStyle/>
+                    <a:p>
+                      <a:pPr algn="just">
+                        <a:lnSpc>
+                          <a:spcPct val="107000"/>
+                        </a:lnSpc>
+                        <a:spcAft>
+                          <a:spcPts val="800"/>
+                        </a:spcAft>
+                      </a:pPr>
+                      <a:r>
+                        <a:rPr lang="lt-LT" sz="2100">
+                          <a:effectLst/>
+                        </a:rPr>
+                        <a:t>0.83</a:t>
+                      </a:r>
+                      <a:endParaRPr lang="lt-LT" sz="2100">
+                        <a:effectLst/>
+                        <a:latin typeface="Calibri" panose="020F0502020204030204" pitchFamily="34" charset="0"/>
+                        <a:ea typeface="Calibri" panose="020F0502020204030204" pitchFamily="34" charset="0"/>
+                        <a:cs typeface="Times New Roman" panose="02020603050405020304" pitchFamily="18" charset="0"/>
+                      </a:endParaRPr>
+                    </a:p>
+                  </a:txBody>
+                  <a:tcPr marL="132279" marR="132279" marT="0" marB="0"/>
+                </a:tc>
+                <a:tc>
+                  <a:txBody>
+                    <a:bodyPr/>
+                    <a:lstStyle/>
+                    <a:p>
+                      <a:pPr algn="just">
+                        <a:lnSpc>
+                          <a:spcPct val="107000"/>
+                        </a:lnSpc>
+                        <a:spcAft>
+                          <a:spcPts val="800"/>
+                        </a:spcAft>
+                      </a:pPr>
+                      <a:r>
+                        <a:rPr lang="lt-LT" sz="2100">
+                          <a:effectLst/>
+                        </a:rPr>
+                        <a:t>0.85</a:t>
+                      </a:r>
+                      <a:endParaRPr lang="lt-LT" sz="2100">
+                        <a:effectLst/>
+                        <a:latin typeface="Calibri" panose="020F0502020204030204" pitchFamily="34" charset="0"/>
+                        <a:ea typeface="Calibri" panose="020F0502020204030204" pitchFamily="34" charset="0"/>
+                        <a:cs typeface="Times New Roman" panose="02020603050405020304" pitchFamily="18" charset="0"/>
+                      </a:endParaRPr>
+                    </a:p>
+                  </a:txBody>
+                  <a:tcPr marL="132279" marR="132279" marT="0" marB="0"/>
+                </a:tc>
+                <a:extLst>
+                  <a:ext uri="{0D108BD9-81ED-4DB2-BD59-A6C34878D82A}">
+                    <a16:rowId xmlns:a16="http://schemas.microsoft.com/office/drawing/2014/main" val="848823323"/>
+                  </a:ext>
+                </a:extLst>
+              </a:tr>
+              <a:tr h="676704">
+                <a:tc>
+                  <a:txBody>
+                    <a:bodyPr/>
+                    <a:lstStyle/>
+                    <a:p>
+                      <a:pPr algn="just">
+                        <a:lnSpc>
+                          <a:spcPct val="107000"/>
+                        </a:lnSpc>
+                        <a:spcAft>
+                          <a:spcPts val="800"/>
+                        </a:spcAft>
+                      </a:pPr>
+                      <a:r>
+                        <a:rPr lang="lt-LT" sz="2100">
+                          <a:effectLst/>
+                        </a:rPr>
+                        <a:t>Atsitiktinis miškas</a:t>
+                      </a:r>
+                      <a:endParaRPr lang="lt-LT" sz="2100">
+                        <a:effectLst/>
+                        <a:latin typeface="Calibri" panose="020F0502020204030204" pitchFamily="34" charset="0"/>
+                        <a:ea typeface="Calibri" panose="020F0502020204030204" pitchFamily="34" charset="0"/>
+                        <a:cs typeface="Times New Roman" panose="02020603050405020304" pitchFamily="18" charset="0"/>
+                      </a:endParaRPr>
+                    </a:p>
+                  </a:txBody>
+                  <a:tcPr marL="132279" marR="132279" marT="0" marB="0"/>
+                </a:tc>
+                <a:tc>
+                  <a:txBody>
+                    <a:bodyPr/>
+                    <a:lstStyle/>
+                    <a:p>
+                      <a:pPr algn="just">
+                        <a:lnSpc>
+                          <a:spcPct val="107000"/>
+                        </a:lnSpc>
+                        <a:spcAft>
+                          <a:spcPts val="800"/>
+                        </a:spcAft>
+                      </a:pPr>
+                      <a:r>
+                        <a:rPr lang="lt-LT" sz="2100">
+                          <a:effectLst/>
+                        </a:rPr>
+                        <a:t>10-ieji</a:t>
+                      </a:r>
+                      <a:endParaRPr lang="lt-LT" sz="2100">
+                        <a:effectLst/>
+                        <a:latin typeface="Calibri" panose="020F0502020204030204" pitchFamily="34" charset="0"/>
+                        <a:ea typeface="Calibri" panose="020F0502020204030204" pitchFamily="34" charset="0"/>
+                        <a:cs typeface="Times New Roman" panose="02020603050405020304" pitchFamily="18" charset="0"/>
+                      </a:endParaRPr>
+                    </a:p>
+                  </a:txBody>
+                  <a:tcPr marL="132279" marR="132279" marT="0" marB="0"/>
+                </a:tc>
+                <a:tc>
+                  <a:txBody>
+                    <a:bodyPr/>
+                    <a:lstStyle/>
+                    <a:p>
+                      <a:pPr algn="just">
+                        <a:lnSpc>
+                          <a:spcPct val="107000"/>
+                        </a:lnSpc>
+                        <a:spcAft>
+                          <a:spcPts val="800"/>
+                        </a:spcAft>
+                      </a:pPr>
+                      <a:r>
+                        <a:rPr lang="lt-LT" sz="2100">
+                          <a:effectLst/>
+                        </a:rPr>
+                        <a:t>0.87</a:t>
+                      </a:r>
+                      <a:endParaRPr lang="lt-LT" sz="2100">
+                        <a:effectLst/>
+                        <a:latin typeface="Calibri" panose="020F0502020204030204" pitchFamily="34" charset="0"/>
+                        <a:ea typeface="Calibri" panose="020F0502020204030204" pitchFamily="34" charset="0"/>
+                        <a:cs typeface="Times New Roman" panose="02020603050405020304" pitchFamily="18" charset="0"/>
+                      </a:endParaRPr>
+                    </a:p>
+                  </a:txBody>
+                  <a:tcPr marL="132279" marR="132279" marT="0" marB="0"/>
+                </a:tc>
+                <a:tc>
+                  <a:txBody>
+                    <a:bodyPr/>
+                    <a:lstStyle/>
+                    <a:p>
+                      <a:pPr algn="just">
+                        <a:lnSpc>
+                          <a:spcPct val="107000"/>
+                        </a:lnSpc>
+                        <a:spcAft>
+                          <a:spcPts val="800"/>
+                        </a:spcAft>
+                      </a:pPr>
+                      <a:r>
+                        <a:rPr lang="lt-LT" sz="2100">
+                          <a:effectLst/>
+                        </a:rPr>
+                        <a:t>1.00</a:t>
+                      </a:r>
+                      <a:endParaRPr lang="lt-LT" sz="2100">
+                        <a:effectLst/>
+                        <a:latin typeface="Calibri" panose="020F0502020204030204" pitchFamily="34" charset="0"/>
+                        <a:ea typeface="Calibri" panose="020F0502020204030204" pitchFamily="34" charset="0"/>
+                        <a:cs typeface="Times New Roman" panose="02020603050405020304" pitchFamily="18" charset="0"/>
+                      </a:endParaRPr>
+                    </a:p>
+                  </a:txBody>
+                  <a:tcPr marL="132279" marR="132279" marT="0" marB="0"/>
+                </a:tc>
+                <a:tc>
+                  <a:txBody>
+                    <a:bodyPr/>
+                    <a:lstStyle/>
+                    <a:p>
+                      <a:pPr algn="just">
+                        <a:lnSpc>
+                          <a:spcPct val="107000"/>
+                        </a:lnSpc>
+                        <a:spcAft>
+                          <a:spcPts val="800"/>
+                        </a:spcAft>
+                      </a:pPr>
+                      <a:r>
+                        <a:rPr lang="lt-LT" sz="2100">
+                          <a:effectLst/>
+                        </a:rPr>
+                        <a:t>0.93</a:t>
+                      </a:r>
+                      <a:endParaRPr lang="lt-LT" sz="2100">
+                        <a:effectLst/>
+                        <a:latin typeface="Calibri" panose="020F0502020204030204" pitchFamily="34" charset="0"/>
+                        <a:ea typeface="Calibri" panose="020F0502020204030204" pitchFamily="34" charset="0"/>
+                        <a:cs typeface="Times New Roman" panose="02020603050405020304" pitchFamily="18" charset="0"/>
+                      </a:endParaRPr>
+                    </a:p>
+                  </a:txBody>
+                  <a:tcPr marL="132279" marR="132279" marT="0" marB="0"/>
+                </a:tc>
+                <a:tc>
+                  <a:txBody>
+                    <a:bodyPr/>
+                    <a:lstStyle/>
+                    <a:p>
+                      <a:pPr algn="just">
+                        <a:lnSpc>
+                          <a:spcPct val="107000"/>
+                        </a:lnSpc>
+                        <a:spcAft>
+                          <a:spcPts val="800"/>
+                        </a:spcAft>
+                      </a:pPr>
+                      <a:r>
+                        <a:rPr lang="lt-LT" sz="2100">
+                          <a:effectLst/>
+                        </a:rPr>
+                        <a:t>0.91</a:t>
+                      </a:r>
+                      <a:endParaRPr lang="lt-LT" sz="2100">
+                        <a:effectLst/>
+                        <a:latin typeface="Calibri" panose="020F0502020204030204" pitchFamily="34" charset="0"/>
+                        <a:ea typeface="Calibri" panose="020F0502020204030204" pitchFamily="34" charset="0"/>
+                        <a:cs typeface="Times New Roman" panose="02020603050405020304" pitchFamily="18" charset="0"/>
+                      </a:endParaRPr>
+                    </a:p>
+                  </a:txBody>
+                  <a:tcPr marL="132279" marR="132279" marT="0" marB="0"/>
+                </a:tc>
+                <a:extLst>
+                  <a:ext uri="{0D108BD9-81ED-4DB2-BD59-A6C34878D82A}">
+                    <a16:rowId xmlns:a16="http://schemas.microsoft.com/office/drawing/2014/main" val="4181265079"/>
+                  </a:ext>
+                </a:extLst>
+              </a:tr>
+              <a:tr h="676704">
+                <a:tc>
+                  <a:txBody>
+                    <a:bodyPr/>
+                    <a:lstStyle/>
+                    <a:p>
+                      <a:pPr algn="just">
+                        <a:lnSpc>
+                          <a:spcPct val="107000"/>
+                        </a:lnSpc>
+                        <a:spcAft>
+                          <a:spcPts val="800"/>
+                        </a:spcAft>
+                      </a:pPr>
+                      <a:r>
+                        <a:rPr lang="lt-LT" sz="2100">
+                          <a:effectLst/>
+                        </a:rPr>
+                        <a:t>Atsitiktinis miškas</a:t>
+                      </a:r>
+                      <a:endParaRPr lang="lt-LT" sz="2100">
+                        <a:effectLst/>
+                        <a:latin typeface="Calibri" panose="020F0502020204030204" pitchFamily="34" charset="0"/>
+                        <a:ea typeface="Calibri" panose="020F0502020204030204" pitchFamily="34" charset="0"/>
+                        <a:cs typeface="Times New Roman" panose="02020603050405020304" pitchFamily="18" charset="0"/>
+                      </a:endParaRPr>
+                    </a:p>
+                  </a:txBody>
+                  <a:tcPr marL="132279" marR="132279" marT="0" marB="0"/>
+                </a:tc>
+                <a:tc>
+                  <a:txBody>
+                    <a:bodyPr/>
+                    <a:lstStyle/>
+                    <a:p>
+                      <a:pPr algn="just">
+                        <a:lnSpc>
+                          <a:spcPct val="107000"/>
+                        </a:lnSpc>
+                        <a:spcAft>
+                          <a:spcPts val="800"/>
+                        </a:spcAft>
+                      </a:pPr>
+                      <a:r>
+                        <a:rPr lang="lt-LT" sz="2100">
+                          <a:effectLst/>
+                        </a:rPr>
+                        <a:t>80-ieji</a:t>
+                      </a:r>
+                      <a:endParaRPr lang="lt-LT" sz="2100">
+                        <a:effectLst/>
+                        <a:latin typeface="Calibri" panose="020F0502020204030204" pitchFamily="34" charset="0"/>
+                        <a:ea typeface="Calibri" panose="020F0502020204030204" pitchFamily="34" charset="0"/>
+                        <a:cs typeface="Times New Roman" panose="02020603050405020304" pitchFamily="18" charset="0"/>
+                      </a:endParaRPr>
+                    </a:p>
+                  </a:txBody>
+                  <a:tcPr marL="132279" marR="132279" marT="0" marB="0"/>
+                </a:tc>
+                <a:tc>
+                  <a:txBody>
+                    <a:bodyPr/>
+                    <a:lstStyle/>
+                    <a:p>
+                      <a:pPr algn="just">
+                        <a:lnSpc>
+                          <a:spcPct val="107000"/>
+                        </a:lnSpc>
+                        <a:spcAft>
+                          <a:spcPts val="800"/>
+                        </a:spcAft>
+                      </a:pPr>
+                      <a:r>
+                        <a:rPr lang="lt-LT" sz="2100">
+                          <a:effectLst/>
+                        </a:rPr>
+                        <a:t>1.00</a:t>
+                      </a:r>
+                      <a:endParaRPr lang="lt-LT" sz="2100">
+                        <a:effectLst/>
+                        <a:latin typeface="Calibri" panose="020F0502020204030204" pitchFamily="34" charset="0"/>
+                        <a:ea typeface="Calibri" panose="020F0502020204030204" pitchFamily="34" charset="0"/>
+                        <a:cs typeface="Times New Roman" panose="02020603050405020304" pitchFamily="18" charset="0"/>
+                      </a:endParaRPr>
+                    </a:p>
+                  </a:txBody>
+                  <a:tcPr marL="132279" marR="132279" marT="0" marB="0"/>
+                </a:tc>
+                <a:tc>
+                  <a:txBody>
+                    <a:bodyPr/>
+                    <a:lstStyle/>
+                    <a:p>
+                      <a:pPr algn="just">
+                        <a:lnSpc>
+                          <a:spcPct val="107000"/>
+                        </a:lnSpc>
+                        <a:spcAft>
+                          <a:spcPts val="800"/>
+                        </a:spcAft>
+                      </a:pPr>
+                      <a:r>
+                        <a:rPr lang="lt-LT" sz="2100">
+                          <a:effectLst/>
+                        </a:rPr>
+                        <a:t>0.80</a:t>
+                      </a:r>
+                      <a:endParaRPr lang="lt-LT" sz="2100">
+                        <a:effectLst/>
+                        <a:latin typeface="Calibri" panose="020F0502020204030204" pitchFamily="34" charset="0"/>
+                        <a:ea typeface="Calibri" panose="020F0502020204030204" pitchFamily="34" charset="0"/>
+                        <a:cs typeface="Times New Roman" panose="02020603050405020304" pitchFamily="18" charset="0"/>
+                      </a:endParaRPr>
+                    </a:p>
+                  </a:txBody>
+                  <a:tcPr marL="132279" marR="132279" marT="0" marB="0"/>
+                </a:tc>
+                <a:tc>
+                  <a:txBody>
+                    <a:bodyPr/>
+                    <a:lstStyle/>
+                    <a:p>
+                      <a:pPr algn="just">
+                        <a:lnSpc>
+                          <a:spcPct val="107000"/>
+                        </a:lnSpc>
+                        <a:spcAft>
+                          <a:spcPts val="800"/>
+                        </a:spcAft>
+                      </a:pPr>
+                      <a:r>
+                        <a:rPr lang="lt-LT" sz="2100">
+                          <a:effectLst/>
+                        </a:rPr>
+                        <a:t>0.89</a:t>
+                      </a:r>
+                      <a:endParaRPr lang="lt-LT" sz="2100">
+                        <a:effectLst/>
+                        <a:latin typeface="Calibri" panose="020F0502020204030204" pitchFamily="34" charset="0"/>
+                        <a:ea typeface="Calibri" panose="020F0502020204030204" pitchFamily="34" charset="0"/>
+                        <a:cs typeface="Times New Roman" panose="02020603050405020304" pitchFamily="18" charset="0"/>
+                      </a:endParaRPr>
+                    </a:p>
+                  </a:txBody>
+                  <a:tcPr marL="132279" marR="132279" marT="0" marB="0"/>
+                </a:tc>
+                <a:tc>
+                  <a:txBody>
+                    <a:bodyPr/>
+                    <a:lstStyle/>
+                    <a:p>
+                      <a:pPr algn="just">
+                        <a:lnSpc>
+                          <a:spcPct val="107000"/>
+                        </a:lnSpc>
+                        <a:spcAft>
+                          <a:spcPts val="800"/>
+                        </a:spcAft>
+                      </a:pPr>
+                      <a:r>
+                        <a:rPr lang="lt-LT" sz="2100" dirty="0">
+                          <a:effectLst/>
+                        </a:rPr>
+                        <a:t>0.91</a:t>
+                      </a:r>
+                      <a:endParaRPr lang="lt-LT" sz="2100" dirty="0">
+                        <a:effectLst/>
+                        <a:latin typeface="Calibri" panose="020F0502020204030204" pitchFamily="34" charset="0"/>
+                        <a:ea typeface="Calibri" panose="020F0502020204030204" pitchFamily="34" charset="0"/>
+                        <a:cs typeface="Times New Roman" panose="02020603050405020304" pitchFamily="18" charset="0"/>
+                      </a:endParaRPr>
+                    </a:p>
+                  </a:txBody>
+                  <a:tcPr marL="132279" marR="132279" marT="0" marB="0"/>
+                </a:tc>
+                <a:extLst>
+                  <a:ext uri="{0D108BD9-81ED-4DB2-BD59-A6C34878D82A}">
+                    <a16:rowId xmlns:a16="http://schemas.microsoft.com/office/drawing/2014/main" val="3437159620"/>
+                  </a:ext>
+                </a:extLst>
+              </a:tr>
+            </a:tbl>
+          </a:graphicData>
+        </a:graphic>
+      </p:graphicFrame>
     </p:spTree>
     <p:extLst>
       <p:ext uri="{BB962C8B-B14F-4D97-AF65-F5344CB8AC3E}">
@@ -7104,9 +6441,15 @@
             <a:endParaRPr lang="lt-LT" sz="2200" dirty="0"/>
           </a:p>
           <a:p>
+            <a:endParaRPr lang="lt-LT" sz="2200" dirty="0"/>
+          </a:p>
+          <a:p>
+            <a:endParaRPr lang="lt-LT" sz="2200" dirty="0"/>
+          </a:p>
+          <a:p>
             <a:r>
               <a:rPr lang="lt-LT" sz="2200" dirty="0"/>
-              <a:t>Naudojant kryžminę validaciją matomas naivaus </a:t>
+              <a:t>Modelius lyginant naudojant kryžminę validaciją ir validacijos aibę matomi naivaus </a:t>
             </a:r>
             <a:r>
               <a:rPr lang="lt-LT" sz="2200" dirty="0" err="1"/>
@@ -7114,26 +6457,8 @@
             </a:r>
             <a:r>
               <a:rPr lang="lt-LT" sz="2200" dirty="0"/>
-              <a:t> ir atsitiktinio miško metodų pranašumas lyginant su sprendimų medžiu tiek pagal ROC grafiką, tiek pagal kitas modelio kokybės įvertinimo metrikas. Naivus </a:t>
-            </a:r>
-            <a:r>
-              <a:rPr lang="lt-LT" sz="2200" dirty="0" err="1"/>
-              <a:t>Bajeso</a:t>
-            </a:r>
-            <a:r>
-              <a:rPr lang="lt-LT" sz="2200" dirty="0"/>
-              <a:t> klasifikatorius pasižymėjo didesne variacija lyginant su atsitiktiniu mišku (rezultatų priklausymu nuo to kokia specifinė aibė buvo naudojama jį apmokyti).</a:t>
-            </a:r>
-          </a:p>
-          <a:p>
-            <a:endParaRPr lang="lt-LT" sz="2200" dirty="0"/>
-          </a:p>
-          <a:p>
-            <a:r>
-              <a:rPr lang="lt-LT" sz="2200" dirty="0"/>
-              <a:t>Modelius lyginant naudojant validacijos aibę vietoje kryžminės validacijos gauti panašūs rezultatai modelių tarpusavio palyginimo prasme. Aišku, šis palyginimas buvo atliktas su kitais optimaliais parametrais, negu buvo aprašyti prieš tai.</a:t>
-            </a:r>
-            <a:endParaRPr lang="LID4096" sz="2200" dirty="0"/>
+              <a:t> ir atsitiktinio miško metodų pranašumas lyginant su sprendimų medžiu tiek pagal ROC grafiką, tiek pagal kitas modelio kokybės įvertinimo metrikas. </a:t>
+            </a:r>
           </a:p>
         </p:txBody>
       </p:sp>
@@ -7151,6 +6476,296 @@
 </file>
 
 <file path=ppt/slides/slide16.xml><?xml version="1.0" encoding="utf-8"?>
+<p:sld xmlns:a="http://schemas.openxmlformats.org/drawingml/2006/main" xmlns:r="http://schemas.openxmlformats.org/officeDocument/2006/relationships" xmlns:p="http://schemas.openxmlformats.org/presentationml/2006/main">
+  <p:cSld>
+    <p:spTree>
+      <p:nvGrpSpPr>
+        <p:cNvPr id="1" name=""/>
+        <p:cNvGrpSpPr/>
+        <p:nvPr/>
+      </p:nvGrpSpPr>
+      <p:grpSpPr>
+        <a:xfrm>
+          <a:off x="0" y="0"/>
+          <a:ext cx="0" cy="0"/>
+          <a:chOff x="0" y="0"/>
+          <a:chExt cx="0" cy="0"/>
+        </a:xfrm>
+      </p:grpSpPr>
+      <p:sp>
+        <p:nvSpPr>
+          <p:cNvPr id="2" name="Pavadinimas 1">
+            <a:extLst>
+              <a:ext uri="{FF2B5EF4-FFF2-40B4-BE49-F238E27FC236}">
+                <a16:creationId xmlns:a16="http://schemas.microsoft.com/office/drawing/2014/main" id="{13EB6856-6028-D87A-F64D-82FAF1041317}"/>
+              </a:ext>
+            </a:extLst>
+          </p:cNvPr>
+          <p:cNvSpPr>
+            <a:spLocks noGrp="1"/>
+          </p:cNvSpPr>
+          <p:nvPr>
+            <p:ph type="title"/>
+          </p:nvPr>
+        </p:nvSpPr>
+        <p:spPr/>
+        <p:txBody>
+          <a:bodyPr>
+            <a:normAutofit/>
+          </a:bodyPr>
+          <a:lstStyle/>
+          <a:p>
+            <a:r>
+              <a:rPr lang="lt-LT" sz="2700" dirty="0">
+                <a:latin typeface="Calibri"/>
+                <a:cs typeface="Calibri Light"/>
+              </a:rPr>
+              <a:t>Modelių palyginimas: dimensijos mažinimo algoritmai</a:t>
+            </a:r>
+            <a:endParaRPr lang="LID4096" sz="2700" dirty="0"/>
+          </a:p>
+        </p:txBody>
+      </p:sp>
+      <p:pic>
+        <p:nvPicPr>
+          <p:cNvPr id="5" name="Turinio vietos rezervavimo ženklas 4">
+            <a:extLst>
+              <a:ext uri="{FF2B5EF4-FFF2-40B4-BE49-F238E27FC236}">
+                <a16:creationId xmlns:a16="http://schemas.microsoft.com/office/drawing/2014/main" id="{7DDC8950-3890-3923-1F9B-8F33239B9B0F}"/>
+              </a:ext>
+            </a:extLst>
+          </p:cNvPr>
+          <p:cNvPicPr>
+            <a:picLocks noGrp="1" noChangeAspect="1"/>
+          </p:cNvPicPr>
+          <p:nvPr>
+            <p:ph idx="1"/>
+          </p:nvPr>
+        </p:nvPicPr>
+        <p:blipFill>
+          <a:blip r:embed="rId2">
+            <a:extLst>
+              <a:ext uri="{28A0092B-C50C-407E-A947-70E740481C1C}">
+                <a14:useLocalDpi xmlns:a14="http://schemas.microsoft.com/office/drawing/2010/main" val="0"/>
+              </a:ext>
+            </a:extLst>
+          </a:blip>
+          <a:stretch>
+            <a:fillRect/>
+          </a:stretch>
+        </p:blipFill>
+        <p:spPr>
+          <a:xfrm>
+            <a:off x="2766017" y="1825625"/>
+            <a:ext cx="6659965" cy="4351338"/>
+          </a:xfrm>
+        </p:spPr>
+      </p:pic>
+    </p:spTree>
+    <p:extLst>
+      <p:ext uri="{BB962C8B-B14F-4D97-AF65-F5344CB8AC3E}">
+        <p14:creationId xmlns:p14="http://schemas.microsoft.com/office/powerpoint/2010/main" val="1731324973"/>
+      </p:ext>
+    </p:extLst>
+  </p:cSld>
+  <p:clrMapOvr>
+    <a:masterClrMapping/>
+  </p:clrMapOvr>
+</p:sld>
+</file>
+
+<file path=ppt/slides/slide17.xml><?xml version="1.0" encoding="utf-8"?>
+<p:sld xmlns:a="http://schemas.openxmlformats.org/drawingml/2006/main" xmlns:r="http://schemas.openxmlformats.org/officeDocument/2006/relationships" xmlns:p="http://schemas.openxmlformats.org/presentationml/2006/main">
+  <p:cSld>
+    <p:spTree>
+      <p:nvGrpSpPr>
+        <p:cNvPr id="1" name=""/>
+        <p:cNvGrpSpPr/>
+        <p:nvPr/>
+      </p:nvGrpSpPr>
+      <p:grpSpPr>
+        <a:xfrm>
+          <a:off x="0" y="0"/>
+          <a:ext cx="0" cy="0"/>
+          <a:chOff x="0" y="0"/>
+          <a:chExt cx="0" cy="0"/>
+        </a:xfrm>
+      </p:grpSpPr>
+      <p:sp>
+        <p:nvSpPr>
+          <p:cNvPr id="2" name="Pavadinimas 1">
+            <a:extLst>
+              <a:ext uri="{FF2B5EF4-FFF2-40B4-BE49-F238E27FC236}">
+                <a16:creationId xmlns:a16="http://schemas.microsoft.com/office/drawing/2014/main" id="{3FFA2E86-B461-C5C9-F7E5-AE717B331294}"/>
+              </a:ext>
+            </a:extLst>
+          </p:cNvPr>
+          <p:cNvSpPr>
+            <a:spLocks noGrp="1"/>
+          </p:cNvSpPr>
+          <p:nvPr>
+            <p:ph type="title"/>
+          </p:nvPr>
+        </p:nvSpPr>
+        <p:spPr/>
+        <p:txBody>
+          <a:bodyPr/>
+          <a:lstStyle/>
+          <a:p>
+            <a:endParaRPr lang="LID4096"/>
+          </a:p>
+        </p:txBody>
+      </p:sp>
+      <p:pic>
+        <p:nvPicPr>
+          <p:cNvPr id="5" name="Turinio vietos rezervavimo ženklas 4">
+            <a:extLst>
+              <a:ext uri="{FF2B5EF4-FFF2-40B4-BE49-F238E27FC236}">
+                <a16:creationId xmlns:a16="http://schemas.microsoft.com/office/drawing/2014/main" id="{3340A15C-31AC-6F23-24E0-26F619D416A8}"/>
+              </a:ext>
+            </a:extLst>
+          </p:cNvPr>
+          <p:cNvPicPr>
+            <a:picLocks noGrp="1" noChangeAspect="1"/>
+          </p:cNvPicPr>
+          <p:nvPr>
+            <p:ph idx="1"/>
+          </p:nvPr>
+        </p:nvPicPr>
+        <p:blipFill>
+          <a:blip r:embed="rId2">
+            <a:extLst>
+              <a:ext uri="{28A0092B-C50C-407E-A947-70E740481C1C}">
+                <a14:useLocalDpi xmlns:a14="http://schemas.microsoft.com/office/drawing/2010/main" val="0"/>
+              </a:ext>
+            </a:extLst>
+          </a:blip>
+          <a:stretch>
+            <a:fillRect/>
+          </a:stretch>
+        </p:blipFill>
+        <p:spPr>
+          <a:xfrm>
+            <a:off x="2853585" y="1534747"/>
+            <a:ext cx="6484830" cy="3788506"/>
+          </a:xfrm>
+        </p:spPr>
+      </p:pic>
+    </p:spTree>
+    <p:extLst>
+      <p:ext uri="{BB962C8B-B14F-4D97-AF65-F5344CB8AC3E}">
+        <p14:creationId xmlns:p14="http://schemas.microsoft.com/office/powerpoint/2010/main" val="3545858253"/>
+      </p:ext>
+    </p:extLst>
+  </p:cSld>
+  <p:clrMapOvr>
+    <a:masterClrMapping/>
+  </p:clrMapOvr>
+</p:sld>
+</file>
+
+<file path=ppt/slides/slide18.xml><?xml version="1.0" encoding="utf-8"?>
+<p:sld xmlns:a="http://schemas.openxmlformats.org/drawingml/2006/main" xmlns:r="http://schemas.openxmlformats.org/officeDocument/2006/relationships" xmlns:p="http://schemas.openxmlformats.org/presentationml/2006/main">
+  <p:cSld>
+    <p:spTree>
+      <p:nvGrpSpPr>
+        <p:cNvPr id="1" name=""/>
+        <p:cNvGrpSpPr/>
+        <p:nvPr/>
+      </p:nvGrpSpPr>
+      <p:grpSpPr>
+        <a:xfrm>
+          <a:off x="0" y="0"/>
+          <a:ext cx="0" cy="0"/>
+          <a:chOff x="0" y="0"/>
+          <a:chExt cx="0" cy="0"/>
+        </a:xfrm>
+      </p:grpSpPr>
+      <p:sp>
+        <p:nvSpPr>
+          <p:cNvPr id="2" name="Pavadinimas 1">
+            <a:extLst>
+              <a:ext uri="{FF2B5EF4-FFF2-40B4-BE49-F238E27FC236}">
+                <a16:creationId xmlns:a16="http://schemas.microsoft.com/office/drawing/2014/main" id="{82657C05-361C-8833-3770-93552D509780}"/>
+              </a:ext>
+            </a:extLst>
+          </p:cNvPr>
+          <p:cNvSpPr>
+            <a:spLocks noGrp="1"/>
+          </p:cNvSpPr>
+          <p:nvPr>
+            <p:ph type="title"/>
+          </p:nvPr>
+        </p:nvSpPr>
+        <p:spPr/>
+        <p:txBody>
+          <a:bodyPr/>
+          <a:lstStyle/>
+          <a:p>
+            <a:endParaRPr lang="LID4096"/>
+          </a:p>
+        </p:txBody>
+      </p:sp>
+      <p:sp>
+        <p:nvSpPr>
+          <p:cNvPr id="3" name="Turinio vietos rezervavimo ženklas 2">
+            <a:extLst>
+              <a:ext uri="{FF2B5EF4-FFF2-40B4-BE49-F238E27FC236}">
+                <a16:creationId xmlns:a16="http://schemas.microsoft.com/office/drawing/2014/main" id="{DBEED71F-89E4-D5FE-2C53-3BEE0E2C8841}"/>
+              </a:ext>
+            </a:extLst>
+          </p:cNvPr>
+          <p:cNvSpPr>
+            <a:spLocks noGrp="1"/>
+          </p:cNvSpPr>
+          <p:nvPr>
+            <p:ph idx="1"/>
+          </p:nvPr>
+        </p:nvSpPr>
+        <p:spPr/>
+        <p:txBody>
+          <a:bodyPr>
+            <a:normAutofit/>
+          </a:bodyPr>
+          <a:lstStyle/>
+          <a:p>
+            <a:endParaRPr lang="lt-LT" sz="2100" dirty="0"/>
+          </a:p>
+          <a:p>
+            <a:endParaRPr lang="lt-LT" sz="2100" dirty="0"/>
+          </a:p>
+          <a:p>
+            <a:r>
+              <a:rPr lang="lt-LT" sz="2100" dirty="0"/>
+              <a:t>Naudojant prieš tai aprašytą optimalių parametrų suradimo procedūrą, papildomai sudaryti modeliai, dimensijos mažinimui naudojantys PCA algoritmą vietoje rekursyvaus prasčiausių požymių eliminavimo.</a:t>
+            </a:r>
+          </a:p>
+          <a:p>
+            <a:endParaRPr lang="lt-LT" sz="2100" dirty="0"/>
+          </a:p>
+          <a:p>
+            <a:r>
+              <a:rPr lang="lt-LT" sz="2100" dirty="0"/>
+              <a:t>Visų trijų modelių atvejais tiek pagal grafinę analizę, tiek naudojant skaitines metrikas šiuo metodu gauti prastesni rezultatai.</a:t>
+            </a:r>
+            <a:endParaRPr lang="LID4096" sz="2100" dirty="0"/>
+          </a:p>
+        </p:txBody>
+      </p:sp>
+    </p:spTree>
+    <p:extLst>
+      <p:ext uri="{BB962C8B-B14F-4D97-AF65-F5344CB8AC3E}">
+        <p14:creationId xmlns:p14="http://schemas.microsoft.com/office/powerpoint/2010/main" val="529613973"/>
+      </p:ext>
+    </p:extLst>
+  </p:cSld>
+  <p:clrMapOvr>
+    <a:masterClrMapping/>
+  </p:clrMapOvr>
+</p:sld>
+</file>
+
+<file path=ppt/slides/slide19.xml><?xml version="1.0" encoding="utf-8"?>
 <p:sld xmlns:a="http://schemas.openxmlformats.org/drawingml/2006/main" xmlns:r="http://schemas.openxmlformats.org/officeDocument/2006/relationships" xmlns:p="http://schemas.openxmlformats.org/presentationml/2006/main">
   <p:cSld>
     <p:spTree>
@@ -7536,10 +7151,10 @@
       </p:graphicFrame>
       <p:pic>
         <p:nvPicPr>
-          <p:cNvPr id="8" name="Turinio vietos rezervavimo ženklas 7">
+          <p:cNvPr id="7" name="Turinio vietos rezervavimo ženklas 6">
             <a:extLst>
               <a:ext uri="{FF2B5EF4-FFF2-40B4-BE49-F238E27FC236}">
-                <a16:creationId xmlns:a16="http://schemas.microsoft.com/office/drawing/2014/main" id="{75FC351D-03D8-62FE-CAF8-6D2F6FAF4987}"/>
+                <a16:creationId xmlns:a16="http://schemas.microsoft.com/office/drawing/2014/main" id="{BCA4D8B7-2234-8172-8FF5-8E76B44565E8}"/>
               </a:ext>
             </a:extLst>
           </p:cNvPr>
@@ -7564,7 +7179,7 @@
         </p:blipFill>
         <p:spPr>
           <a:xfrm>
-            <a:off x="4882230" y="1690688"/>
+            <a:off x="4742184" y="1690688"/>
             <a:ext cx="6611616" cy="4351338"/>
           </a:xfrm>
         </p:spPr>
@@ -7573,933 +7188,6 @@
     <p:extLst>
       <p:ext uri="{BB962C8B-B14F-4D97-AF65-F5344CB8AC3E}">
         <p14:creationId xmlns:p14="http://schemas.microsoft.com/office/powerpoint/2010/main" val="267380184"/>
-      </p:ext>
-    </p:extLst>
-  </p:cSld>
-  <p:clrMapOvr>
-    <a:masterClrMapping/>
-  </p:clrMapOvr>
-</p:sld>
-</file>
-
-<file path=ppt/slides/slide17.xml><?xml version="1.0" encoding="utf-8"?>
-<p:sld xmlns:a="http://schemas.openxmlformats.org/drawingml/2006/main" xmlns:r="http://schemas.openxmlformats.org/officeDocument/2006/relationships" xmlns:p="http://schemas.openxmlformats.org/presentationml/2006/main">
-  <p:cSld>
-    <p:spTree>
-      <p:nvGrpSpPr>
-        <p:cNvPr id="1" name=""/>
-        <p:cNvGrpSpPr/>
-        <p:nvPr/>
-      </p:nvGrpSpPr>
-      <p:grpSpPr>
-        <a:xfrm>
-          <a:off x="0" y="0"/>
-          <a:ext cx="0" cy="0"/>
-          <a:chOff x="0" y="0"/>
-          <a:chExt cx="0" cy="0"/>
-        </a:xfrm>
-      </p:grpSpPr>
-      <p:pic>
-        <p:nvPicPr>
-          <p:cNvPr id="5" name="Turinio vietos rezervavimo ženklas 4">
-            <a:extLst>
-              <a:ext uri="{FF2B5EF4-FFF2-40B4-BE49-F238E27FC236}">
-                <a16:creationId xmlns:a16="http://schemas.microsoft.com/office/drawing/2014/main" id="{FEB56276-E2E1-AE4C-ADFB-0417E688E5AD}"/>
-              </a:ext>
-            </a:extLst>
-          </p:cNvPr>
-          <p:cNvPicPr>
-            <a:picLocks noGrp="1" noChangeAspect="1"/>
-          </p:cNvPicPr>
-          <p:nvPr>
-            <p:ph idx="1"/>
-          </p:nvPr>
-        </p:nvPicPr>
-        <p:blipFill>
-          <a:blip r:embed="rId2">
-            <a:extLst>
-              <a:ext uri="{28A0092B-C50C-407E-A947-70E740481C1C}">
-                <a14:useLocalDpi xmlns:a14="http://schemas.microsoft.com/office/drawing/2010/main" val="0"/>
-              </a:ext>
-            </a:extLst>
-          </a:blip>
-          <a:stretch>
-            <a:fillRect/>
-          </a:stretch>
-        </p:blipFill>
-        <p:spPr>
-          <a:xfrm>
-            <a:off x="5046374" y="1690688"/>
-            <a:ext cx="6611616" cy="4351338"/>
-          </a:xfrm>
-        </p:spPr>
-      </p:pic>
-      <p:sp>
-        <p:nvSpPr>
-          <p:cNvPr id="6" name="Title 1">
-            <a:extLst>
-              <a:ext uri="{FF2B5EF4-FFF2-40B4-BE49-F238E27FC236}">
-                <a16:creationId xmlns:a16="http://schemas.microsoft.com/office/drawing/2014/main" id="{3303E598-5F80-25C4-86DC-93240AF8CA8A}"/>
-              </a:ext>
-            </a:extLst>
-          </p:cNvPr>
-          <p:cNvSpPr>
-            <a:spLocks noGrp="1"/>
-          </p:cNvSpPr>
-          <p:nvPr>
-            <p:ph type="title"/>
-          </p:nvPr>
-        </p:nvSpPr>
-        <p:spPr>
-          <a:xfrm>
-            <a:off x="838200" y="365125"/>
-            <a:ext cx="10515600" cy="1325563"/>
-          </a:xfrm>
-        </p:spPr>
-        <p:txBody>
-          <a:bodyPr/>
-          <a:lstStyle/>
-          <a:p>
-            <a:r>
-              <a:rPr lang="lt-LT" sz="2600" dirty="0">
-                <a:latin typeface="Calibri"/>
-                <a:cs typeface="Calibri Light"/>
-              </a:rPr>
-              <a:t>Sprendimų medžio rezultatai testavimo aibei</a:t>
-            </a:r>
-            <a:endParaRPr lang="en-US" sz="2600" dirty="0">
-              <a:latin typeface="Calibri"/>
-              <a:cs typeface="Calibri Light"/>
-            </a:endParaRPr>
-          </a:p>
-        </p:txBody>
-      </p:sp>
-      <p:graphicFrame>
-        <p:nvGraphicFramePr>
-          <p:cNvPr id="4" name="Lentelė 3">
-            <a:extLst>
-              <a:ext uri="{FF2B5EF4-FFF2-40B4-BE49-F238E27FC236}">
-                <a16:creationId xmlns:a16="http://schemas.microsoft.com/office/drawing/2014/main" id="{824C7C4C-76ED-7524-97E4-FF0F6980D0B7}"/>
-              </a:ext>
-            </a:extLst>
-          </p:cNvPr>
-          <p:cNvGraphicFramePr>
-            <a:graphicFrameLocks noGrp="1"/>
-          </p:cNvGraphicFramePr>
-          <p:nvPr>
-            <p:extLst>
-              <p:ext uri="{D42A27DB-BD31-4B8C-83A1-F6EECF244321}">
-                <p14:modId xmlns:p14="http://schemas.microsoft.com/office/powerpoint/2010/main" val="3518911568"/>
-              </p:ext>
-            </p:extLst>
-          </p:nvPr>
-        </p:nvGraphicFramePr>
-        <p:xfrm>
-          <a:off x="698154" y="3101009"/>
-          <a:ext cx="3617995" cy="1462326"/>
-        </p:xfrm>
-        <a:graphic>
-          <a:graphicData uri="http://schemas.openxmlformats.org/drawingml/2006/table">
-            <a:tbl>
-              <a:tblPr firstRow="1" firstCol="1" bandRow="1">
-                <a:tableStyleId>{5940675A-B579-460E-94D1-54222C63F5DA}</a:tableStyleId>
-              </a:tblPr>
-              <a:tblGrid>
-                <a:gridCol w="1159725">
-                  <a:extLst>
-                    <a:ext uri="{9D8B030D-6E8A-4147-A177-3AD203B41FA5}">
-                      <a16:colId xmlns:a16="http://schemas.microsoft.com/office/drawing/2014/main" val="3672081544"/>
-                    </a:ext>
-                  </a:extLst>
-                </a:gridCol>
-                <a:gridCol w="1229135">
-                  <a:extLst>
-                    <a:ext uri="{9D8B030D-6E8A-4147-A177-3AD203B41FA5}">
-                      <a16:colId xmlns:a16="http://schemas.microsoft.com/office/drawing/2014/main" val="2222812279"/>
-                    </a:ext>
-                  </a:extLst>
-                </a:gridCol>
-                <a:gridCol w="1229135">
-                  <a:extLst>
-                    <a:ext uri="{9D8B030D-6E8A-4147-A177-3AD203B41FA5}">
-                      <a16:colId xmlns:a16="http://schemas.microsoft.com/office/drawing/2014/main" val="3232240079"/>
-                    </a:ext>
-                  </a:extLst>
-                </a:gridCol>
-              </a:tblGrid>
-              <a:tr h="434798">
-                <a:tc>
-                  <a:txBody>
-                    <a:bodyPr/>
-                    <a:lstStyle/>
-                    <a:p>
-                      <a:pPr algn="ctr">
-                        <a:lnSpc>
-                          <a:spcPct val="107000"/>
-                        </a:lnSpc>
-                        <a:spcAft>
-                          <a:spcPts val="800"/>
-                        </a:spcAft>
-                      </a:pPr>
-                      <a:r>
-                        <a:rPr lang="en-US" sz="2500" dirty="0">
-                          <a:effectLst/>
-                        </a:rPr>
-                        <a:t> </a:t>
-                      </a:r>
-                      <a:endParaRPr lang="en-US" sz="2500" dirty="0">
-                        <a:effectLst/>
-                        <a:latin typeface="Calibri" panose="020F0502020204030204" pitchFamily="34" charset="0"/>
-                        <a:ea typeface="Calibri" panose="020F0502020204030204" pitchFamily="34" charset="0"/>
-                        <a:cs typeface="Times New Roman" panose="02020603050405020304" pitchFamily="18" charset="0"/>
-                      </a:endParaRPr>
-                    </a:p>
-                  </a:txBody>
-                  <a:tcPr marL="156172" marR="156172" marT="0" marB="0" anchor="ctr"/>
-                </a:tc>
-                <a:tc gridSpan="2">
-                  <a:txBody>
-                    <a:bodyPr/>
-                    <a:lstStyle/>
-                    <a:p>
-                      <a:pPr algn="ctr">
-                        <a:lnSpc>
-                          <a:spcPct val="107000"/>
-                        </a:lnSpc>
-                        <a:spcAft>
-                          <a:spcPts val="800"/>
-                        </a:spcAft>
-                      </a:pPr>
-                      <a:r>
-                        <a:rPr lang="en-US" sz="2500">
-                          <a:effectLst/>
-                        </a:rPr>
-                        <a:t>Prognozuotos</a:t>
-                      </a:r>
-                      <a:endParaRPr lang="en-US" sz="2500">
-                        <a:effectLst/>
-                        <a:latin typeface="Calibri" panose="020F0502020204030204" pitchFamily="34" charset="0"/>
-                        <a:ea typeface="Calibri" panose="020F0502020204030204" pitchFamily="34" charset="0"/>
-                        <a:cs typeface="Times New Roman" panose="02020603050405020304" pitchFamily="18" charset="0"/>
-                      </a:endParaRPr>
-                    </a:p>
-                  </a:txBody>
-                  <a:tcPr marL="75422" marR="75422" marT="37711" marB="37711" anchor="ctr"/>
-                </a:tc>
-                <a:tc hMerge="1">
-                  <a:txBody>
-                    <a:bodyPr/>
-                    <a:lstStyle/>
-                    <a:p>
-                      <a:endParaRPr lang="LID4096"/>
-                    </a:p>
-                  </a:txBody>
-                  <a:tcPr/>
-                </a:tc>
-                <a:extLst>
-                  <a:ext uri="{0D108BD9-81ED-4DB2-BD59-A6C34878D82A}">
-                    <a16:rowId xmlns:a16="http://schemas.microsoft.com/office/drawing/2014/main" val="2874766052"/>
-                  </a:ext>
-                </a:extLst>
-              </a:tr>
-              <a:tr h="390431">
-                <a:tc rowSpan="2">
-                  <a:txBody>
-                    <a:bodyPr/>
-                    <a:lstStyle/>
-                    <a:p>
-                      <a:pPr algn="ctr">
-                        <a:lnSpc>
-                          <a:spcPct val="107000"/>
-                        </a:lnSpc>
-                        <a:spcAft>
-                          <a:spcPts val="800"/>
-                        </a:spcAft>
-                      </a:pPr>
-                      <a:r>
-                        <a:rPr lang="en-US" sz="2500">
-                          <a:effectLst/>
-                        </a:rPr>
-                        <a:t>Tikros</a:t>
-                      </a:r>
-                      <a:endParaRPr lang="en-US" sz="2500">
-                        <a:effectLst/>
-                        <a:latin typeface="Calibri" panose="020F0502020204030204" pitchFamily="34" charset="0"/>
-                        <a:ea typeface="Calibri" panose="020F0502020204030204" pitchFamily="34" charset="0"/>
-                        <a:cs typeface="Times New Roman" panose="02020603050405020304" pitchFamily="18" charset="0"/>
-                      </a:endParaRPr>
-                    </a:p>
-                  </a:txBody>
-                  <a:tcPr marL="75422" marR="75422" marT="37711" marB="37711" anchor="ctr"/>
-                </a:tc>
-                <a:tc>
-                  <a:txBody>
-                    <a:bodyPr/>
-                    <a:lstStyle/>
-                    <a:p>
-                      <a:pPr algn="ctr">
-                        <a:lnSpc>
-                          <a:spcPct val="107000"/>
-                        </a:lnSpc>
-                        <a:spcAft>
-                          <a:spcPts val="800"/>
-                        </a:spcAft>
-                      </a:pPr>
-                      <a:r>
-                        <a:rPr lang="en-US" sz="2500">
-                          <a:effectLst/>
-                        </a:rPr>
-                        <a:t>18</a:t>
-                      </a:r>
-                      <a:endParaRPr lang="en-US" sz="2500">
-                        <a:effectLst/>
-                        <a:latin typeface="Calibri" panose="020F0502020204030204" pitchFamily="34" charset="0"/>
-                        <a:ea typeface="Calibri" panose="020F0502020204030204" pitchFamily="34" charset="0"/>
-                        <a:cs typeface="Times New Roman" panose="02020603050405020304" pitchFamily="18" charset="0"/>
-                      </a:endParaRPr>
-                    </a:p>
-                  </a:txBody>
-                  <a:tcPr marL="156172" marR="156172" marT="0" marB="0" anchor="ctr"/>
-                </a:tc>
-                <a:tc>
-                  <a:txBody>
-                    <a:bodyPr/>
-                    <a:lstStyle/>
-                    <a:p>
-                      <a:pPr algn="ctr">
-                        <a:lnSpc>
-                          <a:spcPct val="107000"/>
-                        </a:lnSpc>
-                        <a:spcAft>
-                          <a:spcPts val="800"/>
-                        </a:spcAft>
-                      </a:pPr>
-                      <a:r>
-                        <a:rPr lang="en-US" sz="2500">
-                          <a:effectLst/>
-                        </a:rPr>
-                        <a:t>2</a:t>
-                      </a:r>
-                      <a:endParaRPr lang="en-US" sz="2500">
-                        <a:effectLst/>
-                        <a:latin typeface="Calibri" panose="020F0502020204030204" pitchFamily="34" charset="0"/>
-                        <a:ea typeface="Calibri" panose="020F0502020204030204" pitchFamily="34" charset="0"/>
-                        <a:cs typeface="Times New Roman" panose="02020603050405020304" pitchFamily="18" charset="0"/>
-                      </a:endParaRPr>
-                    </a:p>
-                  </a:txBody>
-                  <a:tcPr marL="156172" marR="156172" marT="0" marB="0" anchor="ctr"/>
-                </a:tc>
-                <a:extLst>
-                  <a:ext uri="{0D108BD9-81ED-4DB2-BD59-A6C34878D82A}">
-                    <a16:rowId xmlns:a16="http://schemas.microsoft.com/office/drawing/2014/main" val="1518117979"/>
-                  </a:ext>
-                </a:extLst>
-              </a:tr>
-              <a:tr h="606900">
-                <a:tc vMerge="1">
-                  <a:txBody>
-                    <a:bodyPr/>
-                    <a:lstStyle/>
-                    <a:p>
-                      <a:endParaRPr lang="LID4096"/>
-                    </a:p>
-                  </a:txBody>
-                  <a:tcPr/>
-                </a:tc>
-                <a:tc>
-                  <a:txBody>
-                    <a:bodyPr/>
-                    <a:lstStyle/>
-                    <a:p>
-                      <a:pPr algn="ctr">
-                        <a:lnSpc>
-                          <a:spcPct val="107000"/>
-                        </a:lnSpc>
-                        <a:spcAft>
-                          <a:spcPts val="800"/>
-                        </a:spcAft>
-                      </a:pPr>
-                      <a:r>
-                        <a:rPr lang="en-US" sz="2500">
-                          <a:effectLst/>
-                        </a:rPr>
-                        <a:t>7</a:t>
-                      </a:r>
-                      <a:endParaRPr lang="en-US" sz="2500">
-                        <a:effectLst/>
-                        <a:latin typeface="Calibri" panose="020F0502020204030204" pitchFamily="34" charset="0"/>
-                        <a:ea typeface="Calibri" panose="020F0502020204030204" pitchFamily="34" charset="0"/>
-                        <a:cs typeface="Times New Roman" panose="02020603050405020304" pitchFamily="18" charset="0"/>
-                      </a:endParaRPr>
-                    </a:p>
-                  </a:txBody>
-                  <a:tcPr marL="156172" marR="156172" marT="0" marB="0" anchor="ctr"/>
-                </a:tc>
-                <a:tc>
-                  <a:txBody>
-                    <a:bodyPr/>
-                    <a:lstStyle/>
-                    <a:p>
-                      <a:pPr algn="ctr">
-                        <a:lnSpc>
-                          <a:spcPct val="107000"/>
-                        </a:lnSpc>
-                        <a:spcAft>
-                          <a:spcPts val="800"/>
-                        </a:spcAft>
-                      </a:pPr>
-                      <a:r>
-                        <a:rPr lang="en-US" sz="2500" dirty="0">
-                          <a:effectLst/>
-                        </a:rPr>
-                        <a:t>13</a:t>
-                      </a:r>
-                      <a:endParaRPr lang="en-US" sz="2500" dirty="0">
-                        <a:effectLst/>
-                        <a:latin typeface="Calibri" panose="020F0502020204030204" pitchFamily="34" charset="0"/>
-                        <a:ea typeface="Calibri" panose="020F0502020204030204" pitchFamily="34" charset="0"/>
-                        <a:cs typeface="Times New Roman" panose="02020603050405020304" pitchFamily="18" charset="0"/>
-                      </a:endParaRPr>
-                    </a:p>
-                  </a:txBody>
-                  <a:tcPr marL="156172" marR="156172" marT="0" marB="0" anchor="ctr"/>
-                </a:tc>
-                <a:extLst>
-                  <a:ext uri="{0D108BD9-81ED-4DB2-BD59-A6C34878D82A}">
-                    <a16:rowId xmlns:a16="http://schemas.microsoft.com/office/drawing/2014/main" val="1940669944"/>
-                  </a:ext>
-                </a:extLst>
-              </a:tr>
-            </a:tbl>
-          </a:graphicData>
-        </a:graphic>
-      </p:graphicFrame>
-    </p:spTree>
-    <p:extLst>
-      <p:ext uri="{BB962C8B-B14F-4D97-AF65-F5344CB8AC3E}">
-        <p14:creationId xmlns:p14="http://schemas.microsoft.com/office/powerpoint/2010/main" val="3374173773"/>
-      </p:ext>
-    </p:extLst>
-  </p:cSld>
-  <p:clrMapOvr>
-    <a:masterClrMapping/>
-  </p:clrMapOvr>
-</p:sld>
-</file>
-
-<file path=ppt/slides/slide18.xml><?xml version="1.0" encoding="utf-8"?>
-<p:sld xmlns:a="http://schemas.openxmlformats.org/drawingml/2006/main" xmlns:r="http://schemas.openxmlformats.org/officeDocument/2006/relationships" xmlns:p="http://schemas.openxmlformats.org/presentationml/2006/main">
-  <p:cSld>
-    <p:spTree>
-      <p:nvGrpSpPr>
-        <p:cNvPr id="1" name=""/>
-        <p:cNvGrpSpPr/>
-        <p:nvPr/>
-      </p:nvGrpSpPr>
-      <p:grpSpPr>
-        <a:xfrm>
-          <a:off x="0" y="0"/>
-          <a:ext cx="0" cy="0"/>
-          <a:chOff x="0" y="0"/>
-          <a:chExt cx="0" cy="0"/>
-        </a:xfrm>
-      </p:grpSpPr>
-      <p:pic>
-        <p:nvPicPr>
-          <p:cNvPr id="5" name="Turinio vietos rezervavimo ženklas 4">
-            <a:extLst>
-              <a:ext uri="{FF2B5EF4-FFF2-40B4-BE49-F238E27FC236}">
-                <a16:creationId xmlns:a16="http://schemas.microsoft.com/office/drawing/2014/main" id="{FCF41A27-2D57-DBFF-FC40-763573780172}"/>
-              </a:ext>
-            </a:extLst>
-          </p:cNvPr>
-          <p:cNvPicPr>
-            <a:picLocks noGrp="1" noChangeAspect="1"/>
-          </p:cNvPicPr>
-          <p:nvPr>
-            <p:ph idx="1"/>
-          </p:nvPr>
-        </p:nvPicPr>
-        <p:blipFill>
-          <a:blip r:embed="rId2">
-            <a:extLst>
-              <a:ext uri="{28A0092B-C50C-407E-A947-70E740481C1C}">
-                <a14:useLocalDpi xmlns:a14="http://schemas.microsoft.com/office/drawing/2010/main" val="0"/>
-              </a:ext>
-            </a:extLst>
-          </a:blip>
-          <a:stretch>
-            <a:fillRect/>
-          </a:stretch>
-        </p:blipFill>
-        <p:spPr>
-          <a:xfrm>
-            <a:off x="5115949" y="1835564"/>
-            <a:ext cx="6611616" cy="4351338"/>
-          </a:xfrm>
-        </p:spPr>
-      </p:pic>
-      <p:sp>
-        <p:nvSpPr>
-          <p:cNvPr id="6" name="Title 1">
-            <a:extLst>
-              <a:ext uri="{FF2B5EF4-FFF2-40B4-BE49-F238E27FC236}">
-                <a16:creationId xmlns:a16="http://schemas.microsoft.com/office/drawing/2014/main" id="{6D259503-CD17-CEEC-4C85-BAFE606083A0}"/>
-              </a:ext>
-            </a:extLst>
-          </p:cNvPr>
-          <p:cNvSpPr>
-            <a:spLocks noGrp="1"/>
-          </p:cNvSpPr>
-          <p:nvPr>
-            <p:ph type="title"/>
-          </p:nvPr>
-        </p:nvSpPr>
-        <p:spPr>
-          <a:xfrm>
-            <a:off x="838200" y="365125"/>
-            <a:ext cx="10515600" cy="1325563"/>
-          </a:xfrm>
-        </p:spPr>
-        <p:txBody>
-          <a:bodyPr/>
-          <a:lstStyle/>
-          <a:p>
-            <a:r>
-              <a:rPr lang="lt-LT" sz="2600" dirty="0">
-                <a:latin typeface="Calibri"/>
-                <a:cs typeface="Calibri Light"/>
-              </a:rPr>
-              <a:t>Atsitiktinio miško rezultatai testavimo aibei</a:t>
-            </a:r>
-            <a:endParaRPr lang="en-US" sz="2600" dirty="0">
-              <a:latin typeface="Calibri"/>
-              <a:cs typeface="Calibri Light"/>
-            </a:endParaRPr>
-          </a:p>
-        </p:txBody>
-      </p:sp>
-      <p:graphicFrame>
-        <p:nvGraphicFramePr>
-          <p:cNvPr id="2" name="Lentelė 1">
-            <a:extLst>
-              <a:ext uri="{FF2B5EF4-FFF2-40B4-BE49-F238E27FC236}">
-                <a16:creationId xmlns:a16="http://schemas.microsoft.com/office/drawing/2014/main" id="{9E6C467F-900A-5F64-509E-4A8375A1B7B1}"/>
-              </a:ext>
-            </a:extLst>
-          </p:cNvPr>
-          <p:cNvGraphicFramePr>
-            <a:graphicFrameLocks noGrp="1"/>
-          </p:cNvGraphicFramePr>
-          <p:nvPr>
-            <p:extLst>
-              <p:ext uri="{D42A27DB-BD31-4B8C-83A1-F6EECF244321}">
-                <p14:modId xmlns:p14="http://schemas.microsoft.com/office/powerpoint/2010/main" val="975511686"/>
-              </p:ext>
-            </p:extLst>
-          </p:nvPr>
-        </p:nvGraphicFramePr>
-        <p:xfrm>
-          <a:off x="698154" y="3101009"/>
-          <a:ext cx="3617995" cy="1462326"/>
-        </p:xfrm>
-        <a:graphic>
-          <a:graphicData uri="http://schemas.openxmlformats.org/drawingml/2006/table">
-            <a:tbl>
-              <a:tblPr firstRow="1" firstCol="1" bandRow="1">
-                <a:tableStyleId>{5940675A-B579-460E-94D1-54222C63F5DA}</a:tableStyleId>
-              </a:tblPr>
-              <a:tblGrid>
-                <a:gridCol w="1159725">
-                  <a:extLst>
-                    <a:ext uri="{9D8B030D-6E8A-4147-A177-3AD203B41FA5}">
-                      <a16:colId xmlns:a16="http://schemas.microsoft.com/office/drawing/2014/main" val="3672081544"/>
-                    </a:ext>
-                  </a:extLst>
-                </a:gridCol>
-                <a:gridCol w="1229135">
-                  <a:extLst>
-                    <a:ext uri="{9D8B030D-6E8A-4147-A177-3AD203B41FA5}">
-                      <a16:colId xmlns:a16="http://schemas.microsoft.com/office/drawing/2014/main" val="2222812279"/>
-                    </a:ext>
-                  </a:extLst>
-                </a:gridCol>
-                <a:gridCol w="1229135">
-                  <a:extLst>
-                    <a:ext uri="{9D8B030D-6E8A-4147-A177-3AD203B41FA5}">
-                      <a16:colId xmlns:a16="http://schemas.microsoft.com/office/drawing/2014/main" val="3232240079"/>
-                    </a:ext>
-                  </a:extLst>
-                </a:gridCol>
-              </a:tblGrid>
-              <a:tr h="434798">
-                <a:tc>
-                  <a:txBody>
-                    <a:bodyPr/>
-                    <a:lstStyle/>
-                    <a:p>
-                      <a:pPr algn="ctr">
-                        <a:lnSpc>
-                          <a:spcPct val="107000"/>
-                        </a:lnSpc>
-                        <a:spcAft>
-                          <a:spcPts val="800"/>
-                        </a:spcAft>
-                      </a:pPr>
-                      <a:r>
-                        <a:rPr lang="en-US" sz="2500" dirty="0">
-                          <a:effectLst/>
-                        </a:rPr>
-                        <a:t> </a:t>
-                      </a:r>
-                      <a:endParaRPr lang="en-US" sz="2500" dirty="0">
-                        <a:effectLst/>
-                        <a:latin typeface="Calibri" panose="020F0502020204030204" pitchFamily="34" charset="0"/>
-                        <a:ea typeface="Calibri" panose="020F0502020204030204" pitchFamily="34" charset="0"/>
-                        <a:cs typeface="Times New Roman" panose="02020603050405020304" pitchFamily="18" charset="0"/>
-                      </a:endParaRPr>
-                    </a:p>
-                  </a:txBody>
-                  <a:tcPr marL="156172" marR="156172" marT="0" marB="0" anchor="ctr"/>
-                </a:tc>
-                <a:tc gridSpan="2">
-                  <a:txBody>
-                    <a:bodyPr/>
-                    <a:lstStyle/>
-                    <a:p>
-                      <a:pPr algn="ctr">
-                        <a:lnSpc>
-                          <a:spcPct val="107000"/>
-                        </a:lnSpc>
-                        <a:spcAft>
-                          <a:spcPts val="800"/>
-                        </a:spcAft>
-                      </a:pPr>
-                      <a:r>
-                        <a:rPr lang="en-US" sz="2500">
-                          <a:effectLst/>
-                        </a:rPr>
-                        <a:t>Prognozuotos</a:t>
-                      </a:r>
-                      <a:endParaRPr lang="en-US" sz="2500">
-                        <a:effectLst/>
-                        <a:latin typeface="Calibri" panose="020F0502020204030204" pitchFamily="34" charset="0"/>
-                        <a:ea typeface="Calibri" panose="020F0502020204030204" pitchFamily="34" charset="0"/>
-                        <a:cs typeface="Times New Roman" panose="02020603050405020304" pitchFamily="18" charset="0"/>
-                      </a:endParaRPr>
-                    </a:p>
-                  </a:txBody>
-                  <a:tcPr marL="75422" marR="75422" marT="37711" marB="37711" anchor="ctr"/>
-                </a:tc>
-                <a:tc hMerge="1">
-                  <a:txBody>
-                    <a:bodyPr/>
-                    <a:lstStyle/>
-                    <a:p>
-                      <a:endParaRPr lang="LID4096"/>
-                    </a:p>
-                  </a:txBody>
-                  <a:tcPr/>
-                </a:tc>
-                <a:extLst>
-                  <a:ext uri="{0D108BD9-81ED-4DB2-BD59-A6C34878D82A}">
-                    <a16:rowId xmlns:a16="http://schemas.microsoft.com/office/drawing/2014/main" val="2874766052"/>
-                  </a:ext>
-                </a:extLst>
-              </a:tr>
-              <a:tr h="390431">
-                <a:tc rowSpan="2">
-                  <a:txBody>
-                    <a:bodyPr/>
-                    <a:lstStyle/>
-                    <a:p>
-                      <a:pPr algn="ctr">
-                        <a:lnSpc>
-                          <a:spcPct val="107000"/>
-                        </a:lnSpc>
-                        <a:spcAft>
-                          <a:spcPts val="800"/>
-                        </a:spcAft>
-                      </a:pPr>
-                      <a:r>
-                        <a:rPr lang="en-US" sz="2500">
-                          <a:effectLst/>
-                        </a:rPr>
-                        <a:t>Tikros</a:t>
-                      </a:r>
-                      <a:endParaRPr lang="en-US" sz="2500">
-                        <a:effectLst/>
-                        <a:latin typeface="Calibri" panose="020F0502020204030204" pitchFamily="34" charset="0"/>
-                        <a:ea typeface="Calibri" panose="020F0502020204030204" pitchFamily="34" charset="0"/>
-                        <a:cs typeface="Times New Roman" panose="02020603050405020304" pitchFamily="18" charset="0"/>
-                      </a:endParaRPr>
-                    </a:p>
-                  </a:txBody>
-                  <a:tcPr marL="75422" marR="75422" marT="37711" marB="37711" anchor="ctr"/>
-                </a:tc>
-                <a:tc>
-                  <a:txBody>
-                    <a:bodyPr/>
-                    <a:lstStyle/>
-                    <a:p>
-                      <a:pPr algn="ctr">
-                        <a:lnSpc>
-                          <a:spcPct val="107000"/>
-                        </a:lnSpc>
-                        <a:spcAft>
-                          <a:spcPts val="800"/>
-                        </a:spcAft>
-                      </a:pPr>
-                      <a:r>
-                        <a:rPr lang="en-US" sz="2500">
-                          <a:effectLst/>
-                        </a:rPr>
-                        <a:t>18</a:t>
-                      </a:r>
-                      <a:endParaRPr lang="en-US" sz="2500">
-                        <a:effectLst/>
-                        <a:latin typeface="Calibri" panose="020F0502020204030204" pitchFamily="34" charset="0"/>
-                        <a:ea typeface="Calibri" panose="020F0502020204030204" pitchFamily="34" charset="0"/>
-                        <a:cs typeface="Times New Roman" panose="02020603050405020304" pitchFamily="18" charset="0"/>
-                      </a:endParaRPr>
-                    </a:p>
-                  </a:txBody>
-                  <a:tcPr marL="156172" marR="156172" marT="0" marB="0" anchor="ctr"/>
-                </a:tc>
-                <a:tc>
-                  <a:txBody>
-                    <a:bodyPr/>
-                    <a:lstStyle/>
-                    <a:p>
-                      <a:pPr algn="ctr">
-                        <a:lnSpc>
-                          <a:spcPct val="107000"/>
-                        </a:lnSpc>
-                        <a:spcAft>
-                          <a:spcPts val="800"/>
-                        </a:spcAft>
-                      </a:pPr>
-                      <a:r>
-                        <a:rPr lang="en-US" sz="2500">
-                          <a:effectLst/>
-                        </a:rPr>
-                        <a:t>2</a:t>
-                      </a:r>
-                      <a:endParaRPr lang="en-US" sz="2500">
-                        <a:effectLst/>
-                        <a:latin typeface="Calibri" panose="020F0502020204030204" pitchFamily="34" charset="0"/>
-                        <a:ea typeface="Calibri" panose="020F0502020204030204" pitchFamily="34" charset="0"/>
-                        <a:cs typeface="Times New Roman" panose="02020603050405020304" pitchFamily="18" charset="0"/>
-                      </a:endParaRPr>
-                    </a:p>
-                  </a:txBody>
-                  <a:tcPr marL="156172" marR="156172" marT="0" marB="0" anchor="ctr"/>
-                </a:tc>
-                <a:extLst>
-                  <a:ext uri="{0D108BD9-81ED-4DB2-BD59-A6C34878D82A}">
-                    <a16:rowId xmlns:a16="http://schemas.microsoft.com/office/drawing/2014/main" val="1518117979"/>
-                  </a:ext>
-                </a:extLst>
-              </a:tr>
-              <a:tr h="606900">
-                <a:tc vMerge="1">
-                  <a:txBody>
-                    <a:bodyPr/>
-                    <a:lstStyle/>
-                    <a:p>
-                      <a:endParaRPr lang="LID4096"/>
-                    </a:p>
-                  </a:txBody>
-                  <a:tcPr/>
-                </a:tc>
-                <a:tc>
-                  <a:txBody>
-                    <a:bodyPr/>
-                    <a:lstStyle/>
-                    <a:p>
-                      <a:pPr algn="ctr">
-                        <a:lnSpc>
-                          <a:spcPct val="107000"/>
-                        </a:lnSpc>
-                        <a:spcAft>
-                          <a:spcPts val="800"/>
-                        </a:spcAft>
-                      </a:pPr>
-                      <a:r>
-                        <a:rPr lang="lt-LT" sz="2500" dirty="0">
-                          <a:effectLst/>
-                          <a:latin typeface="Calibri" panose="020F0502020204030204" pitchFamily="34" charset="0"/>
-                          <a:ea typeface="Calibri" panose="020F0502020204030204" pitchFamily="34" charset="0"/>
-                          <a:cs typeface="Times New Roman" panose="02020603050405020304" pitchFamily="18" charset="0"/>
-                        </a:rPr>
-                        <a:t>1</a:t>
-                      </a:r>
-                      <a:endParaRPr lang="en-US" sz="2500" dirty="0">
-                        <a:effectLst/>
-                        <a:latin typeface="Calibri" panose="020F0502020204030204" pitchFamily="34" charset="0"/>
-                        <a:ea typeface="Calibri" panose="020F0502020204030204" pitchFamily="34" charset="0"/>
-                        <a:cs typeface="Times New Roman" panose="02020603050405020304" pitchFamily="18" charset="0"/>
-                      </a:endParaRPr>
-                    </a:p>
-                  </a:txBody>
-                  <a:tcPr marL="156172" marR="156172" marT="0" marB="0" anchor="ctr"/>
-                </a:tc>
-                <a:tc>
-                  <a:txBody>
-                    <a:bodyPr/>
-                    <a:lstStyle/>
-                    <a:p>
-                      <a:pPr algn="ctr">
-                        <a:lnSpc>
-                          <a:spcPct val="107000"/>
-                        </a:lnSpc>
-                        <a:spcAft>
-                          <a:spcPts val="800"/>
-                        </a:spcAft>
-                      </a:pPr>
-                      <a:r>
-                        <a:rPr lang="lt-LT" sz="2500" dirty="0">
-                          <a:effectLst/>
-                        </a:rPr>
-                        <a:t>19</a:t>
-                      </a:r>
-                      <a:endParaRPr lang="en-US" sz="2500" dirty="0">
-                        <a:effectLst/>
-                        <a:latin typeface="Calibri" panose="020F0502020204030204" pitchFamily="34" charset="0"/>
-                        <a:ea typeface="Calibri" panose="020F0502020204030204" pitchFamily="34" charset="0"/>
-                        <a:cs typeface="Times New Roman" panose="02020603050405020304" pitchFamily="18" charset="0"/>
-                      </a:endParaRPr>
-                    </a:p>
-                  </a:txBody>
-                  <a:tcPr marL="156172" marR="156172" marT="0" marB="0" anchor="ctr"/>
-                </a:tc>
-                <a:extLst>
-                  <a:ext uri="{0D108BD9-81ED-4DB2-BD59-A6C34878D82A}">
-                    <a16:rowId xmlns:a16="http://schemas.microsoft.com/office/drawing/2014/main" val="1940669944"/>
-                  </a:ext>
-                </a:extLst>
-              </a:tr>
-            </a:tbl>
-          </a:graphicData>
-        </a:graphic>
-      </p:graphicFrame>
-    </p:spTree>
-    <p:extLst>
-      <p:ext uri="{BB962C8B-B14F-4D97-AF65-F5344CB8AC3E}">
-        <p14:creationId xmlns:p14="http://schemas.microsoft.com/office/powerpoint/2010/main" val="4217846859"/>
-      </p:ext>
-    </p:extLst>
-  </p:cSld>
-  <p:clrMapOvr>
-    <a:masterClrMapping/>
-  </p:clrMapOvr>
-</p:sld>
-</file>
-
-<file path=ppt/slides/slide19.xml><?xml version="1.0" encoding="utf-8"?>
-<p:sld xmlns:a="http://schemas.openxmlformats.org/drawingml/2006/main" xmlns:r="http://schemas.openxmlformats.org/officeDocument/2006/relationships" xmlns:p="http://schemas.openxmlformats.org/presentationml/2006/main">
-  <p:cSld>
-    <p:spTree>
-      <p:nvGrpSpPr>
-        <p:cNvPr id="1" name=""/>
-        <p:cNvGrpSpPr/>
-        <p:nvPr/>
-      </p:nvGrpSpPr>
-      <p:grpSpPr>
-        <a:xfrm>
-          <a:off x="0" y="0"/>
-          <a:ext cx="0" cy="0"/>
-          <a:chOff x="0" y="0"/>
-          <a:chExt cx="0" cy="0"/>
-        </a:xfrm>
-      </p:grpSpPr>
-      <p:sp>
-        <p:nvSpPr>
-          <p:cNvPr id="2" name="Pavadinimas 1">
-            <a:extLst>
-              <a:ext uri="{FF2B5EF4-FFF2-40B4-BE49-F238E27FC236}">
-                <a16:creationId xmlns:a16="http://schemas.microsoft.com/office/drawing/2014/main" id="{7F4769F1-AC1F-3B41-FF42-C51120531597}"/>
-              </a:ext>
-            </a:extLst>
-          </p:cNvPr>
-          <p:cNvSpPr>
-            <a:spLocks noGrp="1"/>
-          </p:cNvSpPr>
-          <p:nvPr>
-            <p:ph type="title"/>
-          </p:nvPr>
-        </p:nvSpPr>
-        <p:spPr/>
-        <p:txBody>
-          <a:bodyPr/>
-          <a:lstStyle/>
-          <a:p>
-            <a:endParaRPr lang="LID4096"/>
-          </a:p>
-        </p:txBody>
-      </p:sp>
-      <p:sp>
-        <p:nvSpPr>
-          <p:cNvPr id="3" name="Turinio vietos rezervavimo ženklas 2">
-            <a:extLst>
-              <a:ext uri="{FF2B5EF4-FFF2-40B4-BE49-F238E27FC236}">
-                <a16:creationId xmlns:a16="http://schemas.microsoft.com/office/drawing/2014/main" id="{FC6C2956-79D9-01DF-53D8-EAE91A1F5FA5}"/>
-              </a:ext>
-            </a:extLst>
-          </p:cNvPr>
-          <p:cNvSpPr>
-            <a:spLocks noGrp="1"/>
-          </p:cNvSpPr>
-          <p:nvPr>
-            <p:ph idx="1"/>
-          </p:nvPr>
-        </p:nvSpPr>
-        <p:spPr/>
-        <p:txBody>
-          <a:bodyPr>
-            <a:normAutofit/>
-          </a:bodyPr>
-          <a:lstStyle/>
-          <a:p>
-            <a:pPr marL="0" indent="0">
-              <a:buNone/>
-            </a:pPr>
-            <a:endParaRPr lang="lt-LT" sz="2200" dirty="0"/>
-          </a:p>
-          <a:p>
-            <a:pPr marL="0" indent="0">
-              <a:buNone/>
-            </a:pPr>
-            <a:r>
-              <a:rPr lang="lt-LT" sz="2200" dirty="0"/>
-              <a:t> </a:t>
-            </a:r>
-          </a:p>
-          <a:p>
-            <a:endParaRPr lang="lt-LT" sz="2200" dirty="0"/>
-          </a:p>
-          <a:p>
-            <a:r>
-              <a:rPr lang="lt-LT" sz="2200" dirty="0"/>
-              <a:t>Pastebėta, kad blogai klasifikuotos dainos yra riboje tarp dviejų klasterių PCA metodu iki </a:t>
-            </a:r>
-            <a:r>
-              <a:rPr lang="lt-LT" sz="2200" dirty="0" err="1"/>
-              <a:t>dim</a:t>
-            </a:r>
-            <a:r>
-              <a:rPr lang="lt-LT" sz="2200" dirty="0"/>
-              <a:t>=2 sumažintoje erdvėje. Kai kurios dainos blogai klasifikuojamos visų trijų klasifikatorių.</a:t>
-            </a:r>
-            <a:endParaRPr lang="LID4096" sz="2200" dirty="0"/>
-          </a:p>
-        </p:txBody>
-      </p:sp>
-    </p:spTree>
-    <p:extLst>
-      <p:ext uri="{BB962C8B-B14F-4D97-AF65-F5344CB8AC3E}">
-        <p14:creationId xmlns:p14="http://schemas.microsoft.com/office/powerpoint/2010/main" val="1569575579"/>
       </p:ext>
     </p:extLst>
   </p:cSld>
@@ -9092,6 +7780,942 @@
 </file>
 
 <file path=ppt/slides/slide20.xml><?xml version="1.0" encoding="utf-8"?>
+<p:sld xmlns:a="http://schemas.openxmlformats.org/drawingml/2006/main" xmlns:r="http://schemas.openxmlformats.org/officeDocument/2006/relationships" xmlns:p="http://schemas.openxmlformats.org/presentationml/2006/main">
+  <p:cSld>
+    <p:spTree>
+      <p:nvGrpSpPr>
+        <p:cNvPr id="1" name=""/>
+        <p:cNvGrpSpPr/>
+        <p:nvPr/>
+      </p:nvGrpSpPr>
+      <p:grpSpPr>
+        <a:xfrm>
+          <a:off x="0" y="0"/>
+          <a:ext cx="0" cy="0"/>
+          <a:chOff x="0" y="0"/>
+          <a:chExt cx="0" cy="0"/>
+        </a:xfrm>
+      </p:grpSpPr>
+      <p:sp>
+        <p:nvSpPr>
+          <p:cNvPr id="6" name="Title 1">
+            <a:extLst>
+              <a:ext uri="{FF2B5EF4-FFF2-40B4-BE49-F238E27FC236}">
+                <a16:creationId xmlns:a16="http://schemas.microsoft.com/office/drawing/2014/main" id="{3303E598-5F80-25C4-86DC-93240AF8CA8A}"/>
+              </a:ext>
+            </a:extLst>
+          </p:cNvPr>
+          <p:cNvSpPr>
+            <a:spLocks noGrp="1"/>
+          </p:cNvSpPr>
+          <p:nvPr>
+            <p:ph type="title"/>
+          </p:nvPr>
+        </p:nvSpPr>
+        <p:spPr>
+          <a:xfrm>
+            <a:off x="838200" y="365125"/>
+            <a:ext cx="10515600" cy="1325563"/>
+          </a:xfrm>
+        </p:spPr>
+        <p:txBody>
+          <a:bodyPr/>
+          <a:lstStyle/>
+          <a:p>
+            <a:r>
+              <a:rPr lang="lt-LT" sz="2600" dirty="0">
+                <a:latin typeface="Calibri"/>
+                <a:cs typeface="Calibri Light"/>
+              </a:rPr>
+              <a:t>Sprendimų medžio rezultatai testavimo aibei</a:t>
+            </a:r>
+            <a:endParaRPr lang="en-US" sz="2600" dirty="0">
+              <a:latin typeface="Calibri"/>
+              <a:cs typeface="Calibri Light"/>
+            </a:endParaRPr>
+          </a:p>
+        </p:txBody>
+      </p:sp>
+      <p:graphicFrame>
+        <p:nvGraphicFramePr>
+          <p:cNvPr id="4" name="Lentelė 3">
+            <a:extLst>
+              <a:ext uri="{FF2B5EF4-FFF2-40B4-BE49-F238E27FC236}">
+                <a16:creationId xmlns:a16="http://schemas.microsoft.com/office/drawing/2014/main" id="{824C7C4C-76ED-7524-97E4-FF0F6980D0B7}"/>
+              </a:ext>
+            </a:extLst>
+          </p:cNvPr>
+          <p:cNvGraphicFramePr>
+            <a:graphicFrameLocks noGrp="1"/>
+          </p:cNvGraphicFramePr>
+          <p:nvPr>
+            <p:extLst>
+              <p:ext uri="{D42A27DB-BD31-4B8C-83A1-F6EECF244321}">
+                <p14:modId xmlns:p14="http://schemas.microsoft.com/office/powerpoint/2010/main" val="1602557882"/>
+              </p:ext>
+            </p:extLst>
+          </p:nvPr>
+        </p:nvGraphicFramePr>
+        <p:xfrm>
+          <a:off x="698154" y="3101009"/>
+          <a:ext cx="3617995" cy="1462326"/>
+        </p:xfrm>
+        <a:graphic>
+          <a:graphicData uri="http://schemas.openxmlformats.org/drawingml/2006/table">
+            <a:tbl>
+              <a:tblPr firstRow="1" firstCol="1" bandRow="1">
+                <a:tableStyleId>{5940675A-B579-460E-94D1-54222C63F5DA}</a:tableStyleId>
+              </a:tblPr>
+              <a:tblGrid>
+                <a:gridCol w="1159725">
+                  <a:extLst>
+                    <a:ext uri="{9D8B030D-6E8A-4147-A177-3AD203B41FA5}">
+                      <a16:colId xmlns:a16="http://schemas.microsoft.com/office/drawing/2014/main" val="3672081544"/>
+                    </a:ext>
+                  </a:extLst>
+                </a:gridCol>
+                <a:gridCol w="1229135">
+                  <a:extLst>
+                    <a:ext uri="{9D8B030D-6E8A-4147-A177-3AD203B41FA5}">
+                      <a16:colId xmlns:a16="http://schemas.microsoft.com/office/drawing/2014/main" val="2222812279"/>
+                    </a:ext>
+                  </a:extLst>
+                </a:gridCol>
+                <a:gridCol w="1229135">
+                  <a:extLst>
+                    <a:ext uri="{9D8B030D-6E8A-4147-A177-3AD203B41FA5}">
+                      <a16:colId xmlns:a16="http://schemas.microsoft.com/office/drawing/2014/main" val="3232240079"/>
+                    </a:ext>
+                  </a:extLst>
+                </a:gridCol>
+              </a:tblGrid>
+              <a:tr h="434798">
+                <a:tc>
+                  <a:txBody>
+                    <a:bodyPr/>
+                    <a:lstStyle/>
+                    <a:p>
+                      <a:pPr algn="ctr">
+                        <a:lnSpc>
+                          <a:spcPct val="107000"/>
+                        </a:lnSpc>
+                        <a:spcAft>
+                          <a:spcPts val="800"/>
+                        </a:spcAft>
+                      </a:pPr>
+                      <a:r>
+                        <a:rPr lang="en-US" sz="2500" dirty="0">
+                          <a:effectLst/>
+                        </a:rPr>
+                        <a:t> </a:t>
+                      </a:r>
+                      <a:endParaRPr lang="en-US" sz="2500" dirty="0">
+                        <a:effectLst/>
+                        <a:latin typeface="Calibri" panose="020F0502020204030204" pitchFamily="34" charset="0"/>
+                        <a:ea typeface="Calibri" panose="020F0502020204030204" pitchFamily="34" charset="0"/>
+                        <a:cs typeface="Times New Roman" panose="02020603050405020304" pitchFamily="18" charset="0"/>
+                      </a:endParaRPr>
+                    </a:p>
+                  </a:txBody>
+                  <a:tcPr marL="156172" marR="156172" marT="0" marB="0" anchor="ctr"/>
+                </a:tc>
+                <a:tc gridSpan="2">
+                  <a:txBody>
+                    <a:bodyPr/>
+                    <a:lstStyle/>
+                    <a:p>
+                      <a:pPr algn="ctr">
+                        <a:lnSpc>
+                          <a:spcPct val="107000"/>
+                        </a:lnSpc>
+                        <a:spcAft>
+                          <a:spcPts val="800"/>
+                        </a:spcAft>
+                      </a:pPr>
+                      <a:r>
+                        <a:rPr lang="en-US" sz="2500">
+                          <a:effectLst/>
+                        </a:rPr>
+                        <a:t>Prognozuotos</a:t>
+                      </a:r>
+                      <a:endParaRPr lang="en-US" sz="2500">
+                        <a:effectLst/>
+                        <a:latin typeface="Calibri" panose="020F0502020204030204" pitchFamily="34" charset="0"/>
+                        <a:ea typeface="Calibri" panose="020F0502020204030204" pitchFamily="34" charset="0"/>
+                        <a:cs typeface="Times New Roman" panose="02020603050405020304" pitchFamily="18" charset="0"/>
+                      </a:endParaRPr>
+                    </a:p>
+                  </a:txBody>
+                  <a:tcPr marL="75422" marR="75422" marT="37711" marB="37711" anchor="ctr"/>
+                </a:tc>
+                <a:tc hMerge="1">
+                  <a:txBody>
+                    <a:bodyPr/>
+                    <a:lstStyle/>
+                    <a:p>
+                      <a:endParaRPr lang="LID4096"/>
+                    </a:p>
+                  </a:txBody>
+                  <a:tcPr/>
+                </a:tc>
+                <a:extLst>
+                  <a:ext uri="{0D108BD9-81ED-4DB2-BD59-A6C34878D82A}">
+                    <a16:rowId xmlns:a16="http://schemas.microsoft.com/office/drawing/2014/main" val="2874766052"/>
+                  </a:ext>
+                </a:extLst>
+              </a:tr>
+              <a:tr h="390431">
+                <a:tc rowSpan="2">
+                  <a:txBody>
+                    <a:bodyPr/>
+                    <a:lstStyle/>
+                    <a:p>
+                      <a:pPr algn="ctr">
+                        <a:lnSpc>
+                          <a:spcPct val="107000"/>
+                        </a:lnSpc>
+                        <a:spcAft>
+                          <a:spcPts val="800"/>
+                        </a:spcAft>
+                      </a:pPr>
+                      <a:r>
+                        <a:rPr lang="en-US" sz="2500">
+                          <a:effectLst/>
+                        </a:rPr>
+                        <a:t>Tikros</a:t>
+                      </a:r>
+                      <a:endParaRPr lang="en-US" sz="2500">
+                        <a:effectLst/>
+                        <a:latin typeface="Calibri" panose="020F0502020204030204" pitchFamily="34" charset="0"/>
+                        <a:ea typeface="Calibri" panose="020F0502020204030204" pitchFamily="34" charset="0"/>
+                        <a:cs typeface="Times New Roman" panose="02020603050405020304" pitchFamily="18" charset="0"/>
+                      </a:endParaRPr>
+                    </a:p>
+                  </a:txBody>
+                  <a:tcPr marL="75422" marR="75422" marT="37711" marB="37711" anchor="ctr"/>
+                </a:tc>
+                <a:tc>
+                  <a:txBody>
+                    <a:bodyPr/>
+                    <a:lstStyle/>
+                    <a:p>
+                      <a:pPr algn="ctr">
+                        <a:lnSpc>
+                          <a:spcPct val="107000"/>
+                        </a:lnSpc>
+                        <a:spcAft>
+                          <a:spcPts val="800"/>
+                        </a:spcAft>
+                      </a:pPr>
+                      <a:r>
+                        <a:rPr lang="en-US" sz="2500">
+                          <a:effectLst/>
+                        </a:rPr>
+                        <a:t>18</a:t>
+                      </a:r>
+                      <a:endParaRPr lang="en-US" sz="2500">
+                        <a:effectLst/>
+                        <a:latin typeface="Calibri" panose="020F0502020204030204" pitchFamily="34" charset="0"/>
+                        <a:ea typeface="Calibri" panose="020F0502020204030204" pitchFamily="34" charset="0"/>
+                        <a:cs typeface="Times New Roman" panose="02020603050405020304" pitchFamily="18" charset="0"/>
+                      </a:endParaRPr>
+                    </a:p>
+                  </a:txBody>
+                  <a:tcPr marL="156172" marR="156172" marT="0" marB="0" anchor="ctr"/>
+                </a:tc>
+                <a:tc>
+                  <a:txBody>
+                    <a:bodyPr/>
+                    <a:lstStyle/>
+                    <a:p>
+                      <a:pPr algn="ctr">
+                        <a:lnSpc>
+                          <a:spcPct val="107000"/>
+                        </a:lnSpc>
+                        <a:spcAft>
+                          <a:spcPts val="800"/>
+                        </a:spcAft>
+                      </a:pPr>
+                      <a:r>
+                        <a:rPr lang="en-US" sz="2500">
+                          <a:effectLst/>
+                        </a:rPr>
+                        <a:t>2</a:t>
+                      </a:r>
+                      <a:endParaRPr lang="en-US" sz="2500">
+                        <a:effectLst/>
+                        <a:latin typeface="Calibri" panose="020F0502020204030204" pitchFamily="34" charset="0"/>
+                        <a:ea typeface="Calibri" panose="020F0502020204030204" pitchFamily="34" charset="0"/>
+                        <a:cs typeface="Times New Roman" panose="02020603050405020304" pitchFamily="18" charset="0"/>
+                      </a:endParaRPr>
+                    </a:p>
+                  </a:txBody>
+                  <a:tcPr marL="156172" marR="156172" marT="0" marB="0" anchor="ctr"/>
+                </a:tc>
+                <a:extLst>
+                  <a:ext uri="{0D108BD9-81ED-4DB2-BD59-A6C34878D82A}">
+                    <a16:rowId xmlns:a16="http://schemas.microsoft.com/office/drawing/2014/main" val="1518117979"/>
+                  </a:ext>
+                </a:extLst>
+              </a:tr>
+              <a:tr h="606900">
+                <a:tc vMerge="1">
+                  <a:txBody>
+                    <a:bodyPr/>
+                    <a:lstStyle/>
+                    <a:p>
+                      <a:endParaRPr lang="LID4096"/>
+                    </a:p>
+                  </a:txBody>
+                  <a:tcPr/>
+                </a:tc>
+                <a:tc>
+                  <a:txBody>
+                    <a:bodyPr/>
+                    <a:lstStyle/>
+                    <a:p>
+                      <a:pPr algn="ctr">
+                        <a:lnSpc>
+                          <a:spcPct val="107000"/>
+                        </a:lnSpc>
+                        <a:spcAft>
+                          <a:spcPts val="800"/>
+                        </a:spcAft>
+                      </a:pPr>
+                      <a:r>
+                        <a:rPr lang="lt-LT" sz="2500" dirty="0">
+                          <a:effectLst/>
+                          <a:latin typeface="Calibri" panose="020F0502020204030204" pitchFamily="34" charset="0"/>
+                          <a:ea typeface="Calibri" panose="020F0502020204030204" pitchFamily="34" charset="0"/>
+                          <a:cs typeface="Times New Roman" panose="02020603050405020304" pitchFamily="18" charset="0"/>
+                        </a:rPr>
+                        <a:t>6</a:t>
+                      </a:r>
+                      <a:endParaRPr lang="en-US" sz="2500" dirty="0">
+                        <a:effectLst/>
+                        <a:latin typeface="Calibri" panose="020F0502020204030204" pitchFamily="34" charset="0"/>
+                        <a:ea typeface="Calibri" panose="020F0502020204030204" pitchFamily="34" charset="0"/>
+                        <a:cs typeface="Times New Roman" panose="02020603050405020304" pitchFamily="18" charset="0"/>
+                      </a:endParaRPr>
+                    </a:p>
+                  </a:txBody>
+                  <a:tcPr marL="156172" marR="156172" marT="0" marB="0" anchor="ctr"/>
+                </a:tc>
+                <a:tc>
+                  <a:txBody>
+                    <a:bodyPr/>
+                    <a:lstStyle/>
+                    <a:p>
+                      <a:pPr algn="ctr">
+                        <a:lnSpc>
+                          <a:spcPct val="107000"/>
+                        </a:lnSpc>
+                        <a:spcAft>
+                          <a:spcPts val="800"/>
+                        </a:spcAft>
+                      </a:pPr>
+                      <a:r>
+                        <a:rPr lang="en-US" sz="2500" dirty="0">
+                          <a:effectLst/>
+                        </a:rPr>
+                        <a:t>1</a:t>
+                      </a:r>
+                      <a:r>
+                        <a:rPr lang="lt-LT" sz="2500" dirty="0">
+                          <a:effectLst/>
+                        </a:rPr>
+                        <a:t>4</a:t>
+                      </a:r>
+                      <a:endParaRPr lang="en-US" sz="2500" dirty="0">
+                        <a:effectLst/>
+                        <a:latin typeface="Calibri" panose="020F0502020204030204" pitchFamily="34" charset="0"/>
+                        <a:ea typeface="Calibri" panose="020F0502020204030204" pitchFamily="34" charset="0"/>
+                        <a:cs typeface="Times New Roman" panose="02020603050405020304" pitchFamily="18" charset="0"/>
+                      </a:endParaRPr>
+                    </a:p>
+                  </a:txBody>
+                  <a:tcPr marL="156172" marR="156172" marT="0" marB="0" anchor="ctr"/>
+                </a:tc>
+                <a:extLst>
+                  <a:ext uri="{0D108BD9-81ED-4DB2-BD59-A6C34878D82A}">
+                    <a16:rowId xmlns:a16="http://schemas.microsoft.com/office/drawing/2014/main" val="1940669944"/>
+                  </a:ext>
+                </a:extLst>
+              </a:tr>
+            </a:tbl>
+          </a:graphicData>
+        </a:graphic>
+      </p:graphicFrame>
+      <p:pic>
+        <p:nvPicPr>
+          <p:cNvPr id="12" name="Turinio vietos rezervavimo ženklas 11">
+            <a:extLst>
+              <a:ext uri="{FF2B5EF4-FFF2-40B4-BE49-F238E27FC236}">
+                <a16:creationId xmlns:a16="http://schemas.microsoft.com/office/drawing/2014/main" id="{7E5ECD6B-64CB-8A0D-67EF-39413152347F}"/>
+              </a:ext>
+            </a:extLst>
+          </p:cNvPr>
+          <p:cNvPicPr>
+            <a:picLocks noGrp="1" noChangeAspect="1"/>
+          </p:cNvPicPr>
+          <p:nvPr>
+            <p:ph idx="1"/>
+          </p:nvPr>
+        </p:nvPicPr>
+        <p:blipFill>
+          <a:blip r:embed="rId2">
+            <a:extLst>
+              <a:ext uri="{28A0092B-C50C-407E-A947-70E740481C1C}">
+                <a14:useLocalDpi xmlns:a14="http://schemas.microsoft.com/office/drawing/2010/main" val="0"/>
+              </a:ext>
+            </a:extLst>
+          </a:blip>
+          <a:stretch>
+            <a:fillRect/>
+          </a:stretch>
+        </p:blipFill>
+        <p:spPr>
+          <a:xfrm>
+            <a:off x="4742184" y="1700627"/>
+            <a:ext cx="6611616" cy="4351338"/>
+          </a:xfrm>
+        </p:spPr>
+      </p:pic>
+    </p:spTree>
+    <p:extLst>
+      <p:ext uri="{BB962C8B-B14F-4D97-AF65-F5344CB8AC3E}">
+        <p14:creationId xmlns:p14="http://schemas.microsoft.com/office/powerpoint/2010/main" val="3374173773"/>
+      </p:ext>
+    </p:extLst>
+  </p:cSld>
+  <p:clrMapOvr>
+    <a:masterClrMapping/>
+  </p:clrMapOvr>
+</p:sld>
+</file>
+
+<file path=ppt/slides/slide21.xml><?xml version="1.0" encoding="utf-8"?>
+<p:sld xmlns:a="http://schemas.openxmlformats.org/drawingml/2006/main" xmlns:r="http://schemas.openxmlformats.org/officeDocument/2006/relationships" xmlns:p="http://schemas.openxmlformats.org/presentationml/2006/main">
+  <p:cSld>
+    <p:spTree>
+      <p:nvGrpSpPr>
+        <p:cNvPr id="1" name=""/>
+        <p:cNvGrpSpPr/>
+        <p:nvPr/>
+      </p:nvGrpSpPr>
+      <p:grpSpPr>
+        <a:xfrm>
+          <a:off x="0" y="0"/>
+          <a:ext cx="0" cy="0"/>
+          <a:chOff x="0" y="0"/>
+          <a:chExt cx="0" cy="0"/>
+        </a:xfrm>
+      </p:grpSpPr>
+      <p:pic>
+        <p:nvPicPr>
+          <p:cNvPr id="5" name="Turinio vietos rezervavimo ženklas 4">
+            <a:extLst>
+              <a:ext uri="{FF2B5EF4-FFF2-40B4-BE49-F238E27FC236}">
+                <a16:creationId xmlns:a16="http://schemas.microsoft.com/office/drawing/2014/main" id="{FCF41A27-2D57-DBFF-FC40-763573780172}"/>
+              </a:ext>
+            </a:extLst>
+          </p:cNvPr>
+          <p:cNvPicPr>
+            <a:picLocks noGrp="1" noChangeAspect="1"/>
+          </p:cNvPicPr>
+          <p:nvPr>
+            <p:ph idx="1"/>
+          </p:nvPr>
+        </p:nvPicPr>
+        <p:blipFill>
+          <a:blip r:embed="rId2">
+            <a:extLst>
+              <a:ext uri="{28A0092B-C50C-407E-A947-70E740481C1C}">
+                <a14:useLocalDpi xmlns:a14="http://schemas.microsoft.com/office/drawing/2010/main" val="0"/>
+              </a:ext>
+            </a:extLst>
+          </a:blip>
+          <a:stretch>
+            <a:fillRect/>
+          </a:stretch>
+        </p:blipFill>
+        <p:spPr>
+          <a:xfrm>
+            <a:off x="4742184" y="1690688"/>
+            <a:ext cx="6611616" cy="4351338"/>
+          </a:xfrm>
+        </p:spPr>
+      </p:pic>
+      <p:sp>
+        <p:nvSpPr>
+          <p:cNvPr id="6" name="Title 1">
+            <a:extLst>
+              <a:ext uri="{FF2B5EF4-FFF2-40B4-BE49-F238E27FC236}">
+                <a16:creationId xmlns:a16="http://schemas.microsoft.com/office/drawing/2014/main" id="{6D259503-CD17-CEEC-4C85-BAFE606083A0}"/>
+              </a:ext>
+            </a:extLst>
+          </p:cNvPr>
+          <p:cNvSpPr>
+            <a:spLocks noGrp="1"/>
+          </p:cNvSpPr>
+          <p:nvPr>
+            <p:ph type="title"/>
+          </p:nvPr>
+        </p:nvSpPr>
+        <p:spPr>
+          <a:xfrm>
+            <a:off x="838200" y="365125"/>
+            <a:ext cx="10515600" cy="1325563"/>
+          </a:xfrm>
+        </p:spPr>
+        <p:txBody>
+          <a:bodyPr/>
+          <a:lstStyle/>
+          <a:p>
+            <a:r>
+              <a:rPr lang="lt-LT" sz="2600" dirty="0">
+                <a:latin typeface="Calibri"/>
+                <a:cs typeface="Calibri Light"/>
+              </a:rPr>
+              <a:t>Atsitiktinio miško rezultatai testavimo aibei</a:t>
+            </a:r>
+            <a:endParaRPr lang="en-US" sz="2600" dirty="0">
+              <a:latin typeface="Calibri"/>
+              <a:cs typeface="Calibri Light"/>
+            </a:endParaRPr>
+          </a:p>
+        </p:txBody>
+      </p:sp>
+      <p:graphicFrame>
+        <p:nvGraphicFramePr>
+          <p:cNvPr id="2" name="Lentelė 1">
+            <a:extLst>
+              <a:ext uri="{FF2B5EF4-FFF2-40B4-BE49-F238E27FC236}">
+                <a16:creationId xmlns:a16="http://schemas.microsoft.com/office/drawing/2014/main" id="{9E6C467F-900A-5F64-509E-4A8375A1B7B1}"/>
+              </a:ext>
+            </a:extLst>
+          </p:cNvPr>
+          <p:cNvGraphicFramePr>
+            <a:graphicFrameLocks noGrp="1"/>
+          </p:cNvGraphicFramePr>
+          <p:nvPr>
+            <p:extLst>
+              <p:ext uri="{D42A27DB-BD31-4B8C-83A1-F6EECF244321}">
+                <p14:modId xmlns:p14="http://schemas.microsoft.com/office/powerpoint/2010/main" val="975511686"/>
+              </p:ext>
+            </p:extLst>
+          </p:nvPr>
+        </p:nvGraphicFramePr>
+        <p:xfrm>
+          <a:off x="698154" y="3101009"/>
+          <a:ext cx="3617995" cy="1462326"/>
+        </p:xfrm>
+        <a:graphic>
+          <a:graphicData uri="http://schemas.openxmlformats.org/drawingml/2006/table">
+            <a:tbl>
+              <a:tblPr firstRow="1" firstCol="1" bandRow="1">
+                <a:tableStyleId>{5940675A-B579-460E-94D1-54222C63F5DA}</a:tableStyleId>
+              </a:tblPr>
+              <a:tblGrid>
+                <a:gridCol w="1159725">
+                  <a:extLst>
+                    <a:ext uri="{9D8B030D-6E8A-4147-A177-3AD203B41FA5}">
+                      <a16:colId xmlns:a16="http://schemas.microsoft.com/office/drawing/2014/main" val="3672081544"/>
+                    </a:ext>
+                  </a:extLst>
+                </a:gridCol>
+                <a:gridCol w="1229135">
+                  <a:extLst>
+                    <a:ext uri="{9D8B030D-6E8A-4147-A177-3AD203B41FA5}">
+                      <a16:colId xmlns:a16="http://schemas.microsoft.com/office/drawing/2014/main" val="2222812279"/>
+                    </a:ext>
+                  </a:extLst>
+                </a:gridCol>
+                <a:gridCol w="1229135">
+                  <a:extLst>
+                    <a:ext uri="{9D8B030D-6E8A-4147-A177-3AD203B41FA5}">
+                      <a16:colId xmlns:a16="http://schemas.microsoft.com/office/drawing/2014/main" val="3232240079"/>
+                    </a:ext>
+                  </a:extLst>
+                </a:gridCol>
+              </a:tblGrid>
+              <a:tr h="434798">
+                <a:tc>
+                  <a:txBody>
+                    <a:bodyPr/>
+                    <a:lstStyle/>
+                    <a:p>
+                      <a:pPr algn="ctr">
+                        <a:lnSpc>
+                          <a:spcPct val="107000"/>
+                        </a:lnSpc>
+                        <a:spcAft>
+                          <a:spcPts val="800"/>
+                        </a:spcAft>
+                      </a:pPr>
+                      <a:r>
+                        <a:rPr lang="en-US" sz="2500" dirty="0">
+                          <a:effectLst/>
+                        </a:rPr>
+                        <a:t> </a:t>
+                      </a:r>
+                      <a:endParaRPr lang="en-US" sz="2500" dirty="0">
+                        <a:effectLst/>
+                        <a:latin typeface="Calibri" panose="020F0502020204030204" pitchFamily="34" charset="0"/>
+                        <a:ea typeface="Calibri" panose="020F0502020204030204" pitchFamily="34" charset="0"/>
+                        <a:cs typeface="Times New Roman" panose="02020603050405020304" pitchFamily="18" charset="0"/>
+                      </a:endParaRPr>
+                    </a:p>
+                  </a:txBody>
+                  <a:tcPr marL="156172" marR="156172" marT="0" marB="0" anchor="ctr"/>
+                </a:tc>
+                <a:tc gridSpan="2">
+                  <a:txBody>
+                    <a:bodyPr/>
+                    <a:lstStyle/>
+                    <a:p>
+                      <a:pPr algn="ctr">
+                        <a:lnSpc>
+                          <a:spcPct val="107000"/>
+                        </a:lnSpc>
+                        <a:spcAft>
+                          <a:spcPts val="800"/>
+                        </a:spcAft>
+                      </a:pPr>
+                      <a:r>
+                        <a:rPr lang="en-US" sz="2500">
+                          <a:effectLst/>
+                        </a:rPr>
+                        <a:t>Prognozuotos</a:t>
+                      </a:r>
+                      <a:endParaRPr lang="en-US" sz="2500">
+                        <a:effectLst/>
+                        <a:latin typeface="Calibri" panose="020F0502020204030204" pitchFamily="34" charset="0"/>
+                        <a:ea typeface="Calibri" panose="020F0502020204030204" pitchFamily="34" charset="0"/>
+                        <a:cs typeface="Times New Roman" panose="02020603050405020304" pitchFamily="18" charset="0"/>
+                      </a:endParaRPr>
+                    </a:p>
+                  </a:txBody>
+                  <a:tcPr marL="75422" marR="75422" marT="37711" marB="37711" anchor="ctr"/>
+                </a:tc>
+                <a:tc hMerge="1">
+                  <a:txBody>
+                    <a:bodyPr/>
+                    <a:lstStyle/>
+                    <a:p>
+                      <a:endParaRPr lang="LID4096"/>
+                    </a:p>
+                  </a:txBody>
+                  <a:tcPr/>
+                </a:tc>
+                <a:extLst>
+                  <a:ext uri="{0D108BD9-81ED-4DB2-BD59-A6C34878D82A}">
+                    <a16:rowId xmlns:a16="http://schemas.microsoft.com/office/drawing/2014/main" val="2874766052"/>
+                  </a:ext>
+                </a:extLst>
+              </a:tr>
+              <a:tr h="390431">
+                <a:tc rowSpan="2">
+                  <a:txBody>
+                    <a:bodyPr/>
+                    <a:lstStyle/>
+                    <a:p>
+                      <a:pPr algn="ctr">
+                        <a:lnSpc>
+                          <a:spcPct val="107000"/>
+                        </a:lnSpc>
+                        <a:spcAft>
+                          <a:spcPts val="800"/>
+                        </a:spcAft>
+                      </a:pPr>
+                      <a:r>
+                        <a:rPr lang="en-US" sz="2500">
+                          <a:effectLst/>
+                        </a:rPr>
+                        <a:t>Tikros</a:t>
+                      </a:r>
+                      <a:endParaRPr lang="en-US" sz="2500">
+                        <a:effectLst/>
+                        <a:latin typeface="Calibri" panose="020F0502020204030204" pitchFamily="34" charset="0"/>
+                        <a:ea typeface="Calibri" panose="020F0502020204030204" pitchFamily="34" charset="0"/>
+                        <a:cs typeface="Times New Roman" panose="02020603050405020304" pitchFamily="18" charset="0"/>
+                      </a:endParaRPr>
+                    </a:p>
+                  </a:txBody>
+                  <a:tcPr marL="75422" marR="75422" marT="37711" marB="37711" anchor="ctr"/>
+                </a:tc>
+                <a:tc>
+                  <a:txBody>
+                    <a:bodyPr/>
+                    <a:lstStyle/>
+                    <a:p>
+                      <a:pPr algn="ctr">
+                        <a:lnSpc>
+                          <a:spcPct val="107000"/>
+                        </a:lnSpc>
+                        <a:spcAft>
+                          <a:spcPts val="800"/>
+                        </a:spcAft>
+                      </a:pPr>
+                      <a:r>
+                        <a:rPr lang="en-US" sz="2500">
+                          <a:effectLst/>
+                        </a:rPr>
+                        <a:t>18</a:t>
+                      </a:r>
+                      <a:endParaRPr lang="en-US" sz="2500">
+                        <a:effectLst/>
+                        <a:latin typeface="Calibri" panose="020F0502020204030204" pitchFamily="34" charset="0"/>
+                        <a:ea typeface="Calibri" panose="020F0502020204030204" pitchFamily="34" charset="0"/>
+                        <a:cs typeface="Times New Roman" panose="02020603050405020304" pitchFamily="18" charset="0"/>
+                      </a:endParaRPr>
+                    </a:p>
+                  </a:txBody>
+                  <a:tcPr marL="156172" marR="156172" marT="0" marB="0" anchor="ctr"/>
+                </a:tc>
+                <a:tc>
+                  <a:txBody>
+                    <a:bodyPr/>
+                    <a:lstStyle/>
+                    <a:p>
+                      <a:pPr algn="ctr">
+                        <a:lnSpc>
+                          <a:spcPct val="107000"/>
+                        </a:lnSpc>
+                        <a:spcAft>
+                          <a:spcPts val="800"/>
+                        </a:spcAft>
+                      </a:pPr>
+                      <a:r>
+                        <a:rPr lang="en-US" sz="2500">
+                          <a:effectLst/>
+                        </a:rPr>
+                        <a:t>2</a:t>
+                      </a:r>
+                      <a:endParaRPr lang="en-US" sz="2500">
+                        <a:effectLst/>
+                        <a:latin typeface="Calibri" panose="020F0502020204030204" pitchFamily="34" charset="0"/>
+                        <a:ea typeface="Calibri" panose="020F0502020204030204" pitchFamily="34" charset="0"/>
+                        <a:cs typeface="Times New Roman" panose="02020603050405020304" pitchFamily="18" charset="0"/>
+                      </a:endParaRPr>
+                    </a:p>
+                  </a:txBody>
+                  <a:tcPr marL="156172" marR="156172" marT="0" marB="0" anchor="ctr"/>
+                </a:tc>
+                <a:extLst>
+                  <a:ext uri="{0D108BD9-81ED-4DB2-BD59-A6C34878D82A}">
+                    <a16:rowId xmlns:a16="http://schemas.microsoft.com/office/drawing/2014/main" val="1518117979"/>
+                  </a:ext>
+                </a:extLst>
+              </a:tr>
+              <a:tr h="606900">
+                <a:tc vMerge="1">
+                  <a:txBody>
+                    <a:bodyPr/>
+                    <a:lstStyle/>
+                    <a:p>
+                      <a:endParaRPr lang="LID4096"/>
+                    </a:p>
+                  </a:txBody>
+                  <a:tcPr/>
+                </a:tc>
+                <a:tc>
+                  <a:txBody>
+                    <a:bodyPr/>
+                    <a:lstStyle/>
+                    <a:p>
+                      <a:pPr algn="ctr">
+                        <a:lnSpc>
+                          <a:spcPct val="107000"/>
+                        </a:lnSpc>
+                        <a:spcAft>
+                          <a:spcPts val="800"/>
+                        </a:spcAft>
+                      </a:pPr>
+                      <a:r>
+                        <a:rPr lang="lt-LT" sz="2500" dirty="0">
+                          <a:effectLst/>
+                          <a:latin typeface="Calibri" panose="020F0502020204030204" pitchFamily="34" charset="0"/>
+                          <a:ea typeface="Calibri" panose="020F0502020204030204" pitchFamily="34" charset="0"/>
+                          <a:cs typeface="Times New Roman" panose="02020603050405020304" pitchFamily="18" charset="0"/>
+                        </a:rPr>
+                        <a:t>1</a:t>
+                      </a:r>
+                      <a:endParaRPr lang="en-US" sz="2500" dirty="0">
+                        <a:effectLst/>
+                        <a:latin typeface="Calibri" panose="020F0502020204030204" pitchFamily="34" charset="0"/>
+                        <a:ea typeface="Calibri" panose="020F0502020204030204" pitchFamily="34" charset="0"/>
+                        <a:cs typeface="Times New Roman" panose="02020603050405020304" pitchFamily="18" charset="0"/>
+                      </a:endParaRPr>
+                    </a:p>
+                  </a:txBody>
+                  <a:tcPr marL="156172" marR="156172" marT="0" marB="0" anchor="ctr"/>
+                </a:tc>
+                <a:tc>
+                  <a:txBody>
+                    <a:bodyPr/>
+                    <a:lstStyle/>
+                    <a:p>
+                      <a:pPr algn="ctr">
+                        <a:lnSpc>
+                          <a:spcPct val="107000"/>
+                        </a:lnSpc>
+                        <a:spcAft>
+                          <a:spcPts val="800"/>
+                        </a:spcAft>
+                      </a:pPr>
+                      <a:r>
+                        <a:rPr lang="lt-LT" sz="2500" dirty="0">
+                          <a:effectLst/>
+                        </a:rPr>
+                        <a:t>19</a:t>
+                      </a:r>
+                      <a:endParaRPr lang="en-US" sz="2500" dirty="0">
+                        <a:effectLst/>
+                        <a:latin typeface="Calibri" panose="020F0502020204030204" pitchFamily="34" charset="0"/>
+                        <a:ea typeface="Calibri" panose="020F0502020204030204" pitchFamily="34" charset="0"/>
+                        <a:cs typeface="Times New Roman" panose="02020603050405020304" pitchFamily="18" charset="0"/>
+                      </a:endParaRPr>
+                    </a:p>
+                  </a:txBody>
+                  <a:tcPr marL="156172" marR="156172" marT="0" marB="0" anchor="ctr"/>
+                </a:tc>
+                <a:extLst>
+                  <a:ext uri="{0D108BD9-81ED-4DB2-BD59-A6C34878D82A}">
+                    <a16:rowId xmlns:a16="http://schemas.microsoft.com/office/drawing/2014/main" val="1940669944"/>
+                  </a:ext>
+                </a:extLst>
+              </a:tr>
+            </a:tbl>
+          </a:graphicData>
+        </a:graphic>
+      </p:graphicFrame>
+    </p:spTree>
+    <p:extLst>
+      <p:ext uri="{BB962C8B-B14F-4D97-AF65-F5344CB8AC3E}">
+        <p14:creationId xmlns:p14="http://schemas.microsoft.com/office/powerpoint/2010/main" val="4217846859"/>
+      </p:ext>
+    </p:extLst>
+  </p:cSld>
+  <p:clrMapOvr>
+    <a:masterClrMapping/>
+  </p:clrMapOvr>
+</p:sld>
+</file>
+
+<file path=ppt/slides/slide22.xml><?xml version="1.0" encoding="utf-8"?>
+<p:sld xmlns:a="http://schemas.openxmlformats.org/drawingml/2006/main" xmlns:r="http://schemas.openxmlformats.org/officeDocument/2006/relationships" xmlns:p="http://schemas.openxmlformats.org/presentationml/2006/main">
+  <p:cSld>
+    <p:spTree>
+      <p:nvGrpSpPr>
+        <p:cNvPr id="1" name=""/>
+        <p:cNvGrpSpPr/>
+        <p:nvPr/>
+      </p:nvGrpSpPr>
+      <p:grpSpPr>
+        <a:xfrm>
+          <a:off x="0" y="0"/>
+          <a:ext cx="0" cy="0"/>
+          <a:chOff x="0" y="0"/>
+          <a:chExt cx="0" cy="0"/>
+        </a:xfrm>
+      </p:grpSpPr>
+      <p:sp>
+        <p:nvSpPr>
+          <p:cNvPr id="2" name="Pavadinimas 1">
+            <a:extLst>
+              <a:ext uri="{FF2B5EF4-FFF2-40B4-BE49-F238E27FC236}">
+                <a16:creationId xmlns:a16="http://schemas.microsoft.com/office/drawing/2014/main" id="{7F4769F1-AC1F-3B41-FF42-C51120531597}"/>
+              </a:ext>
+            </a:extLst>
+          </p:cNvPr>
+          <p:cNvSpPr>
+            <a:spLocks noGrp="1"/>
+          </p:cNvSpPr>
+          <p:nvPr>
+            <p:ph type="title"/>
+          </p:nvPr>
+        </p:nvSpPr>
+        <p:spPr/>
+        <p:txBody>
+          <a:bodyPr/>
+          <a:lstStyle/>
+          <a:p>
+            <a:endParaRPr lang="LID4096"/>
+          </a:p>
+        </p:txBody>
+      </p:sp>
+      <p:sp>
+        <p:nvSpPr>
+          <p:cNvPr id="3" name="Turinio vietos rezervavimo ženklas 2">
+            <a:extLst>
+              <a:ext uri="{FF2B5EF4-FFF2-40B4-BE49-F238E27FC236}">
+                <a16:creationId xmlns:a16="http://schemas.microsoft.com/office/drawing/2014/main" id="{FC6C2956-79D9-01DF-53D8-EAE91A1F5FA5}"/>
+              </a:ext>
+            </a:extLst>
+          </p:cNvPr>
+          <p:cNvSpPr>
+            <a:spLocks noGrp="1"/>
+          </p:cNvSpPr>
+          <p:nvPr>
+            <p:ph idx="1"/>
+          </p:nvPr>
+        </p:nvSpPr>
+        <p:spPr/>
+        <p:txBody>
+          <a:bodyPr>
+            <a:normAutofit/>
+          </a:bodyPr>
+          <a:lstStyle/>
+          <a:p>
+            <a:pPr marL="0" indent="0">
+              <a:buNone/>
+            </a:pPr>
+            <a:endParaRPr lang="lt-LT" sz="2200" dirty="0"/>
+          </a:p>
+          <a:p>
+            <a:pPr marL="0" indent="0">
+              <a:buNone/>
+            </a:pPr>
+            <a:r>
+              <a:rPr lang="lt-LT" sz="2200" dirty="0"/>
+              <a:t> </a:t>
+            </a:r>
+          </a:p>
+          <a:p>
+            <a:endParaRPr lang="lt-LT" sz="2200" dirty="0"/>
+          </a:p>
+          <a:p>
+            <a:r>
+              <a:rPr lang="lt-LT" sz="2200" dirty="0"/>
+              <a:t>Pastebėta, kad blogai klasifikuotos dainos yra riboje tarp dviejų klasterių PCA metodu iki </a:t>
+            </a:r>
+            <a:r>
+              <a:rPr lang="lt-LT" sz="2200" dirty="0" err="1"/>
+              <a:t>dim</a:t>
+            </a:r>
+            <a:r>
+              <a:rPr lang="lt-LT" sz="2200" dirty="0"/>
+              <a:t>=2 sumažintoje erdvėje. Kai kurios dainos blogai klasifikuojamos visų trijų klasifikatorių.</a:t>
+            </a:r>
+            <a:endParaRPr lang="LID4096" sz="2200" dirty="0"/>
+          </a:p>
+        </p:txBody>
+      </p:sp>
+    </p:spTree>
+    <p:extLst>
+      <p:ext uri="{BB962C8B-B14F-4D97-AF65-F5344CB8AC3E}">
+        <p14:creationId xmlns:p14="http://schemas.microsoft.com/office/powerpoint/2010/main" val="1569575579"/>
+      </p:ext>
+    </p:extLst>
+  </p:cSld>
+  <p:clrMapOvr>
+    <a:masterClrMapping/>
+  </p:clrMapOvr>
+</p:sld>
+</file>
+
+<file path=ppt/slides/slide23.xml><?xml version="1.0" encoding="utf-8"?>
 <p:sld xmlns:a="http://schemas.openxmlformats.org/drawingml/2006/main" xmlns:r="http://schemas.openxmlformats.org/officeDocument/2006/relationships" xmlns:p="http://schemas.openxmlformats.org/presentationml/2006/main">
   <p:cSld>
     <p:spTree>
@@ -10058,13 +9682,21 @@
             <p:ph idx="1"/>
           </p:nvPr>
         </p:nvSpPr>
-        <p:spPr/>
+        <p:spPr>
+          <a:xfrm>
+            <a:off x="838200" y="1338608"/>
+            <a:ext cx="10515600" cy="4351338"/>
+          </a:xfrm>
+        </p:spPr>
         <p:txBody>
           <a:bodyPr>
             <a:normAutofit/>
           </a:bodyPr>
           <a:lstStyle/>
           <a:p>
+            <a:pPr marL="0" indent="0">
+              <a:buNone/>
+            </a:pPr>
             <a:endParaRPr lang="lt-LT" sz="2200" i="1" dirty="0">
               <a:effectLst/>
               <a:latin typeface="Calibri" panose="020F0502020204030204" pitchFamily="34" charset="0"/>
@@ -10282,7 +9914,13 @@
             </a:r>
             <a:r>
               <a:rPr lang="lt-LT" sz="2200" dirty="0"/>
-              <a:t>reikšmes dažniausiai gauti prastesni rezultatai lyginant su didesne požymių aibe. Tiesa, šie skirtumai maži (mažiau informatyvus požymiai retai naudojami sudaryti sprendimų mazgą).</a:t>
+              <a:t>reikšmes dažniausiai gauti prastesni rezultatai lyginant su didesne požymių aibe. Tiesa, šie skirtumai maži.</a:t>
+            </a:r>
+          </a:p>
+          <a:p>
+            <a:r>
+              <a:rPr lang="lt-LT" sz="2200" dirty="0"/>
+              <a:t>Parinkus optimalius parametrus stipriai pagerintas vidutinis kryžminės validacijos tikslumas lyginant su numatytaisiais parametrais.</a:t>
             </a:r>
           </a:p>
           <a:p>
@@ -10540,7 +10178,7 @@
                 <a:ea typeface="Calibri" panose="020F0502020204030204" pitchFamily="34" charset="0"/>
                 <a:cs typeface="Times New Roman" panose="02020603050405020304" pitchFamily="18" charset="0"/>
               </a:rPr>
-              <a:t>={10,</a:t>
+              <a:t>={</a:t>
             </a:r>
             <a:r>
               <a:rPr lang="lt-LT" sz="2200" dirty="0">
@@ -10557,7 +10195,7 @@
                 <a:ea typeface="Calibri" panose="020F0502020204030204" pitchFamily="34" charset="0"/>
                 <a:cs typeface="Times New Roman" panose="02020603050405020304" pitchFamily="18" charset="0"/>
               </a:rPr>
-              <a:t>,</a:t>
+              <a:t>,50,</a:t>
             </a:r>
             <a:r>
               <a:rPr lang="lt-LT" sz="2200" b="1" dirty="0">
@@ -10566,7 +10204,7 @@
                 <a:ea typeface="Calibri" panose="020F0502020204030204" pitchFamily="34" charset="0"/>
                 <a:cs typeface="Times New Roman" panose="02020603050405020304" pitchFamily="18" charset="0"/>
               </a:rPr>
-              <a:t>50</a:t>
+              <a:t>100</a:t>
             </a:r>
             <a:r>
               <a:rPr lang="lt-LT" sz="2200" dirty="0">
@@ -10575,7 +10213,7 @@
                 <a:ea typeface="Calibri" panose="020F0502020204030204" pitchFamily="34" charset="0"/>
                 <a:cs typeface="Times New Roman" panose="02020603050405020304" pitchFamily="18" charset="0"/>
               </a:rPr>
-              <a:t>,75},</a:t>
+              <a:t>},</a:t>
             </a:r>
           </a:p>
           <a:p>
@@ -10595,7 +10233,7 @@
                 <a:ea typeface="Calibri" panose="020F0502020204030204" pitchFamily="34" charset="0"/>
                 <a:cs typeface="Times New Roman" panose="02020603050405020304" pitchFamily="18" charset="0"/>
               </a:rPr>
-              <a:t>={3,4,</a:t>
+              <a:t>={</a:t>
             </a:r>
             <a:r>
               <a:rPr lang="lt-LT" sz="2200" b="1" dirty="0">
@@ -10604,7 +10242,7 @@
                 <a:ea typeface="Calibri" panose="020F0502020204030204" pitchFamily="34" charset="0"/>
                 <a:cs typeface="Times New Roman" panose="02020603050405020304" pitchFamily="18" charset="0"/>
               </a:rPr>
-              <a:t>5</a:t>
+              <a:t>2</a:t>
             </a:r>
             <a:r>
               <a:rPr lang="lt-LT" sz="2200" dirty="0">
@@ -10613,7 +10251,7 @@
                 <a:ea typeface="Calibri" panose="020F0502020204030204" pitchFamily="34" charset="0"/>
                 <a:cs typeface="Times New Roman" panose="02020603050405020304" pitchFamily="18" charset="0"/>
               </a:rPr>
-              <a:t>,6},</a:t>
+              <a:t>,3,4},</a:t>
             </a:r>
           </a:p>
           <a:p>
@@ -10633,7 +10271,7 @@
                 <a:ea typeface="Calibri" panose="020F0502020204030204" pitchFamily="34" charset="0"/>
                 <a:cs typeface="Times New Roman" panose="02020603050405020304" pitchFamily="18" charset="0"/>
               </a:rPr>
-              <a:t>={10,</a:t>
+              <a:t>={</a:t>
             </a:r>
             <a:r>
               <a:rPr lang="lt-LT" sz="2200" b="1" dirty="0">
@@ -10642,7 +10280,7 @@
                 <a:ea typeface="Calibri" panose="020F0502020204030204" pitchFamily="34" charset="0"/>
                 <a:cs typeface="Times New Roman" panose="02020603050405020304" pitchFamily="18" charset="0"/>
               </a:rPr>
-              <a:t>20</a:t>
+              <a:t>2</a:t>
             </a:r>
             <a:r>
               <a:rPr lang="lt-LT" sz="2200" dirty="0">
@@ -10651,7 +10289,24 @@
                 <a:ea typeface="Calibri" panose="020F0502020204030204" pitchFamily="34" charset="0"/>
                 <a:cs typeface="Times New Roman" panose="02020603050405020304" pitchFamily="18" charset="0"/>
               </a:rPr>
-              <a:t>,30},</a:t>
+              <a:t>,5,10,</a:t>
+            </a:r>
+            <a:r>
+              <a:rPr lang="lt-LT" sz="2200" b="1" dirty="0">
+                <a:latin typeface="Calibri" panose="020F0502020204030204" pitchFamily="34" charset="0"/>
+                <a:ea typeface="Calibri" panose="020F0502020204030204" pitchFamily="34" charset="0"/>
+                <a:cs typeface="Times New Roman" panose="02020603050405020304" pitchFamily="18" charset="0"/>
+              </a:rPr>
+              <a:t>15</a:t>
+            </a:r>
+            <a:r>
+              <a:rPr lang="lt-LT" sz="2200" dirty="0">
+                <a:effectLst/>
+                <a:latin typeface="Calibri" panose="020F0502020204030204" pitchFamily="34" charset="0"/>
+                <a:ea typeface="Calibri" panose="020F0502020204030204" pitchFamily="34" charset="0"/>
+                <a:cs typeface="Times New Roman" panose="02020603050405020304" pitchFamily="18" charset="0"/>
+              </a:rPr>
+              <a:t>},</a:t>
             </a:r>
           </a:p>
           <a:p>
@@ -10671,7 +10326,7 @@
                 <a:ea typeface="Calibri" panose="020F0502020204030204" pitchFamily="34" charset="0"/>
                 <a:cs typeface="Times New Roman" panose="02020603050405020304" pitchFamily="18" charset="0"/>
               </a:rPr>
-              <a:t>={0.8,</a:t>
+              <a:t>={0.8,0.9,</a:t>
             </a:r>
             <a:r>
               <a:rPr lang="lt-LT" sz="2200" b="1" dirty="0">
@@ -10680,7 +10335,7 @@
                 <a:ea typeface="Calibri" panose="020F0502020204030204" pitchFamily="34" charset="0"/>
                 <a:cs typeface="Times New Roman" panose="02020603050405020304" pitchFamily="18" charset="0"/>
               </a:rPr>
-              <a:t>0.9</a:t>
+              <a:t>1.0</a:t>
             </a:r>
             <a:r>
               <a:rPr lang="lt-LT" sz="2200" dirty="0">
@@ -10689,7 +10344,25 @@
                 <a:ea typeface="Calibri" panose="020F0502020204030204" pitchFamily="34" charset="0"/>
                 <a:cs typeface="Times New Roman" panose="02020603050405020304" pitchFamily="18" charset="0"/>
               </a:rPr>
-              <a:t>,1.0}</a:t>
+              <a:t>}</a:t>
+            </a:r>
+          </a:p>
+          <a:p>
+            <a:endParaRPr lang="lt-LT" sz="2200" dirty="0">
+              <a:latin typeface="Calibri" panose="020F0502020204030204" pitchFamily="34" charset="0"/>
+              <a:ea typeface="Calibri" panose="020F0502020204030204" pitchFamily="34" charset="0"/>
+              <a:cs typeface="Times New Roman" panose="02020603050405020304" pitchFamily="18" charset="0"/>
+            </a:endParaRPr>
+          </a:p>
+          <a:p>
+            <a:r>
+              <a:rPr lang="lt-LT" sz="2200" dirty="0">
+                <a:effectLst/>
+                <a:latin typeface="Calibri" panose="020F0502020204030204" pitchFamily="34" charset="0"/>
+                <a:ea typeface="Calibri" panose="020F0502020204030204" pitchFamily="34" charset="0"/>
+                <a:cs typeface="Times New Roman" panose="02020603050405020304" pitchFamily="18" charset="0"/>
+              </a:rPr>
+              <a:t>Tiek gautas pats optimalus parametrų rinkinys, tiek juo gautas vidutinis kryžminės validacijos tikslumas tik minimaliais skyrėsi nuo numatytųjų parametrų.</a:t>
             </a:r>
           </a:p>
           <a:p>
@@ -10699,15 +10372,9 @@
             </a:endParaRPr>
           </a:p>
           <a:p>
-            <a:r>
-              <a:rPr lang="lt-LT" sz="2200" dirty="0">
-                <a:latin typeface="Calibri" panose="020F0502020204030204" pitchFamily="34" charset="0"/>
-                <a:cs typeface="Times New Roman" panose="02020603050405020304" pitchFamily="18" charset="0"/>
-              </a:rPr>
-              <a:t>Optimaliam klasifikatoriui nenaudotas požymis „Tempo“.</a:t>
-            </a:r>
-          </a:p>
-          <a:p>
+            <a:pPr marL="0" indent="0">
+              <a:buNone/>
+            </a:pPr>
             <a:endParaRPr lang="LID4096" sz="2200" dirty="0"/>
           </a:p>
         </p:txBody>

--- a/Lab_4/Pristatymas.pptx
+++ b/Lab_4/Pristatymas.pptx
@@ -273,7 +273,7 @@
           <a:p>
             <a:fld id="{6F4E3E68-314E-4E62-AA8A-BE3F20F81523}" type="datetimeFigureOut">
               <a:rPr lang="en-US" smtClean="0"/>
-              <a:t>5/23/2022</a:t>
+              <a:t>5/25/2022</a:t>
             </a:fld>
             <a:endParaRPr lang="en-US"/>
           </a:p>
@@ -443,7 +443,7 @@
           <a:p>
             <a:fld id="{6F4E3E68-314E-4E62-AA8A-BE3F20F81523}" type="datetimeFigureOut">
               <a:rPr lang="en-US" smtClean="0"/>
-              <a:t>5/23/2022</a:t>
+              <a:t>5/25/2022</a:t>
             </a:fld>
             <a:endParaRPr lang="en-US"/>
           </a:p>
@@ -623,7 +623,7 @@
           <a:p>
             <a:fld id="{6F4E3E68-314E-4E62-AA8A-BE3F20F81523}" type="datetimeFigureOut">
               <a:rPr lang="en-US" smtClean="0"/>
-              <a:t>5/23/2022</a:t>
+              <a:t>5/25/2022</a:t>
             </a:fld>
             <a:endParaRPr lang="en-US"/>
           </a:p>
@@ -793,7 +793,7 @@
           <a:p>
             <a:fld id="{6F4E3E68-314E-4E62-AA8A-BE3F20F81523}" type="datetimeFigureOut">
               <a:rPr lang="en-US" smtClean="0"/>
-              <a:t>5/23/2022</a:t>
+              <a:t>5/25/2022</a:t>
             </a:fld>
             <a:endParaRPr lang="en-US"/>
           </a:p>
@@ -1039,7 +1039,7 @@
           <a:p>
             <a:fld id="{6F4E3E68-314E-4E62-AA8A-BE3F20F81523}" type="datetimeFigureOut">
               <a:rPr lang="en-US" smtClean="0"/>
-              <a:t>5/23/2022</a:t>
+              <a:t>5/25/2022</a:t>
             </a:fld>
             <a:endParaRPr lang="en-US"/>
           </a:p>
@@ -1271,7 +1271,7 @@
           <a:p>
             <a:fld id="{6F4E3E68-314E-4E62-AA8A-BE3F20F81523}" type="datetimeFigureOut">
               <a:rPr lang="en-US" smtClean="0"/>
-              <a:t>5/23/2022</a:t>
+              <a:t>5/25/2022</a:t>
             </a:fld>
             <a:endParaRPr lang="en-US"/>
           </a:p>
@@ -1638,7 +1638,7 @@
           <a:p>
             <a:fld id="{6F4E3E68-314E-4E62-AA8A-BE3F20F81523}" type="datetimeFigureOut">
               <a:rPr lang="en-US" smtClean="0"/>
-              <a:t>5/23/2022</a:t>
+              <a:t>5/25/2022</a:t>
             </a:fld>
             <a:endParaRPr lang="en-US"/>
           </a:p>
@@ -1756,7 +1756,7 @@
           <a:p>
             <a:fld id="{6F4E3E68-314E-4E62-AA8A-BE3F20F81523}" type="datetimeFigureOut">
               <a:rPr lang="en-US" smtClean="0"/>
-              <a:t>5/23/2022</a:t>
+              <a:t>5/25/2022</a:t>
             </a:fld>
             <a:endParaRPr lang="en-US"/>
           </a:p>
@@ -1851,7 +1851,7 @@
           <a:p>
             <a:fld id="{6F4E3E68-314E-4E62-AA8A-BE3F20F81523}" type="datetimeFigureOut">
               <a:rPr lang="en-US" smtClean="0"/>
-              <a:t>5/23/2022</a:t>
+              <a:t>5/25/2022</a:t>
             </a:fld>
             <a:endParaRPr lang="en-US"/>
           </a:p>
@@ -2128,7 +2128,7 @@
           <a:p>
             <a:fld id="{6F4E3E68-314E-4E62-AA8A-BE3F20F81523}" type="datetimeFigureOut">
               <a:rPr lang="en-US" smtClean="0"/>
-              <a:t>5/23/2022</a:t>
+              <a:t>5/25/2022</a:t>
             </a:fld>
             <a:endParaRPr lang="en-US"/>
           </a:p>
@@ -2381,7 +2381,7 @@
           <a:p>
             <a:fld id="{6F4E3E68-314E-4E62-AA8A-BE3F20F81523}" type="datetimeFigureOut">
               <a:rPr lang="en-US" smtClean="0"/>
-              <a:t>5/23/2022</a:t>
+              <a:t>5/25/2022</a:t>
             </a:fld>
             <a:endParaRPr lang="en-US"/>
           </a:p>
@@ -2594,7 +2594,7 @@
           <a:p>
             <a:fld id="{6F4E3E68-314E-4E62-AA8A-BE3F20F81523}" type="datetimeFigureOut">
               <a:rPr lang="en-US" smtClean="0"/>
-              <a:t>5/23/2022</a:t>
+              <a:t>5/25/2022</a:t>
             </a:fld>
             <a:endParaRPr lang="en-US"/>
           </a:p>
@@ -6746,7 +6746,7 @@
           <a:p>
             <a:r>
               <a:rPr lang="lt-LT" sz="2100" dirty="0"/>
-              <a:t>Visų trijų modelių atvejais tiek pagal grafinę analizę, tiek naudojant skaitines metrikas šiuo metodu gauti prastesni rezultatai.</a:t>
+              <a:t>Visų trijų modelių atvejais pagal modelio kokybės metrikas matomi prastesni PCA metodo rezultatai.</a:t>
             </a:r>
             <a:endParaRPr lang="LID4096" sz="2100" dirty="0"/>
           </a:p>
@@ -7639,7 +7639,7 @@
         <p:spPr>
           <a:xfrm>
             <a:off x="6913638" y="2873829"/>
-            <a:ext cx="4460723" cy="1107996"/>
+            <a:ext cx="4460723" cy="769441"/>
           </a:xfrm>
           <a:prstGeom prst="rect">
             <a:avLst/>
@@ -7656,64 +7656,10 @@
           <a:lstStyle/>
           <a:p>
             <a:r>
-              <a:rPr lang="en-US" sz="2200" dirty="0" err="1">
+              <a:rPr lang="lt-LT" sz="2200" dirty="0">
                 <a:cs typeface="Calibri"/>
               </a:rPr>
-              <a:t>Prieš</a:t>
-            </a:r>
-            <a:r>
-              <a:rPr lang="en-US" sz="2200" dirty="0">
-                <a:cs typeface="Calibri"/>
-              </a:rPr>
-              <a:t> tai </a:t>
-            </a:r>
-            <a:r>
-              <a:rPr lang="en-US" sz="2200" dirty="0" err="1">
-                <a:cs typeface="Calibri"/>
-              </a:rPr>
-              <a:t>su</a:t>
-            </a:r>
-            <a:r>
-              <a:rPr lang="en-US" sz="2200" dirty="0">
-                <a:cs typeface="Calibri"/>
-              </a:rPr>
-              <a:t> </a:t>
-            </a:r>
-            <a:r>
-              <a:rPr lang="en-US" sz="2200" dirty="0" err="1">
-                <a:cs typeface="Calibri"/>
-              </a:rPr>
-              <a:t>dimensijos</a:t>
-            </a:r>
-            <a:r>
-              <a:rPr lang="en-US" sz="2200" dirty="0">
-                <a:cs typeface="Calibri"/>
-              </a:rPr>
-              <a:t> </a:t>
-            </a:r>
-            <a:r>
-              <a:rPr lang="en-US" sz="2200" dirty="0" err="1">
-                <a:cs typeface="Calibri"/>
-              </a:rPr>
-              <a:t>mažinimo</a:t>
-            </a:r>
-            <a:r>
-              <a:rPr lang="en-US" sz="2200" dirty="0">
-                <a:cs typeface="Calibri"/>
-              </a:rPr>
-              <a:t> </a:t>
-            </a:r>
-            <a:r>
-              <a:rPr lang="en-US" sz="2200" dirty="0" err="1">
-                <a:cs typeface="Calibri"/>
-              </a:rPr>
-              <a:t>metodais</a:t>
-            </a:r>
-            <a:r>
-              <a:rPr lang="en-US" sz="2200" dirty="0">
-                <a:cs typeface="Calibri"/>
-              </a:rPr>
-              <a:t> </a:t>
+              <a:t>Prieš tai laboratoriniuose </a:t>
             </a:r>
             <a:r>
               <a:rPr lang="en-US" sz="2200" dirty="0" err="1">
@@ -9438,7 +9384,7 @@
                 <a:latin typeface="Calibri" panose="020F0502020204030204" pitchFamily="34" charset="0"/>
                 <a:cs typeface="Times New Roman" panose="02020603050405020304" pitchFamily="18" charset="0"/>
               </a:rPr>
-              <a:t> klasifikatorius priskiria vienodą svarbą visiems (ir neinformatyviems) požymiams.</a:t>
+              <a:t> klasifikatorius priskiria vienodą svarbą visiems (ir mažiau informatyviems) požymiams.</a:t>
             </a:r>
           </a:p>
           <a:p>
@@ -10362,7 +10308,7 @@
                 <a:ea typeface="Calibri" panose="020F0502020204030204" pitchFamily="34" charset="0"/>
                 <a:cs typeface="Times New Roman" panose="02020603050405020304" pitchFamily="18" charset="0"/>
               </a:rPr>
-              <a:t>Tiek gautas pats optimalus parametrų rinkinys, tiek juo gautas vidutinis kryžminės validacijos tikslumas tik minimaliais skyrėsi nuo numatytųjų parametrų.</a:t>
+              <a:t>Tiek pats optimalus parametrų rinkinys, tiek su juo gautas vidutinis kryžminės validacijos tikslumas tik minimaliai skyrėsi nuo numatytųjų parametrų rezultatų.</a:t>
             </a:r>
           </a:p>
           <a:p>

--- a/Lab_4/Pristatymas.pptx
+++ b/Lab_4/Pristatymas.pptx
@@ -10238,7 +10238,7 @@
               <a:t>,5,10,</a:t>
             </a:r>
             <a:r>
-              <a:rPr lang="lt-LT" sz="2200" b="1" dirty="0">
+              <a:rPr lang="lt-LT" sz="2200" dirty="0">
                 <a:latin typeface="Calibri" panose="020F0502020204030204" pitchFamily="34" charset="0"/>
                 <a:ea typeface="Calibri" panose="020F0502020204030204" pitchFamily="34" charset="0"/>
                 <a:cs typeface="Times New Roman" panose="02020603050405020304" pitchFamily="18" charset="0"/>
